--- a/anglais/Présentation.pptx
+++ b/anglais/Présentation.pptx
@@ -135,6 +135,9 @@
           </p14:sldIdLst>
         </p14:section>
       </p14:sectionLst>
+    </p:ext>
+    <p:ext uri="{EFAFB233-063F-42B5-8137-9DF3F51BA10A}">
+      <p15:sldGuideLst xmlns:p15="http://schemas.microsoft.com/office/powerpoint/2012/main"/>
     </p:ext>
   </p:extLst>
 </p:presentation>
@@ -6608,6 +6611,72 @@
               <a:rPr lang="fr-FR" dirty="0"/>
               <a:t> 3D Graph</a:t>
             </a:r>
+            <a:br>
+              <a:rPr lang="fr-FR" dirty="0"/>
+            </a:br>
+            <a:r>
+              <a:rPr lang="fr-FR" sz="1800" dirty="0">
+                <a:solidFill>
+                  <a:schemeClr val="tx1">
+                    <a:lumMod val="75000"/>
+                    <a:lumOff val="25000"/>
+                  </a:schemeClr>
+                </a:solidFill>
+              </a:rPr>
+              <a:t>Display the </a:t>
+            </a:r>
+            <a:r>
+              <a:rPr lang="fr-FR" sz="1800" dirty="0" err="1">
+                <a:solidFill>
+                  <a:schemeClr val="tx1">
+                    <a:lumMod val="75000"/>
+                    <a:lumOff val="25000"/>
+                  </a:schemeClr>
+                </a:solidFill>
+              </a:rPr>
+              <a:t>path</a:t>
+            </a:r>
+            <a:r>
+              <a:rPr lang="fr-FR" sz="1800" dirty="0">
+                <a:solidFill>
+                  <a:schemeClr val="tx1">
+                    <a:lumMod val="75000"/>
+                    <a:lumOff val="25000"/>
+                  </a:schemeClr>
+                </a:solidFill>
+              </a:rPr>
+              <a:t> </a:t>
+            </a:r>
+            <a:r>
+              <a:rPr lang="fr-FR" sz="1800" dirty="0" err="1">
+                <a:solidFill>
+                  <a:schemeClr val="tx1">
+                    <a:lumMod val="75000"/>
+                    <a:lumOff val="25000"/>
+                  </a:schemeClr>
+                </a:solidFill>
+              </a:rPr>
+              <a:t>took</a:t>
+            </a:r>
+            <a:r>
+              <a:rPr lang="fr-FR" sz="1800" dirty="0">
+                <a:solidFill>
+                  <a:schemeClr val="tx1">
+                    <a:lumMod val="75000"/>
+                    <a:lumOff val="25000"/>
+                  </a:schemeClr>
+                </a:solidFill>
+              </a:rPr>
+              <a:t> by the grains</a:t>
+            </a:r>
+            <a:endParaRPr lang="fr-FR" dirty="0">
+              <a:solidFill>
+                <a:schemeClr val="tx1">
+                  <a:lumMod val="75000"/>
+                  <a:lumOff val="25000"/>
+                </a:schemeClr>
+              </a:solidFill>
+            </a:endParaRPr>
           </a:p>
         </p:txBody>
       </p:sp>
@@ -6734,6 +6803,21 @@
               <a:rPr lang="fr-FR" dirty="0"/>
               <a:t> 3D « Mille-Feuille »</a:t>
             </a:r>
+            <a:br>
+              <a:rPr lang="fr-FR" dirty="0"/>
+            </a:br>
+            <a:r>
+              <a:rPr lang="fr-FR" sz="1800" dirty="0">
+                <a:solidFill>
+                  <a:schemeClr val="tx1">
+                    <a:lumMod val="75000"/>
+                    <a:lumOff val="25000"/>
+                  </a:schemeClr>
+                </a:solidFill>
+              </a:rPr>
+              <a:t>Display the original images (4D images)</a:t>
+            </a:r>
+            <a:endParaRPr lang="fr-FR" dirty="0"/>
           </a:p>
         </p:txBody>
       </p:sp>

--- a/anglais/Présentation.pptx
+++ b/anglais/Présentation.pptx
@@ -23,9 +23,10 @@
     <p:sldId id="266" r:id="rId18"/>
     <p:sldId id="267" r:id="rId19"/>
     <p:sldId id="268" r:id="rId20"/>
+    <p:sldId id="269" r:id="rId21"/>
   </p:sldIdLst>
   <p:sldSz cx="12192000" cy="6858000"/>
-  <p:notesSz cx="7559675" cy="10691812"/>
+  <p:notesSz cx="7772400" cy="10058400"/>
 </p:presentation>
 </file>
 
@@ -81,14 +82,16 @@
         <p:spPr>
           <a:xfrm>
             <a:off x="677160" y="696960"/>
-            <a:ext cx="8596080" cy="1145160"/>
-          </a:xfrm>
-          <a:prstGeom prst="rect">
-            <a:avLst/>
-          </a:prstGeom>
-        </p:spPr>
-        <p:txBody>
-          <a:bodyPr lIns="0" rIns="0" tIns="0" bIns="0" anchor="ctr"/>
+            <a:ext cx="8595720" cy="1144800"/>
+          </a:xfrm>
+          <a:prstGeom prst="rect">
+            <a:avLst/>
+          </a:prstGeom>
+        </p:spPr>
+        <p:txBody>
+          <a:bodyPr lIns="0" rIns="0" tIns="0" bIns="0" anchor="ctr">
+            <a:spAutoFit/>
+          </a:bodyPr>
           <a:p>
             <a:pPr algn="ctr"/>
             <a:endParaRPr b="0" lang="fr-FR" sz="4400" spc="-1" strike="noStrike">
@@ -110,7 +113,7 @@
         <p:spPr>
           <a:xfrm>
             <a:off x="677160" y="2160720"/>
-            <a:ext cx="2041200" cy="1850760"/>
+            <a:ext cx="995400" cy="1850400"/>
           </a:xfrm>
           <a:prstGeom prst="rect">
             <a:avLst/>
@@ -118,7 +121,7 @@
         </p:spPr>
         <p:txBody>
           <a:bodyPr lIns="0" rIns="0" tIns="0" bIns="0">
-            <a:normAutofit/>
+            <a:normAutofit fontScale="21000"/>
           </a:bodyPr>
           <a:p>
             <a:endParaRPr b="0" lang="fr-FR" sz="3200" spc="-1" strike="noStrike">
@@ -139,8 +142,8 @@
         </p:nvSpPr>
         <p:spPr>
           <a:xfrm>
-            <a:off x="677160" y="4187520"/>
-            <a:ext cx="2041200" cy="1850760"/>
+            <a:off x="677160" y="4187160"/>
+            <a:ext cx="995400" cy="1850400"/>
           </a:xfrm>
           <a:prstGeom prst="rect">
             <a:avLst/>
@@ -148,7 +151,7 @@
         </p:spPr>
         <p:txBody>
           <a:bodyPr lIns="0" rIns="0" tIns="0" bIns="0">
-            <a:normAutofit/>
+            <a:normAutofit fontScale="21000"/>
           </a:bodyPr>
           <a:p>
             <a:endParaRPr b="0" lang="fr-FR" sz="3200" spc="-1" strike="noStrike">
@@ -192,14 +195,16 @@
         <p:spPr>
           <a:xfrm>
             <a:off x="677160" y="696960"/>
-            <a:ext cx="8596080" cy="1145160"/>
-          </a:xfrm>
-          <a:prstGeom prst="rect">
-            <a:avLst/>
-          </a:prstGeom>
-        </p:spPr>
-        <p:txBody>
-          <a:bodyPr lIns="0" rIns="0" tIns="0" bIns="0" anchor="ctr"/>
+            <a:ext cx="8595720" cy="1144800"/>
+          </a:xfrm>
+          <a:prstGeom prst="rect">
+            <a:avLst/>
+          </a:prstGeom>
+        </p:spPr>
+        <p:txBody>
+          <a:bodyPr lIns="0" rIns="0" tIns="0" bIns="0" anchor="ctr">
+            <a:spAutoFit/>
+          </a:bodyPr>
           <a:p>
             <a:pPr algn="ctr"/>
             <a:endParaRPr b="0" lang="fr-FR" sz="4400" spc="-1" strike="noStrike">
@@ -221,7 +226,7 @@
         <p:spPr>
           <a:xfrm>
             <a:off x="677160" y="2160720"/>
-            <a:ext cx="995760" cy="1850760"/>
+            <a:ext cx="485640" cy="1850400"/>
           </a:xfrm>
           <a:prstGeom prst="rect">
             <a:avLst/>
@@ -229,7 +234,7 @@
         </p:spPr>
         <p:txBody>
           <a:bodyPr lIns="0" rIns="0" tIns="0" bIns="0">
-            <a:normAutofit/>
+            <a:normAutofit fontScale="4000"/>
           </a:bodyPr>
           <a:p>
             <a:endParaRPr b="0" lang="fr-FR" sz="3200" spc="-1" strike="noStrike">
@@ -250,8 +255,8 @@
         </p:nvSpPr>
         <p:spPr>
           <a:xfrm>
-            <a:off x="1722960" y="2160720"/>
-            <a:ext cx="995760" cy="1850760"/>
+            <a:off x="1187640" y="2160720"/>
+            <a:ext cx="485640" cy="1850400"/>
           </a:xfrm>
           <a:prstGeom prst="rect">
             <a:avLst/>
@@ -259,7 +264,7 @@
         </p:spPr>
         <p:txBody>
           <a:bodyPr lIns="0" rIns="0" tIns="0" bIns="0">
-            <a:normAutofit/>
+            <a:normAutofit fontScale="4000"/>
           </a:bodyPr>
           <a:p>
             <a:endParaRPr b="0" lang="fr-FR" sz="3200" spc="-1" strike="noStrike">
@@ -280,8 +285,8 @@
         </p:nvSpPr>
         <p:spPr>
           <a:xfrm>
-            <a:off x="677160" y="4187520"/>
-            <a:ext cx="995760" cy="1850760"/>
+            <a:off x="677160" y="4187160"/>
+            <a:ext cx="485640" cy="1850400"/>
           </a:xfrm>
           <a:prstGeom prst="rect">
             <a:avLst/>
@@ -289,7 +294,7 @@
         </p:spPr>
         <p:txBody>
           <a:bodyPr lIns="0" rIns="0" tIns="0" bIns="0">
-            <a:normAutofit/>
+            <a:normAutofit fontScale="4000"/>
           </a:bodyPr>
           <a:p>
             <a:endParaRPr b="0" lang="fr-FR" sz="3200" spc="-1" strike="noStrike">
@@ -310,8 +315,8 @@
         </p:nvSpPr>
         <p:spPr>
           <a:xfrm>
-            <a:off x="1722960" y="4187520"/>
-            <a:ext cx="995760" cy="1850760"/>
+            <a:off x="1187640" y="4187160"/>
+            <a:ext cx="485640" cy="1850400"/>
           </a:xfrm>
           <a:prstGeom prst="rect">
             <a:avLst/>
@@ -319,7 +324,7 @@
         </p:spPr>
         <p:txBody>
           <a:bodyPr lIns="0" rIns="0" tIns="0" bIns="0">
-            <a:normAutofit/>
+            <a:normAutofit fontScale="4000"/>
           </a:bodyPr>
           <a:p>
             <a:endParaRPr b="0" lang="fr-FR" sz="3200" spc="-1" strike="noStrike">
@@ -363,14 +368,16 @@
         <p:spPr>
           <a:xfrm>
             <a:off x="677160" y="696960"/>
-            <a:ext cx="8596080" cy="1145160"/>
-          </a:xfrm>
-          <a:prstGeom prst="rect">
-            <a:avLst/>
-          </a:prstGeom>
-        </p:spPr>
-        <p:txBody>
-          <a:bodyPr lIns="0" rIns="0" tIns="0" bIns="0" anchor="ctr"/>
+            <a:ext cx="8595720" cy="1144800"/>
+          </a:xfrm>
+          <a:prstGeom prst="rect">
+            <a:avLst/>
+          </a:prstGeom>
+        </p:spPr>
+        <p:txBody>
+          <a:bodyPr lIns="0" rIns="0" tIns="0" bIns="0" anchor="ctr">
+            <a:spAutoFit/>
+          </a:bodyPr>
           <a:p>
             <a:pPr algn="ctr"/>
             <a:endParaRPr b="0" lang="fr-FR" sz="4400" spc="-1" strike="noStrike">
@@ -392,7 +399,7 @@
         <p:spPr>
           <a:xfrm>
             <a:off x="677160" y="2160720"/>
-            <a:ext cx="657000" cy="1850760"/>
+            <a:ext cx="320400" cy="1850400"/>
           </a:xfrm>
           <a:prstGeom prst="rect">
             <a:avLst/>
@@ -400,7 +407,7 @@
         </p:spPr>
         <p:txBody>
           <a:bodyPr lIns="0" rIns="0" tIns="0" bIns="0">
-            <a:normAutofit/>
+            <a:normAutofit fontScale="4000"/>
           </a:bodyPr>
           <a:p>
             <a:endParaRPr b="0" lang="fr-FR" sz="3200" spc="-1" strike="noStrike">
@@ -421,8 +428,8 @@
         </p:nvSpPr>
         <p:spPr>
           <a:xfrm>
-            <a:off x="1367280" y="2160720"/>
-            <a:ext cx="657000" cy="1850760"/>
+            <a:off x="1014120" y="2160720"/>
+            <a:ext cx="320400" cy="1850400"/>
           </a:xfrm>
           <a:prstGeom prst="rect">
             <a:avLst/>
@@ -430,7 +437,7 @@
         </p:spPr>
         <p:txBody>
           <a:bodyPr lIns="0" rIns="0" tIns="0" bIns="0">
-            <a:normAutofit/>
+            <a:normAutofit fontScale="4000"/>
           </a:bodyPr>
           <a:p>
             <a:endParaRPr b="0" lang="fr-FR" sz="3200" spc="-1" strike="noStrike">
@@ -451,8 +458,8 @@
         </p:nvSpPr>
         <p:spPr>
           <a:xfrm>
-            <a:off x="2057760" y="2160720"/>
-            <a:ext cx="657000" cy="1850760"/>
+            <a:off x="1350720" y="2160720"/>
+            <a:ext cx="320400" cy="1850400"/>
           </a:xfrm>
           <a:prstGeom prst="rect">
             <a:avLst/>
@@ -460,7 +467,7 @@
         </p:spPr>
         <p:txBody>
           <a:bodyPr lIns="0" rIns="0" tIns="0" bIns="0">
-            <a:normAutofit/>
+            <a:normAutofit fontScale="4000"/>
           </a:bodyPr>
           <a:p>
             <a:endParaRPr b="0" lang="fr-FR" sz="3200" spc="-1" strike="noStrike">
@@ -481,8 +488,8 @@
         </p:nvSpPr>
         <p:spPr>
           <a:xfrm>
-            <a:off x="677160" y="4187520"/>
-            <a:ext cx="657000" cy="1850760"/>
+            <a:off x="677160" y="4187160"/>
+            <a:ext cx="320400" cy="1850400"/>
           </a:xfrm>
           <a:prstGeom prst="rect">
             <a:avLst/>
@@ -490,7 +497,7 @@
         </p:spPr>
         <p:txBody>
           <a:bodyPr lIns="0" rIns="0" tIns="0" bIns="0">
-            <a:normAutofit/>
+            <a:normAutofit fontScale="4000"/>
           </a:bodyPr>
           <a:p>
             <a:endParaRPr b="0" lang="fr-FR" sz="3200" spc="-1" strike="noStrike">
@@ -511,8 +518,8 @@
         </p:nvSpPr>
         <p:spPr>
           <a:xfrm>
-            <a:off x="1367280" y="4187520"/>
-            <a:ext cx="657000" cy="1850760"/>
+            <a:off x="1014120" y="4187160"/>
+            <a:ext cx="320400" cy="1850400"/>
           </a:xfrm>
           <a:prstGeom prst="rect">
             <a:avLst/>
@@ -520,7 +527,7 @@
         </p:spPr>
         <p:txBody>
           <a:bodyPr lIns="0" rIns="0" tIns="0" bIns="0">
-            <a:normAutofit/>
+            <a:normAutofit fontScale="4000"/>
           </a:bodyPr>
           <a:p>
             <a:endParaRPr b="0" lang="fr-FR" sz="3200" spc="-1" strike="noStrike">
@@ -541,8 +548,8 @@
         </p:nvSpPr>
         <p:spPr>
           <a:xfrm>
-            <a:off x="2057760" y="4187520"/>
-            <a:ext cx="657000" cy="1850760"/>
+            <a:off x="1350720" y="4187160"/>
+            <a:ext cx="320400" cy="1850400"/>
           </a:xfrm>
           <a:prstGeom prst="rect">
             <a:avLst/>
@@ -550,7 +557,7 @@
         </p:spPr>
         <p:txBody>
           <a:bodyPr lIns="0" rIns="0" tIns="0" bIns="0">
-            <a:normAutofit/>
+            <a:normAutofit fontScale="4000"/>
           </a:bodyPr>
           <a:p>
             <a:endParaRPr b="0" lang="fr-FR" sz="3200" spc="-1" strike="noStrike">
@@ -616,14 +623,16 @@
         <p:spPr>
           <a:xfrm>
             <a:off x="677160" y="696960"/>
-            <a:ext cx="8596080" cy="1145160"/>
-          </a:xfrm>
-          <a:prstGeom prst="rect">
-            <a:avLst/>
-          </a:prstGeom>
-        </p:spPr>
-        <p:txBody>
-          <a:bodyPr lIns="0" rIns="0" tIns="0" bIns="0" anchor="ctr"/>
+            <a:ext cx="8595720" cy="1144800"/>
+          </a:xfrm>
+          <a:prstGeom prst="rect">
+            <a:avLst/>
+          </a:prstGeom>
+        </p:spPr>
+        <p:txBody>
+          <a:bodyPr lIns="0" rIns="0" tIns="0" bIns="0" anchor="ctr">
+            <a:spAutoFit/>
+          </a:bodyPr>
           <a:p>
             <a:pPr algn="ctr"/>
             <a:endParaRPr b="0" lang="fr-FR" sz="4400" spc="-1" strike="noStrike">
@@ -645,14 +654,16 @@
         <p:spPr>
           <a:xfrm>
             <a:off x="677160" y="2160720"/>
-            <a:ext cx="2041200" cy="3880080"/>
-          </a:xfrm>
-          <a:prstGeom prst="rect">
-            <a:avLst/>
-          </a:prstGeom>
-        </p:spPr>
-        <p:txBody>
-          <a:bodyPr lIns="0" rIns="0" tIns="0" bIns="0" anchor="ctr"/>
+            <a:ext cx="995400" cy="3879720"/>
+          </a:xfrm>
+          <a:prstGeom prst="rect">
+            <a:avLst/>
+          </a:prstGeom>
+        </p:spPr>
+        <p:txBody>
+          <a:bodyPr lIns="0" rIns="0" tIns="0" bIns="0" anchor="ctr">
+            <a:spAutoFit/>
+          </a:bodyPr>
           <a:p>
             <a:pPr algn="ctr"/>
             <a:endParaRPr b="0" lang="fr-FR" sz="3200" spc="-1" strike="noStrike">
@@ -696,14 +707,16 @@
         <p:spPr>
           <a:xfrm>
             <a:off x="677160" y="696960"/>
-            <a:ext cx="8596080" cy="1145160"/>
-          </a:xfrm>
-          <a:prstGeom prst="rect">
-            <a:avLst/>
-          </a:prstGeom>
-        </p:spPr>
-        <p:txBody>
-          <a:bodyPr lIns="0" rIns="0" tIns="0" bIns="0" anchor="ctr"/>
+            <a:ext cx="8595720" cy="1144800"/>
+          </a:xfrm>
+          <a:prstGeom prst="rect">
+            <a:avLst/>
+          </a:prstGeom>
+        </p:spPr>
+        <p:txBody>
+          <a:bodyPr lIns="0" rIns="0" tIns="0" bIns="0" anchor="ctr">
+            <a:spAutoFit/>
+          </a:bodyPr>
           <a:p>
             <a:pPr algn="ctr"/>
             <a:endParaRPr b="0" lang="fr-FR" sz="4400" spc="-1" strike="noStrike">
@@ -725,7 +738,7 @@
         <p:spPr>
           <a:xfrm>
             <a:off x="677160" y="2160720"/>
-            <a:ext cx="2041200" cy="3880080"/>
+            <a:ext cx="995400" cy="3879720"/>
           </a:xfrm>
           <a:prstGeom prst="rect">
             <a:avLst/>
@@ -733,7 +746,7 @@
         </p:spPr>
         <p:txBody>
           <a:bodyPr lIns="0" rIns="0" tIns="0" bIns="0">
-            <a:normAutofit/>
+            <a:normAutofit fontScale="67000"/>
           </a:bodyPr>
           <a:p>
             <a:endParaRPr b="0" lang="fr-FR" sz="3200" spc="-1" strike="noStrike">
@@ -777,14 +790,16 @@
         <p:spPr>
           <a:xfrm>
             <a:off x="677160" y="696960"/>
-            <a:ext cx="8596080" cy="1145160"/>
-          </a:xfrm>
-          <a:prstGeom prst="rect">
-            <a:avLst/>
-          </a:prstGeom>
-        </p:spPr>
-        <p:txBody>
-          <a:bodyPr lIns="0" rIns="0" tIns="0" bIns="0" anchor="ctr"/>
+            <a:ext cx="8595720" cy="1144800"/>
+          </a:xfrm>
+          <a:prstGeom prst="rect">
+            <a:avLst/>
+          </a:prstGeom>
+        </p:spPr>
+        <p:txBody>
+          <a:bodyPr lIns="0" rIns="0" tIns="0" bIns="0" anchor="ctr">
+            <a:spAutoFit/>
+          </a:bodyPr>
           <a:p>
             <a:pPr algn="ctr"/>
             <a:endParaRPr b="0" lang="fr-FR" sz="4400" spc="-1" strike="noStrike">
@@ -806,7 +821,7 @@
         <p:spPr>
           <a:xfrm>
             <a:off x="677160" y="2160720"/>
-            <a:ext cx="995760" cy="3880080"/>
+            <a:ext cx="485640" cy="3879720"/>
           </a:xfrm>
           <a:prstGeom prst="rect">
             <a:avLst/>
@@ -814,7 +829,7 @@
         </p:spPr>
         <p:txBody>
           <a:bodyPr lIns="0" rIns="0" tIns="0" bIns="0">
-            <a:normAutofit/>
+            <a:normAutofit fontScale="15000"/>
           </a:bodyPr>
           <a:p>
             <a:endParaRPr b="0" lang="fr-FR" sz="3200" spc="-1" strike="noStrike">
@@ -835,8 +850,8 @@
         </p:nvSpPr>
         <p:spPr>
           <a:xfrm>
-            <a:off x="1722960" y="2160720"/>
-            <a:ext cx="995760" cy="3880080"/>
+            <a:off x="1187640" y="2160720"/>
+            <a:ext cx="485640" cy="3879720"/>
           </a:xfrm>
           <a:prstGeom prst="rect">
             <a:avLst/>
@@ -844,7 +859,7 @@
         </p:spPr>
         <p:txBody>
           <a:bodyPr lIns="0" rIns="0" tIns="0" bIns="0">
-            <a:normAutofit/>
+            <a:normAutofit fontScale="15000"/>
           </a:bodyPr>
           <a:p>
             <a:endParaRPr b="0" lang="fr-FR" sz="3200" spc="-1" strike="noStrike">
@@ -888,14 +903,16 @@
         <p:spPr>
           <a:xfrm>
             <a:off x="677160" y="696960"/>
-            <a:ext cx="8596080" cy="1145160"/>
-          </a:xfrm>
-          <a:prstGeom prst="rect">
-            <a:avLst/>
-          </a:prstGeom>
-        </p:spPr>
-        <p:txBody>
-          <a:bodyPr lIns="0" rIns="0" tIns="0" bIns="0" anchor="ctr"/>
+            <a:ext cx="8595720" cy="1144800"/>
+          </a:xfrm>
+          <a:prstGeom prst="rect">
+            <a:avLst/>
+          </a:prstGeom>
+        </p:spPr>
+        <p:txBody>
+          <a:bodyPr lIns="0" rIns="0" tIns="0" bIns="0" anchor="ctr">
+            <a:spAutoFit/>
+          </a:bodyPr>
           <a:p>
             <a:pPr algn="ctr"/>
             <a:endParaRPr b="0" lang="fr-FR" sz="4400" spc="-1" strike="noStrike">
@@ -939,14 +956,16 @@
         <p:spPr>
           <a:xfrm>
             <a:off x="677160" y="696960"/>
-            <a:ext cx="8596080" cy="5309640"/>
-          </a:xfrm>
-          <a:prstGeom prst="rect">
-            <a:avLst/>
-          </a:prstGeom>
-        </p:spPr>
-        <p:txBody>
-          <a:bodyPr lIns="0" rIns="0" tIns="0" bIns="0" anchor="ctr"/>
+            <a:ext cx="8595720" cy="5307840"/>
+          </a:xfrm>
+          <a:prstGeom prst="rect">
+            <a:avLst/>
+          </a:prstGeom>
+        </p:spPr>
+        <p:txBody>
+          <a:bodyPr lIns="0" rIns="0" tIns="0" bIns="0" anchor="ctr">
+            <a:spAutoFit/>
+          </a:bodyPr>
           <a:p>
             <a:pPr algn="ctr"/>
             <a:endParaRPr b="0" lang="fr-FR" sz="3200" spc="-1" strike="noStrike">
@@ -990,14 +1009,16 @@
         <p:spPr>
           <a:xfrm>
             <a:off x="677160" y="696960"/>
-            <a:ext cx="8596080" cy="1145160"/>
-          </a:xfrm>
-          <a:prstGeom prst="rect">
-            <a:avLst/>
-          </a:prstGeom>
-        </p:spPr>
-        <p:txBody>
-          <a:bodyPr lIns="0" rIns="0" tIns="0" bIns="0" anchor="ctr"/>
+            <a:ext cx="8595720" cy="1144800"/>
+          </a:xfrm>
+          <a:prstGeom prst="rect">
+            <a:avLst/>
+          </a:prstGeom>
+        </p:spPr>
+        <p:txBody>
+          <a:bodyPr lIns="0" rIns="0" tIns="0" bIns="0" anchor="ctr">
+            <a:spAutoFit/>
+          </a:bodyPr>
           <a:p>
             <a:pPr algn="ctr"/>
             <a:endParaRPr b="0" lang="fr-FR" sz="4400" spc="-1" strike="noStrike">
@@ -1019,7 +1040,7 @@
         <p:spPr>
           <a:xfrm>
             <a:off x="677160" y="2160720"/>
-            <a:ext cx="995760" cy="1850760"/>
+            <a:ext cx="485640" cy="1850400"/>
           </a:xfrm>
           <a:prstGeom prst="rect">
             <a:avLst/>
@@ -1027,7 +1048,7 @@
         </p:spPr>
         <p:txBody>
           <a:bodyPr lIns="0" rIns="0" tIns="0" bIns="0">
-            <a:normAutofit/>
+            <a:normAutofit fontScale="4000"/>
           </a:bodyPr>
           <a:p>
             <a:endParaRPr b="0" lang="fr-FR" sz="3200" spc="-1" strike="noStrike">
@@ -1048,8 +1069,8 @@
         </p:nvSpPr>
         <p:spPr>
           <a:xfrm>
-            <a:off x="1722960" y="2160720"/>
-            <a:ext cx="995760" cy="3880080"/>
+            <a:off x="1187640" y="2160720"/>
+            <a:ext cx="485640" cy="3879720"/>
           </a:xfrm>
           <a:prstGeom prst="rect">
             <a:avLst/>
@@ -1057,7 +1078,7 @@
         </p:spPr>
         <p:txBody>
           <a:bodyPr lIns="0" rIns="0" tIns="0" bIns="0">
-            <a:normAutofit/>
+            <a:normAutofit fontScale="15000"/>
           </a:bodyPr>
           <a:p>
             <a:endParaRPr b="0" lang="fr-FR" sz="3200" spc="-1" strike="noStrike">
@@ -1078,8 +1099,8 @@
         </p:nvSpPr>
         <p:spPr>
           <a:xfrm>
-            <a:off x="677160" y="4187520"/>
-            <a:ext cx="995760" cy="1850760"/>
+            <a:off x="677160" y="4187160"/>
+            <a:ext cx="485640" cy="1850400"/>
           </a:xfrm>
           <a:prstGeom prst="rect">
             <a:avLst/>
@@ -1087,7 +1108,7 @@
         </p:spPr>
         <p:txBody>
           <a:bodyPr lIns="0" rIns="0" tIns="0" bIns="0">
-            <a:normAutofit/>
+            <a:normAutofit fontScale="4000"/>
           </a:bodyPr>
           <a:p>
             <a:endParaRPr b="0" lang="fr-FR" sz="3200" spc="-1" strike="noStrike">
@@ -1131,14 +1152,16 @@
         <p:spPr>
           <a:xfrm>
             <a:off x="677160" y="696960"/>
-            <a:ext cx="8596080" cy="1145160"/>
-          </a:xfrm>
-          <a:prstGeom prst="rect">
-            <a:avLst/>
-          </a:prstGeom>
-        </p:spPr>
-        <p:txBody>
-          <a:bodyPr lIns="0" rIns="0" tIns="0" bIns="0" anchor="ctr"/>
+            <a:ext cx="8595720" cy="1144800"/>
+          </a:xfrm>
+          <a:prstGeom prst="rect">
+            <a:avLst/>
+          </a:prstGeom>
+        </p:spPr>
+        <p:txBody>
+          <a:bodyPr lIns="0" rIns="0" tIns="0" bIns="0" anchor="ctr">
+            <a:spAutoFit/>
+          </a:bodyPr>
           <a:p>
             <a:pPr algn="ctr"/>
             <a:endParaRPr b="0" lang="fr-FR" sz="4400" spc="-1" strike="noStrike">
@@ -1160,14 +1183,16 @@
         <p:spPr>
           <a:xfrm>
             <a:off x="677160" y="2160720"/>
-            <a:ext cx="2041200" cy="3880080"/>
-          </a:xfrm>
-          <a:prstGeom prst="rect">
-            <a:avLst/>
-          </a:prstGeom>
-        </p:spPr>
-        <p:txBody>
-          <a:bodyPr lIns="0" rIns="0" tIns="0" bIns="0" anchor="ctr"/>
+            <a:ext cx="995400" cy="3879720"/>
+          </a:xfrm>
+          <a:prstGeom prst="rect">
+            <a:avLst/>
+          </a:prstGeom>
+        </p:spPr>
+        <p:txBody>
+          <a:bodyPr lIns="0" rIns="0" tIns="0" bIns="0" anchor="ctr">
+            <a:spAutoFit/>
+          </a:bodyPr>
           <a:p>
             <a:pPr algn="ctr"/>
             <a:endParaRPr b="0" lang="fr-FR" sz="3200" spc="-1" strike="noStrike">
@@ -1211,14 +1236,16 @@
         <p:spPr>
           <a:xfrm>
             <a:off x="677160" y="696960"/>
-            <a:ext cx="8596080" cy="1145160"/>
-          </a:xfrm>
-          <a:prstGeom prst="rect">
-            <a:avLst/>
-          </a:prstGeom>
-        </p:spPr>
-        <p:txBody>
-          <a:bodyPr lIns="0" rIns="0" tIns="0" bIns="0" anchor="ctr"/>
+            <a:ext cx="8595720" cy="1144800"/>
+          </a:xfrm>
+          <a:prstGeom prst="rect">
+            <a:avLst/>
+          </a:prstGeom>
+        </p:spPr>
+        <p:txBody>
+          <a:bodyPr lIns="0" rIns="0" tIns="0" bIns="0" anchor="ctr">
+            <a:spAutoFit/>
+          </a:bodyPr>
           <a:p>
             <a:pPr algn="ctr"/>
             <a:endParaRPr b="0" lang="fr-FR" sz="4400" spc="-1" strike="noStrike">
@@ -1240,7 +1267,7 @@
         <p:spPr>
           <a:xfrm>
             <a:off x="677160" y="2160720"/>
-            <a:ext cx="995760" cy="3880080"/>
+            <a:ext cx="485640" cy="3879720"/>
           </a:xfrm>
           <a:prstGeom prst="rect">
             <a:avLst/>
@@ -1248,7 +1275,7 @@
         </p:spPr>
         <p:txBody>
           <a:bodyPr lIns="0" rIns="0" tIns="0" bIns="0">
-            <a:normAutofit/>
+            <a:normAutofit fontScale="15000"/>
           </a:bodyPr>
           <a:p>
             <a:endParaRPr b="0" lang="fr-FR" sz="3200" spc="-1" strike="noStrike">
@@ -1269,8 +1296,8 @@
         </p:nvSpPr>
         <p:spPr>
           <a:xfrm>
-            <a:off x="1722960" y="2160720"/>
-            <a:ext cx="995760" cy="1850760"/>
+            <a:off x="1187640" y="2160720"/>
+            <a:ext cx="485640" cy="1850400"/>
           </a:xfrm>
           <a:prstGeom prst="rect">
             <a:avLst/>
@@ -1278,7 +1305,7 @@
         </p:spPr>
         <p:txBody>
           <a:bodyPr lIns="0" rIns="0" tIns="0" bIns="0">
-            <a:normAutofit/>
+            <a:normAutofit fontScale="4000"/>
           </a:bodyPr>
           <a:p>
             <a:endParaRPr b="0" lang="fr-FR" sz="3200" spc="-1" strike="noStrike">
@@ -1299,8 +1326,8 @@
         </p:nvSpPr>
         <p:spPr>
           <a:xfrm>
-            <a:off x="1722960" y="4187520"/>
-            <a:ext cx="995760" cy="1850760"/>
+            <a:off x="1187640" y="4187160"/>
+            <a:ext cx="485640" cy="1850400"/>
           </a:xfrm>
           <a:prstGeom prst="rect">
             <a:avLst/>
@@ -1308,7 +1335,7 @@
         </p:spPr>
         <p:txBody>
           <a:bodyPr lIns="0" rIns="0" tIns="0" bIns="0">
-            <a:normAutofit/>
+            <a:normAutofit fontScale="4000"/>
           </a:bodyPr>
           <a:p>
             <a:endParaRPr b="0" lang="fr-FR" sz="3200" spc="-1" strike="noStrike">
@@ -1352,14 +1379,16 @@
         <p:spPr>
           <a:xfrm>
             <a:off x="677160" y="696960"/>
-            <a:ext cx="8596080" cy="1145160"/>
-          </a:xfrm>
-          <a:prstGeom prst="rect">
-            <a:avLst/>
-          </a:prstGeom>
-        </p:spPr>
-        <p:txBody>
-          <a:bodyPr lIns="0" rIns="0" tIns="0" bIns="0" anchor="ctr"/>
+            <a:ext cx="8595720" cy="1144800"/>
+          </a:xfrm>
+          <a:prstGeom prst="rect">
+            <a:avLst/>
+          </a:prstGeom>
+        </p:spPr>
+        <p:txBody>
+          <a:bodyPr lIns="0" rIns="0" tIns="0" bIns="0" anchor="ctr">
+            <a:spAutoFit/>
+          </a:bodyPr>
           <a:p>
             <a:pPr algn="ctr"/>
             <a:endParaRPr b="0" lang="fr-FR" sz="4400" spc="-1" strike="noStrike">
@@ -1381,7 +1410,7 @@
         <p:spPr>
           <a:xfrm>
             <a:off x="677160" y="2160720"/>
-            <a:ext cx="995760" cy="1850760"/>
+            <a:ext cx="485640" cy="1850400"/>
           </a:xfrm>
           <a:prstGeom prst="rect">
             <a:avLst/>
@@ -1389,7 +1418,7 @@
         </p:spPr>
         <p:txBody>
           <a:bodyPr lIns="0" rIns="0" tIns="0" bIns="0">
-            <a:normAutofit/>
+            <a:normAutofit fontScale="4000"/>
           </a:bodyPr>
           <a:p>
             <a:endParaRPr b="0" lang="fr-FR" sz="3200" spc="-1" strike="noStrike">
@@ -1410,8 +1439,8 @@
         </p:nvSpPr>
         <p:spPr>
           <a:xfrm>
-            <a:off x="1722960" y="2160720"/>
-            <a:ext cx="995760" cy="1850760"/>
+            <a:off x="1187640" y="2160720"/>
+            <a:ext cx="485640" cy="1850400"/>
           </a:xfrm>
           <a:prstGeom prst="rect">
             <a:avLst/>
@@ -1419,7 +1448,7 @@
         </p:spPr>
         <p:txBody>
           <a:bodyPr lIns="0" rIns="0" tIns="0" bIns="0">
-            <a:normAutofit/>
+            <a:normAutofit fontScale="4000"/>
           </a:bodyPr>
           <a:p>
             <a:endParaRPr b="0" lang="fr-FR" sz="3200" spc="-1" strike="noStrike">
@@ -1440,8 +1469,8 @@
         </p:nvSpPr>
         <p:spPr>
           <a:xfrm>
-            <a:off x="677160" y="4187520"/>
-            <a:ext cx="2041200" cy="1850760"/>
+            <a:off x="677160" y="4187160"/>
+            <a:ext cx="995400" cy="1850400"/>
           </a:xfrm>
           <a:prstGeom prst="rect">
             <a:avLst/>
@@ -1449,7 +1478,7 @@
         </p:spPr>
         <p:txBody>
           <a:bodyPr lIns="0" rIns="0" tIns="0" bIns="0">
-            <a:normAutofit/>
+            <a:normAutofit fontScale="21000"/>
           </a:bodyPr>
           <a:p>
             <a:endParaRPr b="0" lang="fr-FR" sz="3200" spc="-1" strike="noStrike">
@@ -1493,14 +1522,16 @@
         <p:spPr>
           <a:xfrm>
             <a:off x="677160" y="696960"/>
-            <a:ext cx="8596080" cy="1145160"/>
-          </a:xfrm>
-          <a:prstGeom prst="rect">
-            <a:avLst/>
-          </a:prstGeom>
-        </p:spPr>
-        <p:txBody>
-          <a:bodyPr lIns="0" rIns="0" tIns="0" bIns="0" anchor="ctr"/>
+            <a:ext cx="8595720" cy="1144800"/>
+          </a:xfrm>
+          <a:prstGeom prst="rect">
+            <a:avLst/>
+          </a:prstGeom>
+        </p:spPr>
+        <p:txBody>
+          <a:bodyPr lIns="0" rIns="0" tIns="0" bIns="0" anchor="ctr">
+            <a:spAutoFit/>
+          </a:bodyPr>
           <a:p>
             <a:pPr algn="ctr"/>
             <a:endParaRPr b="0" lang="fr-FR" sz="4400" spc="-1" strike="noStrike">
@@ -1522,7 +1553,7 @@
         <p:spPr>
           <a:xfrm>
             <a:off x="677160" y="2160720"/>
-            <a:ext cx="2041200" cy="1850760"/>
+            <a:ext cx="995400" cy="1850400"/>
           </a:xfrm>
           <a:prstGeom prst="rect">
             <a:avLst/>
@@ -1530,7 +1561,7 @@
         </p:spPr>
         <p:txBody>
           <a:bodyPr lIns="0" rIns="0" tIns="0" bIns="0">
-            <a:normAutofit/>
+            <a:normAutofit fontScale="21000"/>
           </a:bodyPr>
           <a:p>
             <a:endParaRPr b="0" lang="fr-FR" sz="3200" spc="-1" strike="noStrike">
@@ -1551,8 +1582,8 @@
         </p:nvSpPr>
         <p:spPr>
           <a:xfrm>
-            <a:off x="677160" y="4187520"/>
-            <a:ext cx="2041200" cy="1850760"/>
+            <a:off x="677160" y="4187160"/>
+            <a:ext cx="995400" cy="1850400"/>
           </a:xfrm>
           <a:prstGeom prst="rect">
             <a:avLst/>
@@ -1560,7 +1591,7 @@
         </p:spPr>
         <p:txBody>
           <a:bodyPr lIns="0" rIns="0" tIns="0" bIns="0">
-            <a:normAutofit/>
+            <a:normAutofit fontScale="21000"/>
           </a:bodyPr>
           <a:p>
             <a:endParaRPr b="0" lang="fr-FR" sz="3200" spc="-1" strike="noStrike">
@@ -1604,14 +1635,16 @@
         <p:spPr>
           <a:xfrm>
             <a:off x="677160" y="696960"/>
-            <a:ext cx="8596080" cy="1145160"/>
-          </a:xfrm>
-          <a:prstGeom prst="rect">
-            <a:avLst/>
-          </a:prstGeom>
-        </p:spPr>
-        <p:txBody>
-          <a:bodyPr lIns="0" rIns="0" tIns="0" bIns="0" anchor="ctr"/>
+            <a:ext cx="8595720" cy="1144800"/>
+          </a:xfrm>
+          <a:prstGeom prst="rect">
+            <a:avLst/>
+          </a:prstGeom>
+        </p:spPr>
+        <p:txBody>
+          <a:bodyPr lIns="0" rIns="0" tIns="0" bIns="0" anchor="ctr">
+            <a:spAutoFit/>
+          </a:bodyPr>
           <a:p>
             <a:pPr algn="ctr"/>
             <a:endParaRPr b="0" lang="fr-FR" sz="4400" spc="-1" strike="noStrike">
@@ -1633,7 +1666,7 @@
         <p:spPr>
           <a:xfrm>
             <a:off x="677160" y="2160720"/>
-            <a:ext cx="995760" cy="1850760"/>
+            <a:ext cx="485640" cy="1850400"/>
           </a:xfrm>
           <a:prstGeom prst="rect">
             <a:avLst/>
@@ -1641,7 +1674,7 @@
         </p:spPr>
         <p:txBody>
           <a:bodyPr lIns="0" rIns="0" tIns="0" bIns="0">
-            <a:normAutofit/>
+            <a:normAutofit fontScale="4000"/>
           </a:bodyPr>
           <a:p>
             <a:endParaRPr b="0" lang="fr-FR" sz="3200" spc="-1" strike="noStrike">
@@ -1662,8 +1695,8 @@
         </p:nvSpPr>
         <p:spPr>
           <a:xfrm>
-            <a:off x="1722960" y="2160720"/>
-            <a:ext cx="995760" cy="1850760"/>
+            <a:off x="1187640" y="2160720"/>
+            <a:ext cx="485640" cy="1850400"/>
           </a:xfrm>
           <a:prstGeom prst="rect">
             <a:avLst/>
@@ -1671,7 +1704,7 @@
         </p:spPr>
         <p:txBody>
           <a:bodyPr lIns="0" rIns="0" tIns="0" bIns="0">
-            <a:normAutofit/>
+            <a:normAutofit fontScale="4000"/>
           </a:bodyPr>
           <a:p>
             <a:endParaRPr b="0" lang="fr-FR" sz="3200" spc="-1" strike="noStrike">
@@ -1692,8 +1725,8 @@
         </p:nvSpPr>
         <p:spPr>
           <a:xfrm>
-            <a:off x="677160" y="4187520"/>
-            <a:ext cx="995760" cy="1850760"/>
+            <a:off x="677160" y="4187160"/>
+            <a:ext cx="485640" cy="1850400"/>
           </a:xfrm>
           <a:prstGeom prst="rect">
             <a:avLst/>
@@ -1701,7 +1734,7 @@
         </p:spPr>
         <p:txBody>
           <a:bodyPr lIns="0" rIns="0" tIns="0" bIns="0">
-            <a:normAutofit/>
+            <a:normAutofit fontScale="4000"/>
           </a:bodyPr>
           <a:p>
             <a:endParaRPr b="0" lang="fr-FR" sz="3200" spc="-1" strike="noStrike">
@@ -1722,8 +1755,8 @@
         </p:nvSpPr>
         <p:spPr>
           <a:xfrm>
-            <a:off x="1722960" y="4187520"/>
-            <a:ext cx="995760" cy="1850760"/>
+            <a:off x="1187640" y="4187160"/>
+            <a:ext cx="485640" cy="1850400"/>
           </a:xfrm>
           <a:prstGeom prst="rect">
             <a:avLst/>
@@ -1731,7 +1764,7 @@
         </p:spPr>
         <p:txBody>
           <a:bodyPr lIns="0" rIns="0" tIns="0" bIns="0">
-            <a:normAutofit/>
+            <a:normAutofit fontScale="4000"/>
           </a:bodyPr>
           <a:p>
             <a:endParaRPr b="0" lang="fr-FR" sz="3200" spc="-1" strike="noStrike">
@@ -1775,14 +1808,16 @@
         <p:spPr>
           <a:xfrm>
             <a:off x="677160" y="696960"/>
-            <a:ext cx="8596080" cy="1145160"/>
-          </a:xfrm>
-          <a:prstGeom prst="rect">
-            <a:avLst/>
-          </a:prstGeom>
-        </p:spPr>
-        <p:txBody>
-          <a:bodyPr lIns="0" rIns="0" tIns="0" bIns="0" anchor="ctr"/>
+            <a:ext cx="8595720" cy="1144800"/>
+          </a:xfrm>
+          <a:prstGeom prst="rect">
+            <a:avLst/>
+          </a:prstGeom>
+        </p:spPr>
+        <p:txBody>
+          <a:bodyPr lIns="0" rIns="0" tIns="0" bIns="0" anchor="ctr">
+            <a:spAutoFit/>
+          </a:bodyPr>
           <a:p>
             <a:pPr algn="ctr"/>
             <a:endParaRPr b="0" lang="fr-FR" sz="4400" spc="-1" strike="noStrike">
@@ -1804,7 +1839,7 @@
         <p:spPr>
           <a:xfrm>
             <a:off x="677160" y="2160720"/>
-            <a:ext cx="657000" cy="1850760"/>
+            <a:ext cx="320400" cy="1850400"/>
           </a:xfrm>
           <a:prstGeom prst="rect">
             <a:avLst/>
@@ -1812,7 +1847,7 @@
         </p:spPr>
         <p:txBody>
           <a:bodyPr lIns="0" rIns="0" tIns="0" bIns="0">
-            <a:normAutofit/>
+            <a:normAutofit fontScale="4000"/>
           </a:bodyPr>
           <a:p>
             <a:endParaRPr b="0" lang="fr-FR" sz="3200" spc="-1" strike="noStrike">
@@ -1833,8 +1868,8 @@
         </p:nvSpPr>
         <p:spPr>
           <a:xfrm>
-            <a:off x="1367280" y="2160720"/>
-            <a:ext cx="657000" cy="1850760"/>
+            <a:off x="1014120" y="2160720"/>
+            <a:ext cx="320400" cy="1850400"/>
           </a:xfrm>
           <a:prstGeom prst="rect">
             <a:avLst/>
@@ -1842,7 +1877,7 @@
         </p:spPr>
         <p:txBody>
           <a:bodyPr lIns="0" rIns="0" tIns="0" bIns="0">
-            <a:normAutofit/>
+            <a:normAutofit fontScale="4000"/>
           </a:bodyPr>
           <a:p>
             <a:endParaRPr b="0" lang="fr-FR" sz="3200" spc="-1" strike="noStrike">
@@ -1863,8 +1898,8 @@
         </p:nvSpPr>
         <p:spPr>
           <a:xfrm>
-            <a:off x="2057760" y="2160720"/>
-            <a:ext cx="657000" cy="1850760"/>
+            <a:off x="1350720" y="2160720"/>
+            <a:ext cx="320400" cy="1850400"/>
           </a:xfrm>
           <a:prstGeom prst="rect">
             <a:avLst/>
@@ -1872,7 +1907,7 @@
         </p:spPr>
         <p:txBody>
           <a:bodyPr lIns="0" rIns="0" tIns="0" bIns="0">
-            <a:normAutofit/>
+            <a:normAutofit fontScale="4000"/>
           </a:bodyPr>
           <a:p>
             <a:endParaRPr b="0" lang="fr-FR" sz="3200" spc="-1" strike="noStrike">
@@ -1893,8 +1928,8 @@
         </p:nvSpPr>
         <p:spPr>
           <a:xfrm>
-            <a:off x="677160" y="4187520"/>
-            <a:ext cx="657000" cy="1850760"/>
+            <a:off x="677160" y="4187160"/>
+            <a:ext cx="320400" cy="1850400"/>
           </a:xfrm>
           <a:prstGeom prst="rect">
             <a:avLst/>
@@ -1902,7 +1937,7 @@
         </p:spPr>
         <p:txBody>
           <a:bodyPr lIns="0" rIns="0" tIns="0" bIns="0">
-            <a:normAutofit/>
+            <a:normAutofit fontScale="4000"/>
           </a:bodyPr>
           <a:p>
             <a:endParaRPr b="0" lang="fr-FR" sz="3200" spc="-1" strike="noStrike">
@@ -1923,8 +1958,8 @@
         </p:nvSpPr>
         <p:spPr>
           <a:xfrm>
-            <a:off x="1367280" y="4187520"/>
-            <a:ext cx="657000" cy="1850760"/>
+            <a:off x="1014120" y="4187160"/>
+            <a:ext cx="320400" cy="1850400"/>
           </a:xfrm>
           <a:prstGeom prst="rect">
             <a:avLst/>
@@ -1932,7 +1967,7 @@
         </p:spPr>
         <p:txBody>
           <a:bodyPr lIns="0" rIns="0" tIns="0" bIns="0">
-            <a:normAutofit/>
+            <a:normAutofit fontScale="4000"/>
           </a:bodyPr>
           <a:p>
             <a:endParaRPr b="0" lang="fr-FR" sz="3200" spc="-1" strike="noStrike">
@@ -1953,8 +1988,8 @@
         </p:nvSpPr>
         <p:spPr>
           <a:xfrm>
-            <a:off x="2057760" y="4187520"/>
-            <a:ext cx="657000" cy="1850760"/>
+            <a:off x="1350720" y="4187160"/>
+            <a:ext cx="320400" cy="1850400"/>
           </a:xfrm>
           <a:prstGeom prst="rect">
             <a:avLst/>
@@ -1962,7 +1997,7 @@
         </p:spPr>
         <p:txBody>
           <a:bodyPr lIns="0" rIns="0" tIns="0" bIns="0">
-            <a:normAutofit/>
+            <a:normAutofit fontScale="4000"/>
           </a:bodyPr>
           <a:p>
             <a:endParaRPr b="0" lang="fr-FR" sz="3200" spc="-1" strike="noStrike">
@@ -2028,14 +2063,16 @@
         <p:spPr>
           <a:xfrm>
             <a:off x="677160" y="696960"/>
-            <a:ext cx="8596080" cy="1145160"/>
-          </a:xfrm>
-          <a:prstGeom prst="rect">
-            <a:avLst/>
-          </a:prstGeom>
-        </p:spPr>
-        <p:txBody>
-          <a:bodyPr lIns="0" rIns="0" tIns="0" bIns="0" anchor="ctr"/>
+            <a:ext cx="8595720" cy="1144800"/>
+          </a:xfrm>
+          <a:prstGeom prst="rect">
+            <a:avLst/>
+          </a:prstGeom>
+        </p:spPr>
+        <p:txBody>
+          <a:bodyPr lIns="0" rIns="0" tIns="0" bIns="0" anchor="ctr">
+            <a:spAutoFit/>
+          </a:bodyPr>
           <a:p>
             <a:pPr algn="ctr"/>
             <a:endParaRPr b="0" lang="fr-FR" sz="4400" spc="-1" strike="noStrike">
@@ -2057,14 +2094,16 @@
         <p:spPr>
           <a:xfrm>
             <a:off x="677160" y="2160720"/>
-            <a:ext cx="2041200" cy="3880080"/>
-          </a:xfrm>
-          <a:prstGeom prst="rect">
-            <a:avLst/>
-          </a:prstGeom>
-        </p:spPr>
-        <p:txBody>
-          <a:bodyPr lIns="0" rIns="0" tIns="0" bIns="0" anchor="ctr"/>
+            <a:ext cx="995400" cy="3879720"/>
+          </a:xfrm>
+          <a:prstGeom prst="rect">
+            <a:avLst/>
+          </a:prstGeom>
+        </p:spPr>
+        <p:txBody>
+          <a:bodyPr lIns="0" rIns="0" tIns="0" bIns="0" anchor="ctr">
+            <a:spAutoFit/>
+          </a:bodyPr>
           <a:p>
             <a:pPr algn="ctr"/>
             <a:endParaRPr b="0" lang="fr-FR" sz="3200" spc="-1" strike="noStrike">
@@ -2108,14 +2147,16 @@
         <p:spPr>
           <a:xfrm>
             <a:off x="677160" y="696960"/>
-            <a:ext cx="8596080" cy="1145160"/>
-          </a:xfrm>
-          <a:prstGeom prst="rect">
-            <a:avLst/>
-          </a:prstGeom>
-        </p:spPr>
-        <p:txBody>
-          <a:bodyPr lIns="0" rIns="0" tIns="0" bIns="0" anchor="ctr"/>
+            <a:ext cx="8595720" cy="1144800"/>
+          </a:xfrm>
+          <a:prstGeom prst="rect">
+            <a:avLst/>
+          </a:prstGeom>
+        </p:spPr>
+        <p:txBody>
+          <a:bodyPr lIns="0" rIns="0" tIns="0" bIns="0" anchor="ctr">
+            <a:spAutoFit/>
+          </a:bodyPr>
           <a:p>
             <a:pPr algn="ctr"/>
             <a:endParaRPr b="0" lang="fr-FR" sz="4400" spc="-1" strike="noStrike">
@@ -2137,7 +2178,7 @@
         <p:spPr>
           <a:xfrm>
             <a:off x="677160" y="2160720"/>
-            <a:ext cx="2041200" cy="3880080"/>
+            <a:ext cx="995400" cy="3879720"/>
           </a:xfrm>
           <a:prstGeom prst="rect">
             <a:avLst/>
@@ -2145,7 +2186,7 @@
         </p:spPr>
         <p:txBody>
           <a:bodyPr lIns="0" rIns="0" tIns="0" bIns="0">
-            <a:normAutofit/>
+            <a:normAutofit fontScale="67000"/>
           </a:bodyPr>
           <a:p>
             <a:endParaRPr b="0" lang="fr-FR" sz="3200" spc="-1" strike="noStrike">
@@ -2189,14 +2230,16 @@
         <p:spPr>
           <a:xfrm>
             <a:off x="677160" y="696960"/>
-            <a:ext cx="8596080" cy="1145160"/>
-          </a:xfrm>
-          <a:prstGeom prst="rect">
-            <a:avLst/>
-          </a:prstGeom>
-        </p:spPr>
-        <p:txBody>
-          <a:bodyPr lIns="0" rIns="0" tIns="0" bIns="0" anchor="ctr"/>
+            <a:ext cx="8595720" cy="1144800"/>
+          </a:xfrm>
+          <a:prstGeom prst="rect">
+            <a:avLst/>
+          </a:prstGeom>
+        </p:spPr>
+        <p:txBody>
+          <a:bodyPr lIns="0" rIns="0" tIns="0" bIns="0" anchor="ctr">
+            <a:spAutoFit/>
+          </a:bodyPr>
           <a:p>
             <a:pPr algn="ctr"/>
             <a:endParaRPr b="0" lang="fr-FR" sz="4400" spc="-1" strike="noStrike">
@@ -2218,7 +2261,7 @@
         <p:spPr>
           <a:xfrm>
             <a:off x="677160" y="2160720"/>
-            <a:ext cx="995760" cy="3880080"/>
+            <a:ext cx="485640" cy="3879720"/>
           </a:xfrm>
           <a:prstGeom prst="rect">
             <a:avLst/>
@@ -2226,7 +2269,7 @@
         </p:spPr>
         <p:txBody>
           <a:bodyPr lIns="0" rIns="0" tIns="0" bIns="0">
-            <a:normAutofit/>
+            <a:normAutofit fontScale="15000"/>
           </a:bodyPr>
           <a:p>
             <a:endParaRPr b="0" lang="fr-FR" sz="3200" spc="-1" strike="noStrike">
@@ -2247,8 +2290,8 @@
         </p:nvSpPr>
         <p:spPr>
           <a:xfrm>
-            <a:off x="1722960" y="2160720"/>
-            <a:ext cx="995760" cy="3880080"/>
+            <a:off x="1187640" y="2160720"/>
+            <a:ext cx="485640" cy="3879720"/>
           </a:xfrm>
           <a:prstGeom prst="rect">
             <a:avLst/>
@@ -2256,7 +2299,7 @@
         </p:spPr>
         <p:txBody>
           <a:bodyPr lIns="0" rIns="0" tIns="0" bIns="0">
-            <a:normAutofit/>
+            <a:normAutofit fontScale="15000"/>
           </a:bodyPr>
           <a:p>
             <a:endParaRPr b="0" lang="fr-FR" sz="3200" spc="-1" strike="noStrike">
@@ -2300,14 +2343,16 @@
         <p:spPr>
           <a:xfrm>
             <a:off x="677160" y="696960"/>
-            <a:ext cx="8596080" cy="1145160"/>
-          </a:xfrm>
-          <a:prstGeom prst="rect">
-            <a:avLst/>
-          </a:prstGeom>
-        </p:spPr>
-        <p:txBody>
-          <a:bodyPr lIns="0" rIns="0" tIns="0" bIns="0" anchor="ctr"/>
+            <a:ext cx="8595720" cy="1144800"/>
+          </a:xfrm>
+          <a:prstGeom prst="rect">
+            <a:avLst/>
+          </a:prstGeom>
+        </p:spPr>
+        <p:txBody>
+          <a:bodyPr lIns="0" rIns="0" tIns="0" bIns="0" anchor="ctr">
+            <a:spAutoFit/>
+          </a:bodyPr>
           <a:p>
             <a:pPr algn="ctr"/>
             <a:endParaRPr b="0" lang="fr-FR" sz="4400" spc="-1" strike="noStrike">
@@ -2351,14 +2396,16 @@
         <p:spPr>
           <a:xfrm>
             <a:off x="677160" y="696960"/>
-            <a:ext cx="8596080" cy="1145160"/>
-          </a:xfrm>
-          <a:prstGeom prst="rect">
-            <a:avLst/>
-          </a:prstGeom>
-        </p:spPr>
-        <p:txBody>
-          <a:bodyPr lIns="0" rIns="0" tIns="0" bIns="0" anchor="ctr"/>
+            <a:ext cx="8595720" cy="1144800"/>
+          </a:xfrm>
+          <a:prstGeom prst="rect">
+            <a:avLst/>
+          </a:prstGeom>
+        </p:spPr>
+        <p:txBody>
+          <a:bodyPr lIns="0" rIns="0" tIns="0" bIns="0" anchor="ctr">
+            <a:spAutoFit/>
+          </a:bodyPr>
           <a:p>
             <a:pPr algn="ctr"/>
             <a:endParaRPr b="0" lang="fr-FR" sz="4400" spc="-1" strike="noStrike">
@@ -2380,7 +2427,7 @@
         <p:spPr>
           <a:xfrm>
             <a:off x="677160" y="2160720"/>
-            <a:ext cx="2041200" cy="3880080"/>
+            <a:ext cx="995400" cy="3879720"/>
           </a:xfrm>
           <a:prstGeom prst="rect">
             <a:avLst/>
@@ -2388,7 +2435,7 @@
         </p:spPr>
         <p:txBody>
           <a:bodyPr lIns="0" rIns="0" tIns="0" bIns="0">
-            <a:normAutofit/>
+            <a:normAutofit fontScale="67000"/>
           </a:bodyPr>
           <a:p>
             <a:endParaRPr b="0" lang="fr-FR" sz="3200" spc="-1" strike="noStrike">
@@ -2432,14 +2479,16 @@
         <p:spPr>
           <a:xfrm>
             <a:off x="677160" y="696960"/>
-            <a:ext cx="8596080" cy="5309640"/>
-          </a:xfrm>
-          <a:prstGeom prst="rect">
-            <a:avLst/>
-          </a:prstGeom>
-        </p:spPr>
-        <p:txBody>
-          <a:bodyPr lIns="0" rIns="0" tIns="0" bIns="0" anchor="ctr"/>
+            <a:ext cx="8595720" cy="5307840"/>
+          </a:xfrm>
+          <a:prstGeom prst="rect">
+            <a:avLst/>
+          </a:prstGeom>
+        </p:spPr>
+        <p:txBody>
+          <a:bodyPr lIns="0" rIns="0" tIns="0" bIns="0" anchor="ctr">
+            <a:spAutoFit/>
+          </a:bodyPr>
           <a:p>
             <a:pPr algn="ctr"/>
             <a:endParaRPr b="0" lang="fr-FR" sz="3200" spc="-1" strike="noStrike">
@@ -2483,14 +2532,16 @@
         <p:spPr>
           <a:xfrm>
             <a:off x="677160" y="696960"/>
-            <a:ext cx="8596080" cy="1145160"/>
-          </a:xfrm>
-          <a:prstGeom prst="rect">
-            <a:avLst/>
-          </a:prstGeom>
-        </p:spPr>
-        <p:txBody>
-          <a:bodyPr lIns="0" rIns="0" tIns="0" bIns="0" anchor="ctr"/>
+            <a:ext cx="8595720" cy="1144800"/>
+          </a:xfrm>
+          <a:prstGeom prst="rect">
+            <a:avLst/>
+          </a:prstGeom>
+        </p:spPr>
+        <p:txBody>
+          <a:bodyPr lIns="0" rIns="0" tIns="0" bIns="0" anchor="ctr">
+            <a:spAutoFit/>
+          </a:bodyPr>
           <a:p>
             <a:pPr algn="ctr"/>
             <a:endParaRPr b="0" lang="fr-FR" sz="4400" spc="-1" strike="noStrike">
@@ -2512,7 +2563,7 @@
         <p:spPr>
           <a:xfrm>
             <a:off x="677160" y="2160720"/>
-            <a:ext cx="995760" cy="1850760"/>
+            <a:ext cx="485640" cy="1850400"/>
           </a:xfrm>
           <a:prstGeom prst="rect">
             <a:avLst/>
@@ -2520,7 +2571,7 @@
         </p:spPr>
         <p:txBody>
           <a:bodyPr lIns="0" rIns="0" tIns="0" bIns="0">
-            <a:normAutofit/>
+            <a:normAutofit fontScale="4000"/>
           </a:bodyPr>
           <a:p>
             <a:endParaRPr b="0" lang="fr-FR" sz="3200" spc="-1" strike="noStrike">
@@ -2541,8 +2592,8 @@
         </p:nvSpPr>
         <p:spPr>
           <a:xfrm>
-            <a:off x="1722960" y="2160720"/>
-            <a:ext cx="995760" cy="3880080"/>
+            <a:off x="1187640" y="2160720"/>
+            <a:ext cx="485640" cy="3879720"/>
           </a:xfrm>
           <a:prstGeom prst="rect">
             <a:avLst/>
@@ -2550,7 +2601,7 @@
         </p:spPr>
         <p:txBody>
           <a:bodyPr lIns="0" rIns="0" tIns="0" bIns="0">
-            <a:normAutofit/>
+            <a:normAutofit fontScale="15000"/>
           </a:bodyPr>
           <a:p>
             <a:endParaRPr b="0" lang="fr-FR" sz="3200" spc="-1" strike="noStrike">
@@ -2571,8 +2622,8 @@
         </p:nvSpPr>
         <p:spPr>
           <a:xfrm>
-            <a:off x="677160" y="4187520"/>
-            <a:ext cx="995760" cy="1850760"/>
+            <a:off x="677160" y="4187160"/>
+            <a:ext cx="485640" cy="1850400"/>
           </a:xfrm>
           <a:prstGeom prst="rect">
             <a:avLst/>
@@ -2580,7 +2631,7 @@
         </p:spPr>
         <p:txBody>
           <a:bodyPr lIns="0" rIns="0" tIns="0" bIns="0">
-            <a:normAutofit/>
+            <a:normAutofit fontScale="4000"/>
           </a:bodyPr>
           <a:p>
             <a:endParaRPr b="0" lang="fr-FR" sz="3200" spc="-1" strike="noStrike">
@@ -2624,14 +2675,16 @@
         <p:spPr>
           <a:xfrm>
             <a:off x="677160" y="696960"/>
-            <a:ext cx="8596080" cy="1145160"/>
-          </a:xfrm>
-          <a:prstGeom prst="rect">
-            <a:avLst/>
-          </a:prstGeom>
-        </p:spPr>
-        <p:txBody>
-          <a:bodyPr lIns="0" rIns="0" tIns="0" bIns="0" anchor="ctr"/>
+            <a:ext cx="8595720" cy="1144800"/>
+          </a:xfrm>
+          <a:prstGeom prst="rect">
+            <a:avLst/>
+          </a:prstGeom>
+        </p:spPr>
+        <p:txBody>
+          <a:bodyPr lIns="0" rIns="0" tIns="0" bIns="0" anchor="ctr">
+            <a:spAutoFit/>
+          </a:bodyPr>
           <a:p>
             <a:pPr algn="ctr"/>
             <a:endParaRPr b="0" lang="fr-FR" sz="4400" spc="-1" strike="noStrike">
@@ -2653,7 +2706,7 @@
         <p:spPr>
           <a:xfrm>
             <a:off x="677160" y="2160720"/>
-            <a:ext cx="995760" cy="3880080"/>
+            <a:ext cx="485640" cy="3879720"/>
           </a:xfrm>
           <a:prstGeom prst="rect">
             <a:avLst/>
@@ -2661,7 +2714,7 @@
         </p:spPr>
         <p:txBody>
           <a:bodyPr lIns="0" rIns="0" tIns="0" bIns="0">
-            <a:normAutofit/>
+            <a:normAutofit fontScale="15000"/>
           </a:bodyPr>
           <a:p>
             <a:endParaRPr b="0" lang="fr-FR" sz="3200" spc="-1" strike="noStrike">
@@ -2682,8 +2735,8 @@
         </p:nvSpPr>
         <p:spPr>
           <a:xfrm>
-            <a:off x="1722960" y="2160720"/>
-            <a:ext cx="995760" cy="1850760"/>
+            <a:off x="1187640" y="2160720"/>
+            <a:ext cx="485640" cy="1850400"/>
           </a:xfrm>
           <a:prstGeom prst="rect">
             <a:avLst/>
@@ -2691,7 +2744,7 @@
         </p:spPr>
         <p:txBody>
           <a:bodyPr lIns="0" rIns="0" tIns="0" bIns="0">
-            <a:normAutofit/>
+            <a:normAutofit fontScale="4000"/>
           </a:bodyPr>
           <a:p>
             <a:endParaRPr b="0" lang="fr-FR" sz="3200" spc="-1" strike="noStrike">
@@ -2712,8 +2765,8 @@
         </p:nvSpPr>
         <p:spPr>
           <a:xfrm>
-            <a:off x="1722960" y="4187520"/>
-            <a:ext cx="995760" cy="1850760"/>
+            <a:off x="1187640" y="4187160"/>
+            <a:ext cx="485640" cy="1850400"/>
           </a:xfrm>
           <a:prstGeom prst="rect">
             <a:avLst/>
@@ -2721,7 +2774,7 @@
         </p:spPr>
         <p:txBody>
           <a:bodyPr lIns="0" rIns="0" tIns="0" bIns="0">
-            <a:normAutofit/>
+            <a:normAutofit fontScale="4000"/>
           </a:bodyPr>
           <a:p>
             <a:endParaRPr b="0" lang="fr-FR" sz="3200" spc="-1" strike="noStrike">
@@ -2765,14 +2818,16 @@
         <p:spPr>
           <a:xfrm>
             <a:off x="677160" y="696960"/>
-            <a:ext cx="8596080" cy="1145160"/>
-          </a:xfrm>
-          <a:prstGeom prst="rect">
-            <a:avLst/>
-          </a:prstGeom>
-        </p:spPr>
-        <p:txBody>
-          <a:bodyPr lIns="0" rIns="0" tIns="0" bIns="0" anchor="ctr"/>
+            <a:ext cx="8595720" cy="1144800"/>
+          </a:xfrm>
+          <a:prstGeom prst="rect">
+            <a:avLst/>
+          </a:prstGeom>
+        </p:spPr>
+        <p:txBody>
+          <a:bodyPr lIns="0" rIns="0" tIns="0" bIns="0" anchor="ctr">
+            <a:spAutoFit/>
+          </a:bodyPr>
           <a:p>
             <a:pPr algn="ctr"/>
             <a:endParaRPr b="0" lang="fr-FR" sz="4400" spc="-1" strike="noStrike">
@@ -2794,7 +2849,7 @@
         <p:spPr>
           <a:xfrm>
             <a:off x="677160" y="2160720"/>
-            <a:ext cx="995760" cy="1850760"/>
+            <a:ext cx="485640" cy="1850400"/>
           </a:xfrm>
           <a:prstGeom prst="rect">
             <a:avLst/>
@@ -2802,7 +2857,7 @@
         </p:spPr>
         <p:txBody>
           <a:bodyPr lIns="0" rIns="0" tIns="0" bIns="0">
-            <a:normAutofit/>
+            <a:normAutofit fontScale="4000"/>
           </a:bodyPr>
           <a:p>
             <a:endParaRPr b="0" lang="fr-FR" sz="3200" spc="-1" strike="noStrike">
@@ -2823,8 +2878,8 @@
         </p:nvSpPr>
         <p:spPr>
           <a:xfrm>
-            <a:off x="1722960" y="2160720"/>
-            <a:ext cx="995760" cy="1850760"/>
+            <a:off x="1187640" y="2160720"/>
+            <a:ext cx="485640" cy="1850400"/>
           </a:xfrm>
           <a:prstGeom prst="rect">
             <a:avLst/>
@@ -2832,7 +2887,7 @@
         </p:spPr>
         <p:txBody>
           <a:bodyPr lIns="0" rIns="0" tIns="0" bIns="0">
-            <a:normAutofit/>
+            <a:normAutofit fontScale="4000"/>
           </a:bodyPr>
           <a:p>
             <a:endParaRPr b="0" lang="fr-FR" sz="3200" spc="-1" strike="noStrike">
@@ -2853,8 +2908,8 @@
         </p:nvSpPr>
         <p:spPr>
           <a:xfrm>
-            <a:off x="677160" y="4187520"/>
-            <a:ext cx="2041200" cy="1850760"/>
+            <a:off x="677160" y="4187160"/>
+            <a:ext cx="995400" cy="1850400"/>
           </a:xfrm>
           <a:prstGeom prst="rect">
             <a:avLst/>
@@ -2862,7 +2917,7 @@
         </p:spPr>
         <p:txBody>
           <a:bodyPr lIns="0" rIns="0" tIns="0" bIns="0">
-            <a:normAutofit/>
+            <a:normAutofit fontScale="21000"/>
           </a:bodyPr>
           <a:p>
             <a:endParaRPr b="0" lang="fr-FR" sz="3200" spc="-1" strike="noStrike">
@@ -2906,14 +2961,16 @@
         <p:spPr>
           <a:xfrm>
             <a:off x="677160" y="696960"/>
-            <a:ext cx="8596080" cy="1145160"/>
-          </a:xfrm>
-          <a:prstGeom prst="rect">
-            <a:avLst/>
-          </a:prstGeom>
-        </p:spPr>
-        <p:txBody>
-          <a:bodyPr lIns="0" rIns="0" tIns="0" bIns="0" anchor="ctr"/>
+            <a:ext cx="8595720" cy="1144800"/>
+          </a:xfrm>
+          <a:prstGeom prst="rect">
+            <a:avLst/>
+          </a:prstGeom>
+        </p:spPr>
+        <p:txBody>
+          <a:bodyPr lIns="0" rIns="0" tIns="0" bIns="0" anchor="ctr">
+            <a:spAutoFit/>
+          </a:bodyPr>
           <a:p>
             <a:pPr algn="ctr"/>
             <a:endParaRPr b="0" lang="fr-FR" sz="4400" spc="-1" strike="noStrike">
@@ -2935,7 +2992,7 @@
         <p:spPr>
           <a:xfrm>
             <a:off x="677160" y="2160720"/>
-            <a:ext cx="2041200" cy="1850760"/>
+            <a:ext cx="995400" cy="1850400"/>
           </a:xfrm>
           <a:prstGeom prst="rect">
             <a:avLst/>
@@ -2943,7 +3000,7 @@
         </p:spPr>
         <p:txBody>
           <a:bodyPr lIns="0" rIns="0" tIns="0" bIns="0">
-            <a:normAutofit/>
+            <a:normAutofit fontScale="21000"/>
           </a:bodyPr>
           <a:p>
             <a:endParaRPr b="0" lang="fr-FR" sz="3200" spc="-1" strike="noStrike">
@@ -2964,8 +3021,8 @@
         </p:nvSpPr>
         <p:spPr>
           <a:xfrm>
-            <a:off x="677160" y="4187520"/>
-            <a:ext cx="2041200" cy="1850760"/>
+            <a:off x="677160" y="4187160"/>
+            <a:ext cx="995400" cy="1850400"/>
           </a:xfrm>
           <a:prstGeom prst="rect">
             <a:avLst/>
@@ -2973,7 +3030,7 @@
         </p:spPr>
         <p:txBody>
           <a:bodyPr lIns="0" rIns="0" tIns="0" bIns="0">
-            <a:normAutofit/>
+            <a:normAutofit fontScale="21000"/>
           </a:bodyPr>
           <a:p>
             <a:endParaRPr b="0" lang="fr-FR" sz="3200" spc="-1" strike="noStrike">
@@ -3017,14 +3074,16 @@
         <p:spPr>
           <a:xfrm>
             <a:off x="677160" y="696960"/>
-            <a:ext cx="8596080" cy="1145160"/>
-          </a:xfrm>
-          <a:prstGeom prst="rect">
-            <a:avLst/>
-          </a:prstGeom>
-        </p:spPr>
-        <p:txBody>
-          <a:bodyPr lIns="0" rIns="0" tIns="0" bIns="0" anchor="ctr"/>
+            <a:ext cx="8595720" cy="1144800"/>
+          </a:xfrm>
+          <a:prstGeom prst="rect">
+            <a:avLst/>
+          </a:prstGeom>
+        </p:spPr>
+        <p:txBody>
+          <a:bodyPr lIns="0" rIns="0" tIns="0" bIns="0" anchor="ctr">
+            <a:spAutoFit/>
+          </a:bodyPr>
           <a:p>
             <a:pPr algn="ctr"/>
             <a:endParaRPr b="0" lang="fr-FR" sz="4400" spc="-1" strike="noStrike">
@@ -3046,7 +3105,7 @@
         <p:spPr>
           <a:xfrm>
             <a:off x="677160" y="2160720"/>
-            <a:ext cx="995760" cy="1850760"/>
+            <a:ext cx="485640" cy="1850400"/>
           </a:xfrm>
           <a:prstGeom prst="rect">
             <a:avLst/>
@@ -3054,7 +3113,7 @@
         </p:spPr>
         <p:txBody>
           <a:bodyPr lIns="0" rIns="0" tIns="0" bIns="0">
-            <a:normAutofit/>
+            <a:normAutofit fontScale="4000"/>
           </a:bodyPr>
           <a:p>
             <a:endParaRPr b="0" lang="fr-FR" sz="3200" spc="-1" strike="noStrike">
@@ -3075,8 +3134,8 @@
         </p:nvSpPr>
         <p:spPr>
           <a:xfrm>
-            <a:off x="1722960" y="2160720"/>
-            <a:ext cx="995760" cy="1850760"/>
+            <a:off x="1187640" y="2160720"/>
+            <a:ext cx="485640" cy="1850400"/>
           </a:xfrm>
           <a:prstGeom prst="rect">
             <a:avLst/>
@@ -3084,7 +3143,7 @@
         </p:spPr>
         <p:txBody>
           <a:bodyPr lIns="0" rIns="0" tIns="0" bIns="0">
-            <a:normAutofit/>
+            <a:normAutofit fontScale="4000"/>
           </a:bodyPr>
           <a:p>
             <a:endParaRPr b="0" lang="fr-FR" sz="3200" spc="-1" strike="noStrike">
@@ -3105,8 +3164,8 @@
         </p:nvSpPr>
         <p:spPr>
           <a:xfrm>
-            <a:off x="677160" y="4187520"/>
-            <a:ext cx="995760" cy="1850760"/>
+            <a:off x="677160" y="4187160"/>
+            <a:ext cx="485640" cy="1850400"/>
           </a:xfrm>
           <a:prstGeom prst="rect">
             <a:avLst/>
@@ -3114,7 +3173,7 @@
         </p:spPr>
         <p:txBody>
           <a:bodyPr lIns="0" rIns="0" tIns="0" bIns="0">
-            <a:normAutofit/>
+            <a:normAutofit fontScale="4000"/>
           </a:bodyPr>
           <a:p>
             <a:endParaRPr b="0" lang="fr-FR" sz="3200" spc="-1" strike="noStrike">
@@ -3135,8 +3194,8 @@
         </p:nvSpPr>
         <p:spPr>
           <a:xfrm>
-            <a:off x="1722960" y="4187520"/>
-            <a:ext cx="995760" cy="1850760"/>
+            <a:off x="1187640" y="4187160"/>
+            <a:ext cx="485640" cy="1850400"/>
           </a:xfrm>
           <a:prstGeom prst="rect">
             <a:avLst/>
@@ -3144,7 +3203,7 @@
         </p:spPr>
         <p:txBody>
           <a:bodyPr lIns="0" rIns="0" tIns="0" bIns="0">
-            <a:normAutofit/>
+            <a:normAutofit fontScale="4000"/>
           </a:bodyPr>
           <a:p>
             <a:endParaRPr b="0" lang="fr-FR" sz="3200" spc="-1" strike="noStrike">
@@ -3188,14 +3247,16 @@
         <p:spPr>
           <a:xfrm>
             <a:off x="677160" y="696960"/>
-            <a:ext cx="8596080" cy="1145160"/>
-          </a:xfrm>
-          <a:prstGeom prst="rect">
-            <a:avLst/>
-          </a:prstGeom>
-        </p:spPr>
-        <p:txBody>
-          <a:bodyPr lIns="0" rIns="0" tIns="0" bIns="0" anchor="ctr"/>
+            <a:ext cx="8595720" cy="1144800"/>
+          </a:xfrm>
+          <a:prstGeom prst="rect">
+            <a:avLst/>
+          </a:prstGeom>
+        </p:spPr>
+        <p:txBody>
+          <a:bodyPr lIns="0" rIns="0" tIns="0" bIns="0" anchor="ctr">
+            <a:spAutoFit/>
+          </a:bodyPr>
           <a:p>
             <a:pPr algn="ctr"/>
             <a:endParaRPr b="0" lang="fr-FR" sz="4400" spc="-1" strike="noStrike">
@@ -3217,7 +3278,7 @@
         <p:spPr>
           <a:xfrm>
             <a:off x="677160" y="2160720"/>
-            <a:ext cx="657000" cy="1850760"/>
+            <a:ext cx="320400" cy="1850400"/>
           </a:xfrm>
           <a:prstGeom prst="rect">
             <a:avLst/>
@@ -3225,7 +3286,7 @@
         </p:spPr>
         <p:txBody>
           <a:bodyPr lIns="0" rIns="0" tIns="0" bIns="0">
-            <a:normAutofit/>
+            <a:normAutofit fontScale="4000"/>
           </a:bodyPr>
           <a:p>
             <a:endParaRPr b="0" lang="fr-FR" sz="3200" spc="-1" strike="noStrike">
@@ -3246,8 +3307,8 @@
         </p:nvSpPr>
         <p:spPr>
           <a:xfrm>
-            <a:off x="1367280" y="2160720"/>
-            <a:ext cx="657000" cy="1850760"/>
+            <a:off x="1014120" y="2160720"/>
+            <a:ext cx="320400" cy="1850400"/>
           </a:xfrm>
           <a:prstGeom prst="rect">
             <a:avLst/>
@@ -3255,7 +3316,7 @@
         </p:spPr>
         <p:txBody>
           <a:bodyPr lIns="0" rIns="0" tIns="0" bIns="0">
-            <a:normAutofit/>
+            <a:normAutofit fontScale="4000"/>
           </a:bodyPr>
           <a:p>
             <a:endParaRPr b="0" lang="fr-FR" sz="3200" spc="-1" strike="noStrike">
@@ -3276,8 +3337,8 @@
         </p:nvSpPr>
         <p:spPr>
           <a:xfrm>
-            <a:off x="2057760" y="2160720"/>
-            <a:ext cx="657000" cy="1850760"/>
+            <a:off x="1350720" y="2160720"/>
+            <a:ext cx="320400" cy="1850400"/>
           </a:xfrm>
           <a:prstGeom prst="rect">
             <a:avLst/>
@@ -3285,7 +3346,7 @@
         </p:spPr>
         <p:txBody>
           <a:bodyPr lIns="0" rIns="0" tIns="0" bIns="0">
-            <a:normAutofit/>
+            <a:normAutofit fontScale="4000"/>
           </a:bodyPr>
           <a:p>
             <a:endParaRPr b="0" lang="fr-FR" sz="3200" spc="-1" strike="noStrike">
@@ -3306,8 +3367,8 @@
         </p:nvSpPr>
         <p:spPr>
           <a:xfrm>
-            <a:off x="677160" y="4187520"/>
-            <a:ext cx="657000" cy="1850760"/>
+            <a:off x="677160" y="4187160"/>
+            <a:ext cx="320400" cy="1850400"/>
           </a:xfrm>
           <a:prstGeom prst="rect">
             <a:avLst/>
@@ -3315,7 +3376,7 @@
         </p:spPr>
         <p:txBody>
           <a:bodyPr lIns="0" rIns="0" tIns="0" bIns="0">
-            <a:normAutofit/>
+            <a:normAutofit fontScale="4000"/>
           </a:bodyPr>
           <a:p>
             <a:endParaRPr b="0" lang="fr-FR" sz="3200" spc="-1" strike="noStrike">
@@ -3336,8 +3397,8 @@
         </p:nvSpPr>
         <p:spPr>
           <a:xfrm>
-            <a:off x="1367280" y="4187520"/>
-            <a:ext cx="657000" cy="1850760"/>
+            <a:off x="1014120" y="4187160"/>
+            <a:ext cx="320400" cy="1850400"/>
           </a:xfrm>
           <a:prstGeom prst="rect">
             <a:avLst/>
@@ -3345,7 +3406,7 @@
         </p:spPr>
         <p:txBody>
           <a:bodyPr lIns="0" rIns="0" tIns="0" bIns="0">
-            <a:normAutofit/>
+            <a:normAutofit fontScale="4000"/>
           </a:bodyPr>
           <a:p>
             <a:endParaRPr b="0" lang="fr-FR" sz="3200" spc="-1" strike="noStrike">
@@ -3366,8 +3427,8 @@
         </p:nvSpPr>
         <p:spPr>
           <a:xfrm>
-            <a:off x="2057760" y="4187520"/>
-            <a:ext cx="657000" cy="1850760"/>
+            <a:off x="1350720" y="4187160"/>
+            <a:ext cx="320400" cy="1850400"/>
           </a:xfrm>
           <a:prstGeom prst="rect">
             <a:avLst/>
@@ -3375,7 +3436,7 @@
         </p:spPr>
         <p:txBody>
           <a:bodyPr lIns="0" rIns="0" tIns="0" bIns="0">
-            <a:normAutofit/>
+            <a:normAutofit fontScale="4000"/>
           </a:bodyPr>
           <a:p>
             <a:endParaRPr b="0" lang="fr-FR" sz="3200" spc="-1" strike="noStrike">
@@ -3441,14 +3502,16 @@
         <p:spPr>
           <a:xfrm>
             <a:off x="677160" y="696960"/>
-            <a:ext cx="8596080" cy="1145160"/>
-          </a:xfrm>
-          <a:prstGeom prst="rect">
-            <a:avLst/>
-          </a:prstGeom>
-        </p:spPr>
-        <p:txBody>
-          <a:bodyPr lIns="0" rIns="0" tIns="0" bIns="0" anchor="ctr"/>
+            <a:ext cx="8595720" cy="1144800"/>
+          </a:xfrm>
+          <a:prstGeom prst="rect">
+            <a:avLst/>
+          </a:prstGeom>
+        </p:spPr>
+        <p:txBody>
+          <a:bodyPr lIns="0" rIns="0" tIns="0" bIns="0" anchor="ctr">
+            <a:spAutoFit/>
+          </a:bodyPr>
           <a:p>
             <a:pPr algn="ctr"/>
             <a:endParaRPr b="0" lang="fr-FR" sz="4400" spc="-1" strike="noStrike">
@@ -3470,14 +3533,16 @@
         <p:spPr>
           <a:xfrm>
             <a:off x="677160" y="2160720"/>
-            <a:ext cx="2041200" cy="3880080"/>
-          </a:xfrm>
-          <a:prstGeom prst="rect">
-            <a:avLst/>
-          </a:prstGeom>
-        </p:spPr>
-        <p:txBody>
-          <a:bodyPr lIns="0" rIns="0" tIns="0" bIns="0" anchor="ctr"/>
+            <a:ext cx="995400" cy="3879720"/>
+          </a:xfrm>
+          <a:prstGeom prst="rect">
+            <a:avLst/>
+          </a:prstGeom>
+        </p:spPr>
+        <p:txBody>
+          <a:bodyPr lIns="0" rIns="0" tIns="0" bIns="0" anchor="ctr">
+            <a:spAutoFit/>
+          </a:bodyPr>
           <a:p>
             <a:pPr algn="ctr"/>
             <a:endParaRPr b="0" lang="fr-FR" sz="3200" spc="-1" strike="noStrike">
@@ -3521,14 +3586,16 @@
         <p:spPr>
           <a:xfrm>
             <a:off x="677160" y="696960"/>
-            <a:ext cx="8596080" cy="1145160"/>
-          </a:xfrm>
-          <a:prstGeom prst="rect">
-            <a:avLst/>
-          </a:prstGeom>
-        </p:spPr>
-        <p:txBody>
-          <a:bodyPr lIns="0" rIns="0" tIns="0" bIns="0" anchor="ctr"/>
+            <a:ext cx="8595720" cy="1144800"/>
+          </a:xfrm>
+          <a:prstGeom prst="rect">
+            <a:avLst/>
+          </a:prstGeom>
+        </p:spPr>
+        <p:txBody>
+          <a:bodyPr lIns="0" rIns="0" tIns="0" bIns="0" anchor="ctr">
+            <a:spAutoFit/>
+          </a:bodyPr>
           <a:p>
             <a:pPr algn="ctr"/>
             <a:endParaRPr b="0" lang="fr-FR" sz="4400" spc="-1" strike="noStrike">
@@ -3550,7 +3617,7 @@
         <p:spPr>
           <a:xfrm>
             <a:off x="677160" y="2160720"/>
-            <a:ext cx="2041200" cy="3880080"/>
+            <a:ext cx="995400" cy="3879720"/>
           </a:xfrm>
           <a:prstGeom prst="rect">
             <a:avLst/>
@@ -3558,7 +3625,7 @@
         </p:spPr>
         <p:txBody>
           <a:bodyPr lIns="0" rIns="0" tIns="0" bIns="0">
-            <a:normAutofit/>
+            <a:normAutofit fontScale="67000"/>
           </a:bodyPr>
           <a:p>
             <a:endParaRPr b="0" lang="fr-FR" sz="3200" spc="-1" strike="noStrike">
@@ -3602,14 +3669,16 @@
         <p:spPr>
           <a:xfrm>
             <a:off x="677160" y="696960"/>
-            <a:ext cx="8596080" cy="1145160"/>
-          </a:xfrm>
-          <a:prstGeom prst="rect">
-            <a:avLst/>
-          </a:prstGeom>
-        </p:spPr>
-        <p:txBody>
-          <a:bodyPr lIns="0" rIns="0" tIns="0" bIns="0" anchor="ctr"/>
+            <a:ext cx="8595720" cy="1144800"/>
+          </a:xfrm>
+          <a:prstGeom prst="rect">
+            <a:avLst/>
+          </a:prstGeom>
+        </p:spPr>
+        <p:txBody>
+          <a:bodyPr lIns="0" rIns="0" tIns="0" bIns="0" anchor="ctr">
+            <a:spAutoFit/>
+          </a:bodyPr>
           <a:p>
             <a:pPr algn="ctr"/>
             <a:endParaRPr b="0" lang="fr-FR" sz="4400" spc="-1" strike="noStrike">
@@ -3631,7 +3700,7 @@
         <p:spPr>
           <a:xfrm>
             <a:off x="677160" y="2160720"/>
-            <a:ext cx="995760" cy="3880080"/>
+            <a:ext cx="485640" cy="3879720"/>
           </a:xfrm>
           <a:prstGeom prst="rect">
             <a:avLst/>
@@ -3639,7 +3708,7 @@
         </p:spPr>
         <p:txBody>
           <a:bodyPr lIns="0" rIns="0" tIns="0" bIns="0">
-            <a:normAutofit/>
+            <a:normAutofit fontScale="15000"/>
           </a:bodyPr>
           <a:p>
             <a:endParaRPr b="0" lang="fr-FR" sz="3200" spc="-1" strike="noStrike">
@@ -3660,8 +3729,8 @@
         </p:nvSpPr>
         <p:spPr>
           <a:xfrm>
-            <a:off x="1722960" y="2160720"/>
-            <a:ext cx="995760" cy="3880080"/>
+            <a:off x="1187640" y="2160720"/>
+            <a:ext cx="485640" cy="3879720"/>
           </a:xfrm>
           <a:prstGeom prst="rect">
             <a:avLst/>
@@ -3669,7 +3738,7 @@
         </p:spPr>
         <p:txBody>
           <a:bodyPr lIns="0" rIns="0" tIns="0" bIns="0">
-            <a:normAutofit/>
+            <a:normAutofit fontScale="15000"/>
           </a:bodyPr>
           <a:p>
             <a:endParaRPr b="0" lang="fr-FR" sz="3200" spc="-1" strike="noStrike">
@@ -3713,14 +3782,16 @@
         <p:spPr>
           <a:xfrm>
             <a:off x="677160" y="696960"/>
-            <a:ext cx="8596080" cy="1145160"/>
-          </a:xfrm>
-          <a:prstGeom prst="rect">
-            <a:avLst/>
-          </a:prstGeom>
-        </p:spPr>
-        <p:txBody>
-          <a:bodyPr lIns="0" rIns="0" tIns="0" bIns="0" anchor="ctr"/>
+            <a:ext cx="8595720" cy="1144800"/>
+          </a:xfrm>
+          <a:prstGeom prst="rect">
+            <a:avLst/>
+          </a:prstGeom>
+        </p:spPr>
+        <p:txBody>
+          <a:bodyPr lIns="0" rIns="0" tIns="0" bIns="0" anchor="ctr">
+            <a:spAutoFit/>
+          </a:bodyPr>
           <a:p>
             <a:pPr algn="ctr"/>
             <a:endParaRPr b="0" lang="fr-FR" sz="4400" spc="-1" strike="noStrike">
@@ -3742,7 +3813,7 @@
         <p:spPr>
           <a:xfrm>
             <a:off x="677160" y="2160720"/>
-            <a:ext cx="995760" cy="3880080"/>
+            <a:ext cx="485640" cy="3879720"/>
           </a:xfrm>
           <a:prstGeom prst="rect">
             <a:avLst/>
@@ -3750,7 +3821,7 @@
         </p:spPr>
         <p:txBody>
           <a:bodyPr lIns="0" rIns="0" tIns="0" bIns="0">
-            <a:normAutofit/>
+            <a:normAutofit fontScale="15000"/>
           </a:bodyPr>
           <a:p>
             <a:endParaRPr b="0" lang="fr-FR" sz="3200" spc="-1" strike="noStrike">
@@ -3771,8 +3842,8 @@
         </p:nvSpPr>
         <p:spPr>
           <a:xfrm>
-            <a:off x="1722960" y="2160720"/>
-            <a:ext cx="995760" cy="3880080"/>
+            <a:off x="1187640" y="2160720"/>
+            <a:ext cx="485640" cy="3879720"/>
           </a:xfrm>
           <a:prstGeom prst="rect">
             <a:avLst/>
@@ -3780,7 +3851,7 @@
         </p:spPr>
         <p:txBody>
           <a:bodyPr lIns="0" rIns="0" tIns="0" bIns="0">
-            <a:normAutofit/>
+            <a:normAutofit fontScale="15000"/>
           </a:bodyPr>
           <a:p>
             <a:endParaRPr b="0" lang="fr-FR" sz="3200" spc="-1" strike="noStrike">
@@ -3824,14 +3895,16 @@
         <p:spPr>
           <a:xfrm>
             <a:off x="677160" y="696960"/>
-            <a:ext cx="8596080" cy="1145160"/>
-          </a:xfrm>
-          <a:prstGeom prst="rect">
-            <a:avLst/>
-          </a:prstGeom>
-        </p:spPr>
-        <p:txBody>
-          <a:bodyPr lIns="0" rIns="0" tIns="0" bIns="0" anchor="ctr"/>
+            <a:ext cx="8595720" cy="1144800"/>
+          </a:xfrm>
+          <a:prstGeom prst="rect">
+            <a:avLst/>
+          </a:prstGeom>
+        </p:spPr>
+        <p:txBody>
+          <a:bodyPr lIns="0" rIns="0" tIns="0" bIns="0" anchor="ctr">
+            <a:spAutoFit/>
+          </a:bodyPr>
           <a:p>
             <a:pPr algn="ctr"/>
             <a:endParaRPr b="0" lang="fr-FR" sz="4400" spc="-1" strike="noStrike">
@@ -3875,14 +3948,16 @@
         <p:spPr>
           <a:xfrm>
             <a:off x="677160" y="696960"/>
-            <a:ext cx="8596080" cy="5309640"/>
-          </a:xfrm>
-          <a:prstGeom prst="rect">
-            <a:avLst/>
-          </a:prstGeom>
-        </p:spPr>
-        <p:txBody>
-          <a:bodyPr lIns="0" rIns="0" tIns="0" bIns="0" anchor="ctr"/>
+            <a:ext cx="8595720" cy="5307840"/>
+          </a:xfrm>
+          <a:prstGeom prst="rect">
+            <a:avLst/>
+          </a:prstGeom>
+        </p:spPr>
+        <p:txBody>
+          <a:bodyPr lIns="0" rIns="0" tIns="0" bIns="0" anchor="ctr">
+            <a:spAutoFit/>
+          </a:bodyPr>
           <a:p>
             <a:pPr algn="ctr"/>
             <a:endParaRPr b="0" lang="fr-FR" sz="3200" spc="-1" strike="noStrike">
@@ -3926,14 +4001,16 @@
         <p:spPr>
           <a:xfrm>
             <a:off x="677160" y="696960"/>
-            <a:ext cx="8596080" cy="1145160"/>
-          </a:xfrm>
-          <a:prstGeom prst="rect">
-            <a:avLst/>
-          </a:prstGeom>
-        </p:spPr>
-        <p:txBody>
-          <a:bodyPr lIns="0" rIns="0" tIns="0" bIns="0" anchor="ctr"/>
+            <a:ext cx="8595720" cy="1144800"/>
+          </a:xfrm>
+          <a:prstGeom prst="rect">
+            <a:avLst/>
+          </a:prstGeom>
+        </p:spPr>
+        <p:txBody>
+          <a:bodyPr lIns="0" rIns="0" tIns="0" bIns="0" anchor="ctr">
+            <a:spAutoFit/>
+          </a:bodyPr>
           <a:p>
             <a:pPr algn="ctr"/>
             <a:endParaRPr b="0" lang="fr-FR" sz="4400" spc="-1" strike="noStrike">
@@ -3955,7 +4032,7 @@
         <p:spPr>
           <a:xfrm>
             <a:off x="677160" y="2160720"/>
-            <a:ext cx="995760" cy="1850760"/>
+            <a:ext cx="485640" cy="1850400"/>
           </a:xfrm>
           <a:prstGeom prst="rect">
             <a:avLst/>
@@ -3963,7 +4040,7 @@
         </p:spPr>
         <p:txBody>
           <a:bodyPr lIns="0" rIns="0" tIns="0" bIns="0">
-            <a:normAutofit/>
+            <a:normAutofit fontScale="4000"/>
           </a:bodyPr>
           <a:p>
             <a:endParaRPr b="0" lang="fr-FR" sz="3200" spc="-1" strike="noStrike">
@@ -3984,8 +4061,8 @@
         </p:nvSpPr>
         <p:spPr>
           <a:xfrm>
-            <a:off x="1722960" y="2160720"/>
-            <a:ext cx="995760" cy="3880080"/>
+            <a:off x="1187640" y="2160720"/>
+            <a:ext cx="485640" cy="3879720"/>
           </a:xfrm>
           <a:prstGeom prst="rect">
             <a:avLst/>
@@ -3993,7 +4070,7 @@
         </p:spPr>
         <p:txBody>
           <a:bodyPr lIns="0" rIns="0" tIns="0" bIns="0">
-            <a:normAutofit/>
+            <a:normAutofit fontScale="15000"/>
           </a:bodyPr>
           <a:p>
             <a:endParaRPr b="0" lang="fr-FR" sz="3200" spc="-1" strike="noStrike">
@@ -4014,8 +4091,8 @@
         </p:nvSpPr>
         <p:spPr>
           <a:xfrm>
-            <a:off x="677160" y="4187520"/>
-            <a:ext cx="995760" cy="1850760"/>
+            <a:off x="677160" y="4187160"/>
+            <a:ext cx="485640" cy="1850400"/>
           </a:xfrm>
           <a:prstGeom prst="rect">
             <a:avLst/>
@@ -4023,7 +4100,7 @@
         </p:spPr>
         <p:txBody>
           <a:bodyPr lIns="0" rIns="0" tIns="0" bIns="0">
-            <a:normAutofit/>
+            <a:normAutofit fontScale="4000"/>
           </a:bodyPr>
           <a:p>
             <a:endParaRPr b="0" lang="fr-FR" sz="3200" spc="-1" strike="noStrike">
@@ -4067,14 +4144,16 @@
         <p:spPr>
           <a:xfrm>
             <a:off x="677160" y="696960"/>
-            <a:ext cx="8596080" cy="1145160"/>
-          </a:xfrm>
-          <a:prstGeom prst="rect">
-            <a:avLst/>
-          </a:prstGeom>
-        </p:spPr>
-        <p:txBody>
-          <a:bodyPr lIns="0" rIns="0" tIns="0" bIns="0" anchor="ctr"/>
+            <a:ext cx="8595720" cy="1144800"/>
+          </a:xfrm>
+          <a:prstGeom prst="rect">
+            <a:avLst/>
+          </a:prstGeom>
+        </p:spPr>
+        <p:txBody>
+          <a:bodyPr lIns="0" rIns="0" tIns="0" bIns="0" anchor="ctr">
+            <a:spAutoFit/>
+          </a:bodyPr>
           <a:p>
             <a:pPr algn="ctr"/>
             <a:endParaRPr b="0" lang="fr-FR" sz="4400" spc="-1" strike="noStrike">
@@ -4096,7 +4175,7 @@
         <p:spPr>
           <a:xfrm>
             <a:off x="677160" y="2160720"/>
-            <a:ext cx="995760" cy="3880080"/>
+            <a:ext cx="485640" cy="3879720"/>
           </a:xfrm>
           <a:prstGeom prst="rect">
             <a:avLst/>
@@ -4104,7 +4183,7 @@
         </p:spPr>
         <p:txBody>
           <a:bodyPr lIns="0" rIns="0" tIns="0" bIns="0">
-            <a:normAutofit/>
+            <a:normAutofit fontScale="15000"/>
           </a:bodyPr>
           <a:p>
             <a:endParaRPr b="0" lang="fr-FR" sz="3200" spc="-1" strike="noStrike">
@@ -4125,8 +4204,8 @@
         </p:nvSpPr>
         <p:spPr>
           <a:xfrm>
-            <a:off x="1722960" y="2160720"/>
-            <a:ext cx="995760" cy="1850760"/>
+            <a:off x="1187640" y="2160720"/>
+            <a:ext cx="485640" cy="1850400"/>
           </a:xfrm>
           <a:prstGeom prst="rect">
             <a:avLst/>
@@ -4134,7 +4213,7 @@
         </p:spPr>
         <p:txBody>
           <a:bodyPr lIns="0" rIns="0" tIns="0" bIns="0">
-            <a:normAutofit/>
+            <a:normAutofit fontScale="4000"/>
           </a:bodyPr>
           <a:p>
             <a:endParaRPr b="0" lang="fr-FR" sz="3200" spc="-1" strike="noStrike">
@@ -4155,8 +4234,8 @@
         </p:nvSpPr>
         <p:spPr>
           <a:xfrm>
-            <a:off x="1722960" y="4187520"/>
-            <a:ext cx="995760" cy="1850760"/>
+            <a:off x="1187640" y="4187160"/>
+            <a:ext cx="485640" cy="1850400"/>
           </a:xfrm>
           <a:prstGeom prst="rect">
             <a:avLst/>
@@ -4164,7 +4243,7 @@
         </p:spPr>
         <p:txBody>
           <a:bodyPr lIns="0" rIns="0" tIns="0" bIns="0">
-            <a:normAutofit/>
+            <a:normAutofit fontScale="4000"/>
           </a:bodyPr>
           <a:p>
             <a:endParaRPr b="0" lang="fr-FR" sz="3200" spc="-1" strike="noStrike">
@@ -4208,14 +4287,16 @@
         <p:spPr>
           <a:xfrm>
             <a:off x="677160" y="696960"/>
-            <a:ext cx="8596080" cy="1145160"/>
-          </a:xfrm>
-          <a:prstGeom prst="rect">
-            <a:avLst/>
-          </a:prstGeom>
-        </p:spPr>
-        <p:txBody>
-          <a:bodyPr lIns="0" rIns="0" tIns="0" bIns="0" anchor="ctr"/>
+            <a:ext cx="8595720" cy="1144800"/>
+          </a:xfrm>
+          <a:prstGeom prst="rect">
+            <a:avLst/>
+          </a:prstGeom>
+        </p:spPr>
+        <p:txBody>
+          <a:bodyPr lIns="0" rIns="0" tIns="0" bIns="0" anchor="ctr">
+            <a:spAutoFit/>
+          </a:bodyPr>
           <a:p>
             <a:pPr algn="ctr"/>
             <a:endParaRPr b="0" lang="fr-FR" sz="4400" spc="-1" strike="noStrike">
@@ -4237,7 +4318,7 @@
         <p:spPr>
           <a:xfrm>
             <a:off x="677160" y="2160720"/>
-            <a:ext cx="995760" cy="1850760"/>
+            <a:ext cx="485640" cy="1850400"/>
           </a:xfrm>
           <a:prstGeom prst="rect">
             <a:avLst/>
@@ -4245,7 +4326,7 @@
         </p:spPr>
         <p:txBody>
           <a:bodyPr lIns="0" rIns="0" tIns="0" bIns="0">
-            <a:normAutofit/>
+            <a:normAutofit fontScale="4000"/>
           </a:bodyPr>
           <a:p>
             <a:endParaRPr b="0" lang="fr-FR" sz="3200" spc="-1" strike="noStrike">
@@ -4266,8 +4347,8 @@
         </p:nvSpPr>
         <p:spPr>
           <a:xfrm>
-            <a:off x="1722960" y="2160720"/>
-            <a:ext cx="995760" cy="1850760"/>
+            <a:off x="1187640" y="2160720"/>
+            <a:ext cx="485640" cy="1850400"/>
           </a:xfrm>
           <a:prstGeom prst="rect">
             <a:avLst/>
@@ -4275,7 +4356,7 @@
         </p:spPr>
         <p:txBody>
           <a:bodyPr lIns="0" rIns="0" tIns="0" bIns="0">
-            <a:normAutofit/>
+            <a:normAutofit fontScale="4000"/>
           </a:bodyPr>
           <a:p>
             <a:endParaRPr b="0" lang="fr-FR" sz="3200" spc="-1" strike="noStrike">
@@ -4296,8 +4377,8 @@
         </p:nvSpPr>
         <p:spPr>
           <a:xfrm>
-            <a:off x="677160" y="4187520"/>
-            <a:ext cx="2041200" cy="1850760"/>
+            <a:off x="677160" y="4187160"/>
+            <a:ext cx="995400" cy="1850400"/>
           </a:xfrm>
           <a:prstGeom prst="rect">
             <a:avLst/>
@@ -4305,7 +4386,7 @@
         </p:spPr>
         <p:txBody>
           <a:bodyPr lIns="0" rIns="0" tIns="0" bIns="0">
-            <a:normAutofit/>
+            <a:normAutofit fontScale="21000"/>
           </a:bodyPr>
           <a:p>
             <a:endParaRPr b="0" lang="fr-FR" sz="3200" spc="-1" strike="noStrike">
@@ -4349,14 +4430,16 @@
         <p:spPr>
           <a:xfrm>
             <a:off x="677160" y="696960"/>
-            <a:ext cx="8596080" cy="1145160"/>
-          </a:xfrm>
-          <a:prstGeom prst="rect">
-            <a:avLst/>
-          </a:prstGeom>
-        </p:spPr>
-        <p:txBody>
-          <a:bodyPr lIns="0" rIns="0" tIns="0" bIns="0" anchor="ctr"/>
+            <a:ext cx="8595720" cy="1144800"/>
+          </a:xfrm>
+          <a:prstGeom prst="rect">
+            <a:avLst/>
+          </a:prstGeom>
+        </p:spPr>
+        <p:txBody>
+          <a:bodyPr lIns="0" rIns="0" tIns="0" bIns="0" anchor="ctr">
+            <a:spAutoFit/>
+          </a:bodyPr>
           <a:p>
             <a:pPr algn="ctr"/>
             <a:endParaRPr b="0" lang="fr-FR" sz="4400" spc="-1" strike="noStrike">
@@ -4378,7 +4461,7 @@
         <p:spPr>
           <a:xfrm>
             <a:off x="677160" y="2160720"/>
-            <a:ext cx="2041200" cy="1850760"/>
+            <a:ext cx="995400" cy="1850400"/>
           </a:xfrm>
           <a:prstGeom prst="rect">
             <a:avLst/>
@@ -4386,7 +4469,7 @@
         </p:spPr>
         <p:txBody>
           <a:bodyPr lIns="0" rIns="0" tIns="0" bIns="0">
-            <a:normAutofit/>
+            <a:normAutofit fontScale="21000"/>
           </a:bodyPr>
           <a:p>
             <a:endParaRPr b="0" lang="fr-FR" sz="3200" spc="-1" strike="noStrike">
@@ -4407,8 +4490,8 @@
         </p:nvSpPr>
         <p:spPr>
           <a:xfrm>
-            <a:off x="677160" y="4187520"/>
-            <a:ext cx="2041200" cy="1850760"/>
+            <a:off x="677160" y="4187160"/>
+            <a:ext cx="995400" cy="1850400"/>
           </a:xfrm>
           <a:prstGeom prst="rect">
             <a:avLst/>
@@ -4416,7 +4499,7 @@
         </p:spPr>
         <p:txBody>
           <a:bodyPr lIns="0" rIns="0" tIns="0" bIns="0">
-            <a:normAutofit/>
+            <a:normAutofit fontScale="21000"/>
           </a:bodyPr>
           <a:p>
             <a:endParaRPr b="0" lang="fr-FR" sz="3200" spc="-1" strike="noStrike">
@@ -4460,14 +4543,16 @@
         <p:spPr>
           <a:xfrm>
             <a:off x="677160" y="696960"/>
-            <a:ext cx="8596080" cy="1145160"/>
-          </a:xfrm>
-          <a:prstGeom prst="rect">
-            <a:avLst/>
-          </a:prstGeom>
-        </p:spPr>
-        <p:txBody>
-          <a:bodyPr lIns="0" rIns="0" tIns="0" bIns="0" anchor="ctr"/>
+            <a:ext cx="8595720" cy="1144800"/>
+          </a:xfrm>
+          <a:prstGeom prst="rect">
+            <a:avLst/>
+          </a:prstGeom>
+        </p:spPr>
+        <p:txBody>
+          <a:bodyPr lIns="0" rIns="0" tIns="0" bIns="0" anchor="ctr">
+            <a:spAutoFit/>
+          </a:bodyPr>
           <a:p>
             <a:pPr algn="ctr"/>
             <a:endParaRPr b="0" lang="fr-FR" sz="4400" spc="-1" strike="noStrike">
@@ -4489,7 +4574,7 @@
         <p:spPr>
           <a:xfrm>
             <a:off x="677160" y="2160720"/>
-            <a:ext cx="995760" cy="1850760"/>
+            <a:ext cx="485640" cy="1850400"/>
           </a:xfrm>
           <a:prstGeom prst="rect">
             <a:avLst/>
@@ -4497,7 +4582,7 @@
         </p:spPr>
         <p:txBody>
           <a:bodyPr lIns="0" rIns="0" tIns="0" bIns="0">
-            <a:normAutofit/>
+            <a:normAutofit fontScale="4000"/>
           </a:bodyPr>
           <a:p>
             <a:endParaRPr b="0" lang="fr-FR" sz="3200" spc="-1" strike="noStrike">
@@ -4518,8 +4603,8 @@
         </p:nvSpPr>
         <p:spPr>
           <a:xfrm>
-            <a:off x="1722960" y="2160720"/>
-            <a:ext cx="995760" cy="1850760"/>
+            <a:off x="1187640" y="2160720"/>
+            <a:ext cx="485640" cy="1850400"/>
           </a:xfrm>
           <a:prstGeom prst="rect">
             <a:avLst/>
@@ -4527,7 +4612,7 @@
         </p:spPr>
         <p:txBody>
           <a:bodyPr lIns="0" rIns="0" tIns="0" bIns="0">
-            <a:normAutofit/>
+            <a:normAutofit fontScale="4000"/>
           </a:bodyPr>
           <a:p>
             <a:endParaRPr b="0" lang="fr-FR" sz="3200" spc="-1" strike="noStrike">
@@ -4548,8 +4633,8 @@
         </p:nvSpPr>
         <p:spPr>
           <a:xfrm>
-            <a:off x="677160" y="4187520"/>
-            <a:ext cx="995760" cy="1850760"/>
+            <a:off x="677160" y="4187160"/>
+            <a:ext cx="485640" cy="1850400"/>
           </a:xfrm>
           <a:prstGeom prst="rect">
             <a:avLst/>
@@ -4557,7 +4642,7 @@
         </p:spPr>
         <p:txBody>
           <a:bodyPr lIns="0" rIns="0" tIns="0" bIns="0">
-            <a:normAutofit/>
+            <a:normAutofit fontScale="4000"/>
           </a:bodyPr>
           <a:p>
             <a:endParaRPr b="0" lang="fr-FR" sz="3200" spc="-1" strike="noStrike">
@@ -4578,8 +4663,8 @@
         </p:nvSpPr>
         <p:spPr>
           <a:xfrm>
-            <a:off x="1722960" y="4187520"/>
-            <a:ext cx="995760" cy="1850760"/>
+            <a:off x="1187640" y="4187160"/>
+            <a:ext cx="485640" cy="1850400"/>
           </a:xfrm>
           <a:prstGeom prst="rect">
             <a:avLst/>
@@ -4587,7 +4672,7 @@
         </p:spPr>
         <p:txBody>
           <a:bodyPr lIns="0" rIns="0" tIns="0" bIns="0">
-            <a:normAutofit/>
+            <a:normAutofit fontScale="4000"/>
           </a:bodyPr>
           <a:p>
             <a:endParaRPr b="0" lang="fr-FR" sz="3200" spc="-1" strike="noStrike">
@@ -4631,14 +4716,16 @@
         <p:spPr>
           <a:xfrm>
             <a:off x="677160" y="696960"/>
-            <a:ext cx="8596080" cy="1145160"/>
-          </a:xfrm>
-          <a:prstGeom prst="rect">
-            <a:avLst/>
-          </a:prstGeom>
-        </p:spPr>
-        <p:txBody>
-          <a:bodyPr lIns="0" rIns="0" tIns="0" bIns="0" anchor="ctr"/>
+            <a:ext cx="8595720" cy="1144800"/>
+          </a:xfrm>
+          <a:prstGeom prst="rect">
+            <a:avLst/>
+          </a:prstGeom>
+        </p:spPr>
+        <p:txBody>
+          <a:bodyPr lIns="0" rIns="0" tIns="0" bIns="0" anchor="ctr">
+            <a:spAutoFit/>
+          </a:bodyPr>
           <a:p>
             <a:pPr algn="ctr"/>
             <a:endParaRPr b="0" lang="fr-FR" sz="4400" spc="-1" strike="noStrike">
@@ -4660,7 +4747,7 @@
         <p:spPr>
           <a:xfrm>
             <a:off x="677160" y="2160720"/>
-            <a:ext cx="657000" cy="1850760"/>
+            <a:ext cx="320400" cy="1850400"/>
           </a:xfrm>
           <a:prstGeom prst="rect">
             <a:avLst/>
@@ -4668,7 +4755,7 @@
         </p:spPr>
         <p:txBody>
           <a:bodyPr lIns="0" rIns="0" tIns="0" bIns="0">
-            <a:normAutofit/>
+            <a:normAutofit fontScale="4000"/>
           </a:bodyPr>
           <a:p>
             <a:endParaRPr b="0" lang="fr-FR" sz="3200" spc="-1" strike="noStrike">
@@ -4689,8 +4776,8 @@
         </p:nvSpPr>
         <p:spPr>
           <a:xfrm>
-            <a:off x="1367280" y="2160720"/>
-            <a:ext cx="657000" cy="1850760"/>
+            <a:off x="1014120" y="2160720"/>
+            <a:ext cx="320400" cy="1850400"/>
           </a:xfrm>
           <a:prstGeom prst="rect">
             <a:avLst/>
@@ -4698,7 +4785,7 @@
         </p:spPr>
         <p:txBody>
           <a:bodyPr lIns="0" rIns="0" tIns="0" bIns="0">
-            <a:normAutofit/>
+            <a:normAutofit fontScale="4000"/>
           </a:bodyPr>
           <a:p>
             <a:endParaRPr b="0" lang="fr-FR" sz="3200" spc="-1" strike="noStrike">
@@ -4719,8 +4806,8 @@
         </p:nvSpPr>
         <p:spPr>
           <a:xfrm>
-            <a:off x="2057760" y="2160720"/>
-            <a:ext cx="657000" cy="1850760"/>
+            <a:off x="1350720" y="2160720"/>
+            <a:ext cx="320400" cy="1850400"/>
           </a:xfrm>
           <a:prstGeom prst="rect">
             <a:avLst/>
@@ -4728,7 +4815,7 @@
         </p:spPr>
         <p:txBody>
           <a:bodyPr lIns="0" rIns="0" tIns="0" bIns="0">
-            <a:normAutofit/>
+            <a:normAutofit fontScale="4000"/>
           </a:bodyPr>
           <a:p>
             <a:endParaRPr b="0" lang="fr-FR" sz="3200" spc="-1" strike="noStrike">
@@ -4749,8 +4836,8 @@
         </p:nvSpPr>
         <p:spPr>
           <a:xfrm>
-            <a:off x="677160" y="4187520"/>
-            <a:ext cx="657000" cy="1850760"/>
+            <a:off x="677160" y="4187160"/>
+            <a:ext cx="320400" cy="1850400"/>
           </a:xfrm>
           <a:prstGeom prst="rect">
             <a:avLst/>
@@ -4758,7 +4845,7 @@
         </p:spPr>
         <p:txBody>
           <a:bodyPr lIns="0" rIns="0" tIns="0" bIns="0">
-            <a:normAutofit/>
+            <a:normAutofit fontScale="4000"/>
           </a:bodyPr>
           <a:p>
             <a:endParaRPr b="0" lang="fr-FR" sz="3200" spc="-1" strike="noStrike">
@@ -4779,8 +4866,8 @@
         </p:nvSpPr>
         <p:spPr>
           <a:xfrm>
-            <a:off x="1367280" y="4187520"/>
-            <a:ext cx="657000" cy="1850760"/>
+            <a:off x="1014120" y="4187160"/>
+            <a:ext cx="320400" cy="1850400"/>
           </a:xfrm>
           <a:prstGeom prst="rect">
             <a:avLst/>
@@ -4788,7 +4875,7 @@
         </p:spPr>
         <p:txBody>
           <a:bodyPr lIns="0" rIns="0" tIns="0" bIns="0">
-            <a:normAutofit/>
+            <a:normAutofit fontScale="4000"/>
           </a:bodyPr>
           <a:p>
             <a:endParaRPr b="0" lang="fr-FR" sz="3200" spc="-1" strike="noStrike">
@@ -4809,8 +4896,8 @@
         </p:nvSpPr>
         <p:spPr>
           <a:xfrm>
-            <a:off x="2057760" y="4187520"/>
-            <a:ext cx="657000" cy="1850760"/>
+            <a:off x="1350720" y="4187160"/>
+            <a:ext cx="320400" cy="1850400"/>
           </a:xfrm>
           <a:prstGeom prst="rect">
             <a:avLst/>
@@ -4818,7 +4905,7 @@
         </p:spPr>
         <p:txBody>
           <a:bodyPr lIns="0" rIns="0" tIns="0" bIns="0">
-            <a:normAutofit/>
+            <a:normAutofit fontScale="4000"/>
           </a:bodyPr>
           <a:p>
             <a:endParaRPr b="0" lang="fr-FR" sz="3200" spc="-1" strike="noStrike">
@@ -4884,14 +4971,16 @@
         <p:spPr>
           <a:xfrm>
             <a:off x="677160" y="696960"/>
-            <a:ext cx="8596080" cy="1145160"/>
-          </a:xfrm>
-          <a:prstGeom prst="rect">
-            <a:avLst/>
-          </a:prstGeom>
-        </p:spPr>
-        <p:txBody>
-          <a:bodyPr lIns="0" rIns="0" tIns="0" bIns="0" anchor="ctr"/>
+            <a:ext cx="8595720" cy="1144800"/>
+          </a:xfrm>
+          <a:prstGeom prst="rect">
+            <a:avLst/>
+          </a:prstGeom>
+        </p:spPr>
+        <p:txBody>
+          <a:bodyPr lIns="0" rIns="0" tIns="0" bIns="0" anchor="ctr">
+            <a:spAutoFit/>
+          </a:bodyPr>
           <a:p>
             <a:pPr algn="ctr"/>
             <a:endParaRPr b="0" lang="fr-FR" sz="4400" spc="-1" strike="noStrike">
@@ -4935,14 +5024,16 @@
         <p:spPr>
           <a:xfrm>
             <a:off x="677160" y="696960"/>
-            <a:ext cx="8596080" cy="1145160"/>
-          </a:xfrm>
-          <a:prstGeom prst="rect">
-            <a:avLst/>
-          </a:prstGeom>
-        </p:spPr>
-        <p:txBody>
-          <a:bodyPr lIns="0" rIns="0" tIns="0" bIns="0" anchor="ctr"/>
+            <a:ext cx="8595720" cy="1144800"/>
+          </a:xfrm>
+          <a:prstGeom prst="rect">
+            <a:avLst/>
+          </a:prstGeom>
+        </p:spPr>
+        <p:txBody>
+          <a:bodyPr lIns="0" rIns="0" tIns="0" bIns="0" anchor="ctr">
+            <a:spAutoFit/>
+          </a:bodyPr>
           <a:p>
             <a:pPr algn="ctr"/>
             <a:endParaRPr b="0" lang="fr-FR" sz="4400" spc="-1" strike="noStrike">
@@ -4964,14 +5055,16 @@
         <p:spPr>
           <a:xfrm>
             <a:off x="677160" y="2160720"/>
-            <a:ext cx="2041200" cy="3880080"/>
-          </a:xfrm>
-          <a:prstGeom prst="rect">
-            <a:avLst/>
-          </a:prstGeom>
-        </p:spPr>
-        <p:txBody>
-          <a:bodyPr lIns="0" rIns="0" tIns="0" bIns="0" anchor="ctr"/>
+            <a:ext cx="995400" cy="3879720"/>
+          </a:xfrm>
+          <a:prstGeom prst="rect">
+            <a:avLst/>
+          </a:prstGeom>
+        </p:spPr>
+        <p:txBody>
+          <a:bodyPr lIns="0" rIns="0" tIns="0" bIns="0" anchor="ctr">
+            <a:spAutoFit/>
+          </a:bodyPr>
           <a:p>
             <a:pPr algn="ctr"/>
             <a:endParaRPr b="0" lang="fr-FR" sz="3200" spc="-1" strike="noStrike">
@@ -5015,14 +5108,16 @@
         <p:spPr>
           <a:xfrm>
             <a:off x="677160" y="696960"/>
-            <a:ext cx="8596080" cy="1145160"/>
-          </a:xfrm>
-          <a:prstGeom prst="rect">
-            <a:avLst/>
-          </a:prstGeom>
-        </p:spPr>
-        <p:txBody>
-          <a:bodyPr lIns="0" rIns="0" tIns="0" bIns="0" anchor="ctr"/>
+            <a:ext cx="8595720" cy="1144800"/>
+          </a:xfrm>
+          <a:prstGeom prst="rect">
+            <a:avLst/>
+          </a:prstGeom>
+        </p:spPr>
+        <p:txBody>
+          <a:bodyPr lIns="0" rIns="0" tIns="0" bIns="0" anchor="ctr">
+            <a:spAutoFit/>
+          </a:bodyPr>
           <a:p>
             <a:pPr algn="ctr"/>
             <a:endParaRPr b="0" lang="fr-FR" sz="4400" spc="-1" strike="noStrike">
@@ -5044,7 +5139,7 @@
         <p:spPr>
           <a:xfrm>
             <a:off x="677160" y="2160720"/>
-            <a:ext cx="2041200" cy="3880080"/>
+            <a:ext cx="995400" cy="3879720"/>
           </a:xfrm>
           <a:prstGeom prst="rect">
             <a:avLst/>
@@ -5052,7 +5147,7 @@
         </p:spPr>
         <p:txBody>
           <a:bodyPr lIns="0" rIns="0" tIns="0" bIns="0">
-            <a:normAutofit/>
+            <a:normAutofit fontScale="67000"/>
           </a:bodyPr>
           <a:p>
             <a:endParaRPr b="0" lang="fr-FR" sz="3200" spc="-1" strike="noStrike">
@@ -5096,14 +5191,16 @@
         <p:spPr>
           <a:xfrm>
             <a:off x="677160" y="696960"/>
-            <a:ext cx="8596080" cy="1145160"/>
-          </a:xfrm>
-          <a:prstGeom prst="rect">
-            <a:avLst/>
-          </a:prstGeom>
-        </p:spPr>
-        <p:txBody>
-          <a:bodyPr lIns="0" rIns="0" tIns="0" bIns="0" anchor="ctr"/>
+            <a:ext cx="8595720" cy="1144800"/>
+          </a:xfrm>
+          <a:prstGeom prst="rect">
+            <a:avLst/>
+          </a:prstGeom>
+        </p:spPr>
+        <p:txBody>
+          <a:bodyPr lIns="0" rIns="0" tIns="0" bIns="0" anchor="ctr">
+            <a:spAutoFit/>
+          </a:bodyPr>
           <a:p>
             <a:pPr algn="ctr"/>
             <a:endParaRPr b="0" lang="fr-FR" sz="4400" spc="-1" strike="noStrike">
@@ -5125,7 +5222,7 @@
         <p:spPr>
           <a:xfrm>
             <a:off x="677160" y="2160720"/>
-            <a:ext cx="995760" cy="3880080"/>
+            <a:ext cx="485640" cy="3879720"/>
           </a:xfrm>
           <a:prstGeom prst="rect">
             <a:avLst/>
@@ -5133,7 +5230,7 @@
         </p:spPr>
         <p:txBody>
           <a:bodyPr lIns="0" rIns="0" tIns="0" bIns="0">
-            <a:normAutofit/>
+            <a:normAutofit fontScale="15000"/>
           </a:bodyPr>
           <a:p>
             <a:endParaRPr b="0" lang="fr-FR" sz="3200" spc="-1" strike="noStrike">
@@ -5154,8 +5251,8 @@
         </p:nvSpPr>
         <p:spPr>
           <a:xfrm>
-            <a:off x="1722960" y="2160720"/>
-            <a:ext cx="995760" cy="3880080"/>
+            <a:off x="1187640" y="2160720"/>
+            <a:ext cx="485640" cy="3879720"/>
           </a:xfrm>
           <a:prstGeom prst="rect">
             <a:avLst/>
@@ -5163,7 +5260,7 @@
         </p:spPr>
         <p:txBody>
           <a:bodyPr lIns="0" rIns="0" tIns="0" bIns="0">
-            <a:normAutofit/>
+            <a:normAutofit fontScale="15000"/>
           </a:bodyPr>
           <a:p>
             <a:endParaRPr b="0" lang="fr-FR" sz="3200" spc="-1" strike="noStrike">
@@ -5207,14 +5304,16 @@
         <p:spPr>
           <a:xfrm>
             <a:off x="677160" y="696960"/>
-            <a:ext cx="8596080" cy="1145160"/>
-          </a:xfrm>
-          <a:prstGeom prst="rect">
-            <a:avLst/>
-          </a:prstGeom>
-        </p:spPr>
-        <p:txBody>
-          <a:bodyPr lIns="0" rIns="0" tIns="0" bIns="0" anchor="ctr"/>
+            <a:ext cx="8595720" cy="1144800"/>
+          </a:xfrm>
+          <a:prstGeom prst="rect">
+            <a:avLst/>
+          </a:prstGeom>
+        </p:spPr>
+        <p:txBody>
+          <a:bodyPr lIns="0" rIns="0" tIns="0" bIns="0" anchor="ctr">
+            <a:spAutoFit/>
+          </a:bodyPr>
           <a:p>
             <a:pPr algn="ctr"/>
             <a:endParaRPr b="0" lang="fr-FR" sz="4400" spc="-1" strike="noStrike">
@@ -5258,14 +5357,16 @@
         <p:spPr>
           <a:xfrm>
             <a:off x="677160" y="696960"/>
-            <a:ext cx="8596080" cy="5309640"/>
-          </a:xfrm>
-          <a:prstGeom prst="rect">
-            <a:avLst/>
-          </a:prstGeom>
-        </p:spPr>
-        <p:txBody>
-          <a:bodyPr lIns="0" rIns="0" tIns="0" bIns="0" anchor="ctr"/>
+            <a:ext cx="8595720" cy="5307840"/>
+          </a:xfrm>
+          <a:prstGeom prst="rect">
+            <a:avLst/>
+          </a:prstGeom>
+        </p:spPr>
+        <p:txBody>
+          <a:bodyPr lIns="0" rIns="0" tIns="0" bIns="0" anchor="ctr">
+            <a:spAutoFit/>
+          </a:bodyPr>
           <a:p>
             <a:pPr algn="ctr"/>
             <a:endParaRPr b="0" lang="fr-FR" sz="3200" spc="-1" strike="noStrike">
@@ -5309,14 +5410,16 @@
         <p:spPr>
           <a:xfrm>
             <a:off x="677160" y="696960"/>
-            <a:ext cx="8596080" cy="1145160"/>
-          </a:xfrm>
-          <a:prstGeom prst="rect">
-            <a:avLst/>
-          </a:prstGeom>
-        </p:spPr>
-        <p:txBody>
-          <a:bodyPr lIns="0" rIns="0" tIns="0" bIns="0" anchor="ctr"/>
+            <a:ext cx="8595720" cy="1144800"/>
+          </a:xfrm>
+          <a:prstGeom prst="rect">
+            <a:avLst/>
+          </a:prstGeom>
+        </p:spPr>
+        <p:txBody>
+          <a:bodyPr lIns="0" rIns="0" tIns="0" bIns="0" anchor="ctr">
+            <a:spAutoFit/>
+          </a:bodyPr>
           <a:p>
             <a:pPr algn="ctr"/>
             <a:endParaRPr b="0" lang="fr-FR" sz="4400" spc="-1" strike="noStrike">
@@ -5338,7 +5441,7 @@
         <p:spPr>
           <a:xfrm>
             <a:off x="677160" y="2160720"/>
-            <a:ext cx="995760" cy="1850760"/>
+            <a:ext cx="485640" cy="1850400"/>
           </a:xfrm>
           <a:prstGeom prst="rect">
             <a:avLst/>
@@ -5346,7 +5449,7 @@
         </p:spPr>
         <p:txBody>
           <a:bodyPr lIns="0" rIns="0" tIns="0" bIns="0">
-            <a:normAutofit/>
+            <a:normAutofit fontScale="4000"/>
           </a:bodyPr>
           <a:p>
             <a:endParaRPr b="0" lang="fr-FR" sz="3200" spc="-1" strike="noStrike">
@@ -5367,8 +5470,8 @@
         </p:nvSpPr>
         <p:spPr>
           <a:xfrm>
-            <a:off x="1722960" y="2160720"/>
-            <a:ext cx="995760" cy="3880080"/>
+            <a:off x="1187640" y="2160720"/>
+            <a:ext cx="485640" cy="3879720"/>
           </a:xfrm>
           <a:prstGeom prst="rect">
             <a:avLst/>
@@ -5376,7 +5479,7 @@
         </p:spPr>
         <p:txBody>
           <a:bodyPr lIns="0" rIns="0" tIns="0" bIns="0">
-            <a:normAutofit/>
+            <a:normAutofit fontScale="15000"/>
           </a:bodyPr>
           <a:p>
             <a:endParaRPr b="0" lang="fr-FR" sz="3200" spc="-1" strike="noStrike">
@@ -5397,8 +5500,8 @@
         </p:nvSpPr>
         <p:spPr>
           <a:xfrm>
-            <a:off x="677160" y="4187520"/>
-            <a:ext cx="995760" cy="1850760"/>
+            <a:off x="677160" y="4187160"/>
+            <a:ext cx="485640" cy="1850400"/>
           </a:xfrm>
           <a:prstGeom prst="rect">
             <a:avLst/>
@@ -5406,7 +5509,7 @@
         </p:spPr>
         <p:txBody>
           <a:bodyPr lIns="0" rIns="0" tIns="0" bIns="0">
-            <a:normAutofit/>
+            <a:normAutofit fontScale="4000"/>
           </a:bodyPr>
           <a:p>
             <a:endParaRPr b="0" lang="fr-FR" sz="3200" spc="-1" strike="noStrike">
@@ -5450,14 +5553,16 @@
         <p:spPr>
           <a:xfrm>
             <a:off x="677160" y="696960"/>
-            <a:ext cx="8596080" cy="1145160"/>
-          </a:xfrm>
-          <a:prstGeom prst="rect">
-            <a:avLst/>
-          </a:prstGeom>
-        </p:spPr>
-        <p:txBody>
-          <a:bodyPr lIns="0" rIns="0" tIns="0" bIns="0" anchor="ctr"/>
+            <a:ext cx="8595720" cy="1144800"/>
+          </a:xfrm>
+          <a:prstGeom prst="rect">
+            <a:avLst/>
+          </a:prstGeom>
+        </p:spPr>
+        <p:txBody>
+          <a:bodyPr lIns="0" rIns="0" tIns="0" bIns="0" anchor="ctr">
+            <a:spAutoFit/>
+          </a:bodyPr>
           <a:p>
             <a:pPr algn="ctr"/>
             <a:endParaRPr b="0" lang="fr-FR" sz="4400" spc="-1" strike="noStrike">
@@ -5479,7 +5584,7 @@
         <p:spPr>
           <a:xfrm>
             <a:off x="677160" y="2160720"/>
-            <a:ext cx="995760" cy="3880080"/>
+            <a:ext cx="485640" cy="3879720"/>
           </a:xfrm>
           <a:prstGeom prst="rect">
             <a:avLst/>
@@ -5487,7 +5592,7 @@
         </p:spPr>
         <p:txBody>
           <a:bodyPr lIns="0" rIns="0" tIns="0" bIns="0">
-            <a:normAutofit/>
+            <a:normAutofit fontScale="15000"/>
           </a:bodyPr>
           <a:p>
             <a:endParaRPr b="0" lang="fr-FR" sz="3200" spc="-1" strike="noStrike">
@@ -5508,8 +5613,8 @@
         </p:nvSpPr>
         <p:spPr>
           <a:xfrm>
-            <a:off x="1722960" y="2160720"/>
-            <a:ext cx="995760" cy="1850760"/>
+            <a:off x="1187640" y="2160720"/>
+            <a:ext cx="485640" cy="1850400"/>
           </a:xfrm>
           <a:prstGeom prst="rect">
             <a:avLst/>
@@ -5517,7 +5622,7 @@
         </p:spPr>
         <p:txBody>
           <a:bodyPr lIns="0" rIns="0" tIns="0" bIns="0">
-            <a:normAutofit/>
+            <a:normAutofit fontScale="4000"/>
           </a:bodyPr>
           <a:p>
             <a:endParaRPr b="0" lang="fr-FR" sz="3200" spc="-1" strike="noStrike">
@@ -5538,8 +5643,8 @@
         </p:nvSpPr>
         <p:spPr>
           <a:xfrm>
-            <a:off x="1722960" y="4187520"/>
-            <a:ext cx="995760" cy="1850760"/>
+            <a:off x="1187640" y="4187160"/>
+            <a:ext cx="485640" cy="1850400"/>
           </a:xfrm>
           <a:prstGeom prst="rect">
             <a:avLst/>
@@ -5547,7 +5652,7 @@
         </p:spPr>
         <p:txBody>
           <a:bodyPr lIns="0" rIns="0" tIns="0" bIns="0">
-            <a:normAutofit/>
+            <a:normAutofit fontScale="4000"/>
           </a:bodyPr>
           <a:p>
             <a:endParaRPr b="0" lang="fr-FR" sz="3200" spc="-1" strike="noStrike">
@@ -5591,14 +5696,16 @@
         <p:spPr>
           <a:xfrm>
             <a:off x="677160" y="696960"/>
-            <a:ext cx="8596080" cy="1145160"/>
-          </a:xfrm>
-          <a:prstGeom prst="rect">
-            <a:avLst/>
-          </a:prstGeom>
-        </p:spPr>
-        <p:txBody>
-          <a:bodyPr lIns="0" rIns="0" tIns="0" bIns="0" anchor="ctr"/>
+            <a:ext cx="8595720" cy="1144800"/>
+          </a:xfrm>
+          <a:prstGeom prst="rect">
+            <a:avLst/>
+          </a:prstGeom>
+        </p:spPr>
+        <p:txBody>
+          <a:bodyPr lIns="0" rIns="0" tIns="0" bIns="0" anchor="ctr">
+            <a:spAutoFit/>
+          </a:bodyPr>
           <a:p>
             <a:pPr algn="ctr"/>
             <a:endParaRPr b="0" lang="fr-FR" sz="4400" spc="-1" strike="noStrike">
@@ -5620,7 +5727,7 @@
         <p:spPr>
           <a:xfrm>
             <a:off x="677160" y="2160720"/>
-            <a:ext cx="995760" cy="1850760"/>
+            <a:ext cx="485640" cy="1850400"/>
           </a:xfrm>
           <a:prstGeom prst="rect">
             <a:avLst/>
@@ -5628,7 +5735,7 @@
         </p:spPr>
         <p:txBody>
           <a:bodyPr lIns="0" rIns="0" tIns="0" bIns="0">
-            <a:normAutofit/>
+            <a:normAutofit fontScale="4000"/>
           </a:bodyPr>
           <a:p>
             <a:endParaRPr b="0" lang="fr-FR" sz="3200" spc="-1" strike="noStrike">
@@ -5649,8 +5756,8 @@
         </p:nvSpPr>
         <p:spPr>
           <a:xfrm>
-            <a:off x="1722960" y="2160720"/>
-            <a:ext cx="995760" cy="1850760"/>
+            <a:off x="1187640" y="2160720"/>
+            <a:ext cx="485640" cy="1850400"/>
           </a:xfrm>
           <a:prstGeom prst="rect">
             <a:avLst/>
@@ -5658,7 +5765,7 @@
         </p:spPr>
         <p:txBody>
           <a:bodyPr lIns="0" rIns="0" tIns="0" bIns="0">
-            <a:normAutofit/>
+            <a:normAutofit fontScale="4000"/>
           </a:bodyPr>
           <a:p>
             <a:endParaRPr b="0" lang="fr-FR" sz="3200" spc="-1" strike="noStrike">
@@ -5679,8 +5786,8 @@
         </p:nvSpPr>
         <p:spPr>
           <a:xfrm>
-            <a:off x="677160" y="4187520"/>
-            <a:ext cx="2041200" cy="1850760"/>
+            <a:off x="677160" y="4187160"/>
+            <a:ext cx="995400" cy="1850400"/>
           </a:xfrm>
           <a:prstGeom prst="rect">
             <a:avLst/>
@@ -5688,7 +5795,7 @@
         </p:spPr>
         <p:txBody>
           <a:bodyPr lIns="0" rIns="0" tIns="0" bIns="0">
-            <a:normAutofit/>
+            <a:normAutofit fontScale="21000"/>
           </a:bodyPr>
           <a:p>
             <a:endParaRPr b="0" lang="fr-FR" sz="3200" spc="-1" strike="noStrike">
@@ -5732,14 +5839,16 @@
         <p:spPr>
           <a:xfrm>
             <a:off x="677160" y="696960"/>
-            <a:ext cx="8596080" cy="1145160"/>
-          </a:xfrm>
-          <a:prstGeom prst="rect">
-            <a:avLst/>
-          </a:prstGeom>
-        </p:spPr>
-        <p:txBody>
-          <a:bodyPr lIns="0" rIns="0" tIns="0" bIns="0" anchor="ctr"/>
+            <a:ext cx="8595720" cy="1144800"/>
+          </a:xfrm>
+          <a:prstGeom prst="rect">
+            <a:avLst/>
+          </a:prstGeom>
+        </p:spPr>
+        <p:txBody>
+          <a:bodyPr lIns="0" rIns="0" tIns="0" bIns="0" anchor="ctr">
+            <a:spAutoFit/>
+          </a:bodyPr>
           <a:p>
             <a:pPr algn="ctr"/>
             <a:endParaRPr b="0" lang="fr-FR" sz="4400" spc="-1" strike="noStrike">
@@ -5761,7 +5870,7 @@
         <p:spPr>
           <a:xfrm>
             <a:off x="677160" y="2160720"/>
-            <a:ext cx="2041200" cy="1850760"/>
+            <a:ext cx="995400" cy="1850400"/>
           </a:xfrm>
           <a:prstGeom prst="rect">
             <a:avLst/>
@@ -5769,7 +5878,7 @@
         </p:spPr>
         <p:txBody>
           <a:bodyPr lIns="0" rIns="0" tIns="0" bIns="0">
-            <a:normAutofit/>
+            <a:normAutofit fontScale="21000"/>
           </a:bodyPr>
           <a:p>
             <a:endParaRPr b="0" lang="fr-FR" sz="3200" spc="-1" strike="noStrike">
@@ -5790,8 +5899,8 @@
         </p:nvSpPr>
         <p:spPr>
           <a:xfrm>
-            <a:off x="677160" y="4187520"/>
-            <a:ext cx="2041200" cy="1850760"/>
+            <a:off x="677160" y="4187160"/>
+            <a:ext cx="995400" cy="1850400"/>
           </a:xfrm>
           <a:prstGeom prst="rect">
             <a:avLst/>
@@ -5799,7 +5908,7 @@
         </p:spPr>
         <p:txBody>
           <a:bodyPr lIns="0" rIns="0" tIns="0" bIns="0">
-            <a:normAutofit/>
+            <a:normAutofit fontScale="21000"/>
           </a:bodyPr>
           <a:p>
             <a:endParaRPr b="0" lang="fr-FR" sz="3200" spc="-1" strike="noStrike">
@@ -5843,14 +5952,16 @@
         <p:spPr>
           <a:xfrm>
             <a:off x="677160" y="696960"/>
-            <a:ext cx="8596080" cy="1145160"/>
-          </a:xfrm>
-          <a:prstGeom prst="rect">
-            <a:avLst/>
-          </a:prstGeom>
-        </p:spPr>
-        <p:txBody>
-          <a:bodyPr lIns="0" rIns="0" tIns="0" bIns="0" anchor="ctr"/>
+            <a:ext cx="8595720" cy="1144800"/>
+          </a:xfrm>
+          <a:prstGeom prst="rect">
+            <a:avLst/>
+          </a:prstGeom>
+        </p:spPr>
+        <p:txBody>
+          <a:bodyPr lIns="0" rIns="0" tIns="0" bIns="0" anchor="ctr">
+            <a:spAutoFit/>
+          </a:bodyPr>
           <a:p>
             <a:pPr algn="ctr"/>
             <a:endParaRPr b="0" lang="fr-FR" sz="4400" spc="-1" strike="noStrike">
@@ -5872,7 +5983,7 @@
         <p:spPr>
           <a:xfrm>
             <a:off x="677160" y="2160720"/>
-            <a:ext cx="995760" cy="1850760"/>
+            <a:ext cx="485640" cy="1850400"/>
           </a:xfrm>
           <a:prstGeom prst="rect">
             <a:avLst/>
@@ -5880,7 +5991,7 @@
         </p:spPr>
         <p:txBody>
           <a:bodyPr lIns="0" rIns="0" tIns="0" bIns="0">
-            <a:normAutofit/>
+            <a:normAutofit fontScale="4000"/>
           </a:bodyPr>
           <a:p>
             <a:endParaRPr b="0" lang="fr-FR" sz="3200" spc="-1" strike="noStrike">
@@ -5901,8 +6012,8 @@
         </p:nvSpPr>
         <p:spPr>
           <a:xfrm>
-            <a:off x="1722960" y="2160720"/>
-            <a:ext cx="995760" cy="1850760"/>
+            <a:off x="1187640" y="2160720"/>
+            <a:ext cx="485640" cy="1850400"/>
           </a:xfrm>
           <a:prstGeom prst="rect">
             <a:avLst/>
@@ -5910,7 +6021,7 @@
         </p:spPr>
         <p:txBody>
           <a:bodyPr lIns="0" rIns="0" tIns="0" bIns="0">
-            <a:normAutofit/>
+            <a:normAutofit fontScale="4000"/>
           </a:bodyPr>
           <a:p>
             <a:endParaRPr b="0" lang="fr-FR" sz="3200" spc="-1" strike="noStrike">
@@ -5931,8 +6042,8 @@
         </p:nvSpPr>
         <p:spPr>
           <a:xfrm>
-            <a:off x="677160" y="4187520"/>
-            <a:ext cx="995760" cy="1850760"/>
+            <a:off x="677160" y="4187160"/>
+            <a:ext cx="485640" cy="1850400"/>
           </a:xfrm>
           <a:prstGeom prst="rect">
             <a:avLst/>
@@ -5940,7 +6051,7 @@
         </p:spPr>
         <p:txBody>
           <a:bodyPr lIns="0" rIns="0" tIns="0" bIns="0">
-            <a:normAutofit/>
+            <a:normAutofit fontScale="4000"/>
           </a:bodyPr>
           <a:p>
             <a:endParaRPr b="0" lang="fr-FR" sz="3200" spc="-1" strike="noStrike">
@@ -5961,8 +6072,8 @@
         </p:nvSpPr>
         <p:spPr>
           <a:xfrm>
-            <a:off x="1722960" y="4187520"/>
-            <a:ext cx="995760" cy="1850760"/>
+            <a:off x="1187640" y="4187160"/>
+            <a:ext cx="485640" cy="1850400"/>
           </a:xfrm>
           <a:prstGeom prst="rect">
             <a:avLst/>
@@ -5970,7 +6081,7 @@
         </p:spPr>
         <p:txBody>
           <a:bodyPr lIns="0" rIns="0" tIns="0" bIns="0">
-            <a:normAutofit/>
+            <a:normAutofit fontScale="4000"/>
           </a:bodyPr>
           <a:p>
             <a:endParaRPr b="0" lang="fr-FR" sz="3200" spc="-1" strike="noStrike">
@@ -6014,14 +6125,16 @@
         <p:spPr>
           <a:xfrm>
             <a:off x="677160" y="696960"/>
-            <a:ext cx="8596080" cy="5309640"/>
-          </a:xfrm>
-          <a:prstGeom prst="rect">
-            <a:avLst/>
-          </a:prstGeom>
-        </p:spPr>
-        <p:txBody>
-          <a:bodyPr lIns="0" rIns="0" tIns="0" bIns="0" anchor="ctr"/>
+            <a:ext cx="8595720" cy="5307840"/>
+          </a:xfrm>
+          <a:prstGeom prst="rect">
+            <a:avLst/>
+          </a:prstGeom>
+        </p:spPr>
+        <p:txBody>
+          <a:bodyPr lIns="0" rIns="0" tIns="0" bIns="0" anchor="ctr">
+            <a:spAutoFit/>
+          </a:bodyPr>
           <a:p>
             <a:pPr algn="ctr"/>
             <a:endParaRPr b="0" lang="fr-FR" sz="3200" spc="-1" strike="noStrike">
@@ -6065,14 +6178,16 @@
         <p:spPr>
           <a:xfrm>
             <a:off x="677160" y="696960"/>
-            <a:ext cx="8596080" cy="1145160"/>
-          </a:xfrm>
-          <a:prstGeom prst="rect">
-            <a:avLst/>
-          </a:prstGeom>
-        </p:spPr>
-        <p:txBody>
-          <a:bodyPr lIns="0" rIns="0" tIns="0" bIns="0" anchor="ctr"/>
+            <a:ext cx="8595720" cy="1144800"/>
+          </a:xfrm>
+          <a:prstGeom prst="rect">
+            <a:avLst/>
+          </a:prstGeom>
+        </p:spPr>
+        <p:txBody>
+          <a:bodyPr lIns="0" rIns="0" tIns="0" bIns="0" anchor="ctr">
+            <a:spAutoFit/>
+          </a:bodyPr>
           <a:p>
             <a:pPr algn="ctr"/>
             <a:endParaRPr b="0" lang="fr-FR" sz="4400" spc="-1" strike="noStrike">
@@ -6094,7 +6209,7 @@
         <p:spPr>
           <a:xfrm>
             <a:off x="677160" y="2160720"/>
-            <a:ext cx="657000" cy="1850760"/>
+            <a:ext cx="320400" cy="1850400"/>
           </a:xfrm>
           <a:prstGeom prst="rect">
             <a:avLst/>
@@ -6102,7 +6217,7 @@
         </p:spPr>
         <p:txBody>
           <a:bodyPr lIns="0" rIns="0" tIns="0" bIns="0">
-            <a:normAutofit/>
+            <a:normAutofit fontScale="4000"/>
           </a:bodyPr>
           <a:p>
             <a:endParaRPr b="0" lang="fr-FR" sz="3200" spc="-1" strike="noStrike">
@@ -6123,8 +6238,8 @@
         </p:nvSpPr>
         <p:spPr>
           <a:xfrm>
-            <a:off x="1367280" y="2160720"/>
-            <a:ext cx="657000" cy="1850760"/>
+            <a:off x="1014120" y="2160720"/>
+            <a:ext cx="320400" cy="1850400"/>
           </a:xfrm>
           <a:prstGeom prst="rect">
             <a:avLst/>
@@ -6132,7 +6247,7 @@
         </p:spPr>
         <p:txBody>
           <a:bodyPr lIns="0" rIns="0" tIns="0" bIns="0">
-            <a:normAutofit/>
+            <a:normAutofit fontScale="4000"/>
           </a:bodyPr>
           <a:p>
             <a:endParaRPr b="0" lang="fr-FR" sz="3200" spc="-1" strike="noStrike">
@@ -6153,8 +6268,8 @@
         </p:nvSpPr>
         <p:spPr>
           <a:xfrm>
-            <a:off x="2057760" y="2160720"/>
-            <a:ext cx="657000" cy="1850760"/>
+            <a:off x="1350720" y="2160720"/>
+            <a:ext cx="320400" cy="1850400"/>
           </a:xfrm>
           <a:prstGeom prst="rect">
             <a:avLst/>
@@ -6162,7 +6277,7 @@
         </p:spPr>
         <p:txBody>
           <a:bodyPr lIns="0" rIns="0" tIns="0" bIns="0">
-            <a:normAutofit/>
+            <a:normAutofit fontScale="4000"/>
           </a:bodyPr>
           <a:p>
             <a:endParaRPr b="0" lang="fr-FR" sz="3200" spc="-1" strike="noStrike">
@@ -6183,8 +6298,8 @@
         </p:nvSpPr>
         <p:spPr>
           <a:xfrm>
-            <a:off x="677160" y="4187520"/>
-            <a:ext cx="657000" cy="1850760"/>
+            <a:off x="677160" y="4187160"/>
+            <a:ext cx="320400" cy="1850400"/>
           </a:xfrm>
           <a:prstGeom prst="rect">
             <a:avLst/>
@@ -6192,7 +6307,7 @@
         </p:spPr>
         <p:txBody>
           <a:bodyPr lIns="0" rIns="0" tIns="0" bIns="0">
-            <a:normAutofit/>
+            <a:normAutofit fontScale="4000"/>
           </a:bodyPr>
           <a:p>
             <a:endParaRPr b="0" lang="fr-FR" sz="3200" spc="-1" strike="noStrike">
@@ -6213,8 +6328,8 @@
         </p:nvSpPr>
         <p:spPr>
           <a:xfrm>
-            <a:off x="1367280" y="4187520"/>
-            <a:ext cx="657000" cy="1850760"/>
+            <a:off x="1014120" y="4187160"/>
+            <a:ext cx="320400" cy="1850400"/>
           </a:xfrm>
           <a:prstGeom prst="rect">
             <a:avLst/>
@@ -6222,7 +6337,7 @@
         </p:spPr>
         <p:txBody>
           <a:bodyPr lIns="0" rIns="0" tIns="0" bIns="0">
-            <a:normAutofit/>
+            <a:normAutofit fontScale="4000"/>
           </a:bodyPr>
           <a:p>
             <a:endParaRPr b="0" lang="fr-FR" sz="3200" spc="-1" strike="noStrike">
@@ -6243,8 +6358,8 @@
         </p:nvSpPr>
         <p:spPr>
           <a:xfrm>
-            <a:off x="2057760" y="4187520"/>
-            <a:ext cx="657000" cy="1850760"/>
+            <a:off x="1350720" y="4187160"/>
+            <a:ext cx="320400" cy="1850400"/>
           </a:xfrm>
           <a:prstGeom prst="rect">
             <a:avLst/>
@@ -6252,7 +6367,7 @@
         </p:spPr>
         <p:txBody>
           <a:bodyPr lIns="0" rIns="0" tIns="0" bIns="0">
-            <a:normAutofit/>
+            <a:normAutofit fontScale="4000"/>
           </a:bodyPr>
           <a:p>
             <a:endParaRPr b="0" lang="fr-FR" sz="3200" spc="-1" strike="noStrike">
@@ -6318,14 +6433,16 @@
         <p:spPr>
           <a:xfrm>
             <a:off x="677160" y="696960"/>
-            <a:ext cx="8596080" cy="1145160"/>
-          </a:xfrm>
-          <a:prstGeom prst="rect">
-            <a:avLst/>
-          </a:prstGeom>
-        </p:spPr>
-        <p:txBody>
-          <a:bodyPr lIns="0" rIns="0" tIns="0" bIns="0" anchor="ctr"/>
+            <a:ext cx="8595720" cy="1144800"/>
+          </a:xfrm>
+          <a:prstGeom prst="rect">
+            <a:avLst/>
+          </a:prstGeom>
+        </p:spPr>
+        <p:txBody>
+          <a:bodyPr lIns="0" rIns="0" tIns="0" bIns="0" anchor="ctr">
+            <a:spAutoFit/>
+          </a:bodyPr>
           <a:p>
             <a:pPr algn="ctr"/>
             <a:endParaRPr b="0" lang="fr-FR" sz="4400" spc="-1" strike="noStrike">
@@ -6347,14 +6464,16 @@
         <p:spPr>
           <a:xfrm>
             <a:off x="677160" y="2160720"/>
-            <a:ext cx="2041200" cy="3880080"/>
-          </a:xfrm>
-          <a:prstGeom prst="rect">
-            <a:avLst/>
-          </a:prstGeom>
-        </p:spPr>
-        <p:txBody>
-          <a:bodyPr lIns="0" rIns="0" tIns="0" bIns="0" anchor="ctr"/>
+            <a:ext cx="995400" cy="3879720"/>
+          </a:xfrm>
+          <a:prstGeom prst="rect">
+            <a:avLst/>
+          </a:prstGeom>
+        </p:spPr>
+        <p:txBody>
+          <a:bodyPr lIns="0" rIns="0" tIns="0" bIns="0" anchor="ctr">
+            <a:spAutoFit/>
+          </a:bodyPr>
           <a:p>
             <a:pPr algn="ctr"/>
             <a:endParaRPr b="0" lang="fr-FR" sz="3200" spc="-1" strike="noStrike">
@@ -6398,14 +6517,16 @@
         <p:spPr>
           <a:xfrm>
             <a:off x="677160" y="696960"/>
-            <a:ext cx="8596080" cy="1145160"/>
-          </a:xfrm>
-          <a:prstGeom prst="rect">
-            <a:avLst/>
-          </a:prstGeom>
-        </p:spPr>
-        <p:txBody>
-          <a:bodyPr lIns="0" rIns="0" tIns="0" bIns="0" anchor="ctr"/>
+            <a:ext cx="8595720" cy="1144800"/>
+          </a:xfrm>
+          <a:prstGeom prst="rect">
+            <a:avLst/>
+          </a:prstGeom>
+        </p:spPr>
+        <p:txBody>
+          <a:bodyPr lIns="0" rIns="0" tIns="0" bIns="0" anchor="ctr">
+            <a:spAutoFit/>
+          </a:bodyPr>
           <a:p>
             <a:pPr algn="ctr"/>
             <a:endParaRPr b="0" lang="fr-FR" sz="4400" spc="-1" strike="noStrike">
@@ -6427,7 +6548,7 @@
         <p:spPr>
           <a:xfrm>
             <a:off x="677160" y="2160720"/>
-            <a:ext cx="2041200" cy="3880080"/>
+            <a:ext cx="995400" cy="3879720"/>
           </a:xfrm>
           <a:prstGeom prst="rect">
             <a:avLst/>
@@ -6435,7 +6556,7 @@
         </p:spPr>
         <p:txBody>
           <a:bodyPr lIns="0" rIns="0" tIns="0" bIns="0">
-            <a:normAutofit/>
+            <a:normAutofit fontScale="67000"/>
           </a:bodyPr>
           <a:p>
             <a:endParaRPr b="0" lang="fr-FR" sz="3200" spc="-1" strike="noStrike">
@@ -6479,14 +6600,16 @@
         <p:spPr>
           <a:xfrm>
             <a:off x="677160" y="696960"/>
-            <a:ext cx="8596080" cy="1145160"/>
-          </a:xfrm>
-          <a:prstGeom prst="rect">
-            <a:avLst/>
-          </a:prstGeom>
-        </p:spPr>
-        <p:txBody>
-          <a:bodyPr lIns="0" rIns="0" tIns="0" bIns="0" anchor="ctr"/>
+            <a:ext cx="8595720" cy="1144800"/>
+          </a:xfrm>
+          <a:prstGeom prst="rect">
+            <a:avLst/>
+          </a:prstGeom>
+        </p:spPr>
+        <p:txBody>
+          <a:bodyPr lIns="0" rIns="0" tIns="0" bIns="0" anchor="ctr">
+            <a:spAutoFit/>
+          </a:bodyPr>
           <a:p>
             <a:pPr algn="ctr"/>
             <a:endParaRPr b="0" lang="fr-FR" sz="4400" spc="-1" strike="noStrike">
@@ -6508,7 +6631,7 @@
         <p:spPr>
           <a:xfrm>
             <a:off x="677160" y="2160720"/>
-            <a:ext cx="995760" cy="3880080"/>
+            <a:ext cx="485640" cy="3879720"/>
           </a:xfrm>
           <a:prstGeom prst="rect">
             <a:avLst/>
@@ -6516,7 +6639,7 @@
         </p:spPr>
         <p:txBody>
           <a:bodyPr lIns="0" rIns="0" tIns="0" bIns="0">
-            <a:normAutofit/>
+            <a:normAutofit fontScale="15000"/>
           </a:bodyPr>
           <a:p>
             <a:endParaRPr b="0" lang="fr-FR" sz="3200" spc="-1" strike="noStrike">
@@ -6537,8 +6660,8 @@
         </p:nvSpPr>
         <p:spPr>
           <a:xfrm>
-            <a:off x="1722960" y="2160720"/>
-            <a:ext cx="995760" cy="3880080"/>
+            <a:off x="1187640" y="2160720"/>
+            <a:ext cx="485640" cy="3879720"/>
           </a:xfrm>
           <a:prstGeom prst="rect">
             <a:avLst/>
@@ -6546,7 +6669,7 @@
         </p:spPr>
         <p:txBody>
           <a:bodyPr lIns="0" rIns="0" tIns="0" bIns="0">
-            <a:normAutofit/>
+            <a:normAutofit fontScale="15000"/>
           </a:bodyPr>
           <a:p>
             <a:endParaRPr b="0" lang="fr-FR" sz="3200" spc="-1" strike="noStrike">
@@ -6590,14 +6713,16 @@
         <p:spPr>
           <a:xfrm>
             <a:off x="677160" y="696960"/>
-            <a:ext cx="8596080" cy="1145160"/>
-          </a:xfrm>
-          <a:prstGeom prst="rect">
-            <a:avLst/>
-          </a:prstGeom>
-        </p:spPr>
-        <p:txBody>
-          <a:bodyPr lIns="0" rIns="0" tIns="0" bIns="0" anchor="ctr"/>
+            <a:ext cx="8595720" cy="1144800"/>
+          </a:xfrm>
+          <a:prstGeom prst="rect">
+            <a:avLst/>
+          </a:prstGeom>
+        </p:spPr>
+        <p:txBody>
+          <a:bodyPr lIns="0" rIns="0" tIns="0" bIns="0" anchor="ctr">
+            <a:spAutoFit/>
+          </a:bodyPr>
           <a:p>
             <a:pPr algn="ctr"/>
             <a:endParaRPr b="0" lang="fr-FR" sz="4400" spc="-1" strike="noStrike">
@@ -6641,14 +6766,16 @@
         <p:spPr>
           <a:xfrm>
             <a:off x="677160" y="696960"/>
-            <a:ext cx="8596080" cy="5309640"/>
-          </a:xfrm>
-          <a:prstGeom prst="rect">
-            <a:avLst/>
-          </a:prstGeom>
-        </p:spPr>
-        <p:txBody>
-          <a:bodyPr lIns="0" rIns="0" tIns="0" bIns="0" anchor="ctr"/>
+            <a:ext cx="8595720" cy="5307840"/>
+          </a:xfrm>
+          <a:prstGeom prst="rect">
+            <a:avLst/>
+          </a:prstGeom>
+        </p:spPr>
+        <p:txBody>
+          <a:bodyPr lIns="0" rIns="0" tIns="0" bIns="0" anchor="ctr">
+            <a:spAutoFit/>
+          </a:bodyPr>
           <a:p>
             <a:pPr algn="ctr"/>
             <a:endParaRPr b="0" lang="fr-FR" sz="3200" spc="-1" strike="noStrike">
@@ -6692,14 +6819,16 @@
         <p:spPr>
           <a:xfrm>
             <a:off x="677160" y="696960"/>
-            <a:ext cx="8596080" cy="1145160"/>
-          </a:xfrm>
-          <a:prstGeom prst="rect">
-            <a:avLst/>
-          </a:prstGeom>
-        </p:spPr>
-        <p:txBody>
-          <a:bodyPr lIns="0" rIns="0" tIns="0" bIns="0" anchor="ctr"/>
+            <a:ext cx="8595720" cy="1144800"/>
+          </a:xfrm>
+          <a:prstGeom prst="rect">
+            <a:avLst/>
+          </a:prstGeom>
+        </p:spPr>
+        <p:txBody>
+          <a:bodyPr lIns="0" rIns="0" tIns="0" bIns="0" anchor="ctr">
+            <a:spAutoFit/>
+          </a:bodyPr>
           <a:p>
             <a:pPr algn="ctr"/>
             <a:endParaRPr b="0" lang="fr-FR" sz="4400" spc="-1" strike="noStrike">
@@ -6721,7 +6850,7 @@
         <p:spPr>
           <a:xfrm>
             <a:off x="677160" y="2160720"/>
-            <a:ext cx="995760" cy="1850760"/>
+            <a:ext cx="485640" cy="1850400"/>
           </a:xfrm>
           <a:prstGeom prst="rect">
             <a:avLst/>
@@ -6729,7 +6858,7 @@
         </p:spPr>
         <p:txBody>
           <a:bodyPr lIns="0" rIns="0" tIns="0" bIns="0">
-            <a:normAutofit/>
+            <a:normAutofit fontScale="4000"/>
           </a:bodyPr>
           <a:p>
             <a:endParaRPr b="0" lang="fr-FR" sz="3200" spc="-1" strike="noStrike">
@@ -6750,8 +6879,8 @@
         </p:nvSpPr>
         <p:spPr>
           <a:xfrm>
-            <a:off x="1722960" y="2160720"/>
-            <a:ext cx="995760" cy="3880080"/>
+            <a:off x="1187640" y="2160720"/>
+            <a:ext cx="485640" cy="3879720"/>
           </a:xfrm>
           <a:prstGeom prst="rect">
             <a:avLst/>
@@ -6759,7 +6888,7 @@
         </p:spPr>
         <p:txBody>
           <a:bodyPr lIns="0" rIns="0" tIns="0" bIns="0">
-            <a:normAutofit/>
+            <a:normAutofit fontScale="15000"/>
           </a:bodyPr>
           <a:p>
             <a:endParaRPr b="0" lang="fr-FR" sz="3200" spc="-1" strike="noStrike">
@@ -6780,8 +6909,8 @@
         </p:nvSpPr>
         <p:spPr>
           <a:xfrm>
-            <a:off x="677160" y="4187520"/>
-            <a:ext cx="995760" cy="1850760"/>
+            <a:off x="677160" y="4187160"/>
+            <a:ext cx="485640" cy="1850400"/>
           </a:xfrm>
           <a:prstGeom prst="rect">
             <a:avLst/>
@@ -6789,7 +6918,7 @@
         </p:spPr>
         <p:txBody>
           <a:bodyPr lIns="0" rIns="0" tIns="0" bIns="0">
-            <a:normAutofit/>
+            <a:normAutofit fontScale="4000"/>
           </a:bodyPr>
           <a:p>
             <a:endParaRPr b="0" lang="fr-FR" sz="3200" spc="-1" strike="noStrike">
@@ -6833,14 +6962,16 @@
         <p:spPr>
           <a:xfrm>
             <a:off x="677160" y="696960"/>
-            <a:ext cx="8596080" cy="1145160"/>
-          </a:xfrm>
-          <a:prstGeom prst="rect">
-            <a:avLst/>
-          </a:prstGeom>
-        </p:spPr>
-        <p:txBody>
-          <a:bodyPr lIns="0" rIns="0" tIns="0" bIns="0" anchor="ctr"/>
+            <a:ext cx="8595720" cy="1144800"/>
+          </a:xfrm>
+          <a:prstGeom prst="rect">
+            <a:avLst/>
+          </a:prstGeom>
+        </p:spPr>
+        <p:txBody>
+          <a:bodyPr lIns="0" rIns="0" tIns="0" bIns="0" anchor="ctr">
+            <a:spAutoFit/>
+          </a:bodyPr>
           <a:p>
             <a:pPr algn="ctr"/>
             <a:endParaRPr b="0" lang="fr-FR" sz="4400" spc="-1" strike="noStrike">
@@ -6862,7 +6993,7 @@
         <p:spPr>
           <a:xfrm>
             <a:off x="677160" y="2160720"/>
-            <a:ext cx="995760" cy="3880080"/>
+            <a:ext cx="485640" cy="3879720"/>
           </a:xfrm>
           <a:prstGeom prst="rect">
             <a:avLst/>
@@ -6870,7 +7001,7 @@
         </p:spPr>
         <p:txBody>
           <a:bodyPr lIns="0" rIns="0" tIns="0" bIns="0">
-            <a:normAutofit/>
+            <a:normAutofit fontScale="15000"/>
           </a:bodyPr>
           <a:p>
             <a:endParaRPr b="0" lang="fr-FR" sz="3200" spc="-1" strike="noStrike">
@@ -6891,8 +7022,8 @@
         </p:nvSpPr>
         <p:spPr>
           <a:xfrm>
-            <a:off x="1722960" y="2160720"/>
-            <a:ext cx="995760" cy="1850760"/>
+            <a:off x="1187640" y="2160720"/>
+            <a:ext cx="485640" cy="1850400"/>
           </a:xfrm>
           <a:prstGeom prst="rect">
             <a:avLst/>
@@ -6900,7 +7031,7 @@
         </p:spPr>
         <p:txBody>
           <a:bodyPr lIns="0" rIns="0" tIns="0" bIns="0">
-            <a:normAutofit/>
+            <a:normAutofit fontScale="4000"/>
           </a:bodyPr>
           <a:p>
             <a:endParaRPr b="0" lang="fr-FR" sz="3200" spc="-1" strike="noStrike">
@@ -6921,8 +7052,8 @@
         </p:nvSpPr>
         <p:spPr>
           <a:xfrm>
-            <a:off x="1722960" y="4187520"/>
-            <a:ext cx="995760" cy="1850760"/>
+            <a:off x="1187640" y="4187160"/>
+            <a:ext cx="485640" cy="1850400"/>
           </a:xfrm>
           <a:prstGeom prst="rect">
             <a:avLst/>
@@ -6930,7 +7061,7 @@
         </p:spPr>
         <p:txBody>
           <a:bodyPr lIns="0" rIns="0" tIns="0" bIns="0">
-            <a:normAutofit/>
+            <a:normAutofit fontScale="4000"/>
           </a:bodyPr>
           <a:p>
             <a:endParaRPr b="0" lang="fr-FR" sz="3200" spc="-1" strike="noStrike">
@@ -6974,14 +7105,16 @@
         <p:spPr>
           <a:xfrm>
             <a:off x="677160" y="696960"/>
-            <a:ext cx="8596080" cy="1145160"/>
-          </a:xfrm>
-          <a:prstGeom prst="rect">
-            <a:avLst/>
-          </a:prstGeom>
-        </p:spPr>
-        <p:txBody>
-          <a:bodyPr lIns="0" rIns="0" tIns="0" bIns="0" anchor="ctr"/>
+            <a:ext cx="8595720" cy="1144800"/>
+          </a:xfrm>
+          <a:prstGeom prst="rect">
+            <a:avLst/>
+          </a:prstGeom>
+        </p:spPr>
+        <p:txBody>
+          <a:bodyPr lIns="0" rIns="0" tIns="0" bIns="0" anchor="ctr">
+            <a:spAutoFit/>
+          </a:bodyPr>
           <a:p>
             <a:pPr algn="ctr"/>
             <a:endParaRPr b="0" lang="fr-FR" sz="4400" spc="-1" strike="noStrike">
@@ -7003,7 +7136,7 @@
         <p:spPr>
           <a:xfrm>
             <a:off x="677160" y="2160720"/>
-            <a:ext cx="995760" cy="1850760"/>
+            <a:ext cx="485640" cy="1850400"/>
           </a:xfrm>
           <a:prstGeom prst="rect">
             <a:avLst/>
@@ -7011,7 +7144,7 @@
         </p:spPr>
         <p:txBody>
           <a:bodyPr lIns="0" rIns="0" tIns="0" bIns="0">
-            <a:normAutofit/>
+            <a:normAutofit fontScale="4000"/>
           </a:bodyPr>
           <a:p>
             <a:endParaRPr b="0" lang="fr-FR" sz="3200" spc="-1" strike="noStrike">
@@ -7032,8 +7165,8 @@
         </p:nvSpPr>
         <p:spPr>
           <a:xfrm>
-            <a:off x="1722960" y="2160720"/>
-            <a:ext cx="995760" cy="1850760"/>
+            <a:off x="1187640" y="2160720"/>
+            <a:ext cx="485640" cy="1850400"/>
           </a:xfrm>
           <a:prstGeom prst="rect">
             <a:avLst/>
@@ -7041,7 +7174,7 @@
         </p:spPr>
         <p:txBody>
           <a:bodyPr lIns="0" rIns="0" tIns="0" bIns="0">
-            <a:normAutofit/>
+            <a:normAutofit fontScale="4000"/>
           </a:bodyPr>
           <a:p>
             <a:endParaRPr b="0" lang="fr-FR" sz="3200" spc="-1" strike="noStrike">
@@ -7062,8 +7195,8 @@
         </p:nvSpPr>
         <p:spPr>
           <a:xfrm>
-            <a:off x="677160" y="4187520"/>
-            <a:ext cx="2041200" cy="1850760"/>
+            <a:off x="677160" y="4187160"/>
+            <a:ext cx="995400" cy="1850400"/>
           </a:xfrm>
           <a:prstGeom prst="rect">
             <a:avLst/>
@@ -7071,7 +7204,7 @@
         </p:spPr>
         <p:txBody>
           <a:bodyPr lIns="0" rIns="0" tIns="0" bIns="0">
-            <a:normAutofit/>
+            <a:normAutofit fontScale="21000"/>
           </a:bodyPr>
           <a:p>
             <a:endParaRPr b="0" lang="fr-FR" sz="3200" spc="-1" strike="noStrike">
@@ -7115,14 +7248,16 @@
         <p:spPr>
           <a:xfrm>
             <a:off x="677160" y="696960"/>
-            <a:ext cx="8596080" cy="1145160"/>
-          </a:xfrm>
-          <a:prstGeom prst="rect">
-            <a:avLst/>
-          </a:prstGeom>
-        </p:spPr>
-        <p:txBody>
-          <a:bodyPr lIns="0" rIns="0" tIns="0" bIns="0" anchor="ctr"/>
+            <a:ext cx="8595720" cy="1144800"/>
+          </a:xfrm>
+          <a:prstGeom prst="rect">
+            <a:avLst/>
+          </a:prstGeom>
+        </p:spPr>
+        <p:txBody>
+          <a:bodyPr lIns="0" rIns="0" tIns="0" bIns="0" anchor="ctr">
+            <a:spAutoFit/>
+          </a:bodyPr>
           <a:p>
             <a:pPr algn="ctr"/>
             <a:endParaRPr b="0" lang="fr-FR" sz="4400" spc="-1" strike="noStrike">
@@ -7144,7 +7279,7 @@
         <p:spPr>
           <a:xfrm>
             <a:off x="677160" y="2160720"/>
-            <a:ext cx="995760" cy="1850760"/>
+            <a:ext cx="485640" cy="1850400"/>
           </a:xfrm>
           <a:prstGeom prst="rect">
             <a:avLst/>
@@ -7152,7 +7287,7 @@
         </p:spPr>
         <p:txBody>
           <a:bodyPr lIns="0" rIns="0" tIns="0" bIns="0">
-            <a:normAutofit/>
+            <a:normAutofit fontScale="4000"/>
           </a:bodyPr>
           <a:p>
             <a:endParaRPr b="0" lang="fr-FR" sz="3200" spc="-1" strike="noStrike">
@@ -7173,8 +7308,8 @@
         </p:nvSpPr>
         <p:spPr>
           <a:xfrm>
-            <a:off x="1722960" y="2160720"/>
-            <a:ext cx="995760" cy="3880080"/>
+            <a:off x="1187640" y="2160720"/>
+            <a:ext cx="485640" cy="3879720"/>
           </a:xfrm>
           <a:prstGeom prst="rect">
             <a:avLst/>
@@ -7182,7 +7317,7 @@
         </p:spPr>
         <p:txBody>
           <a:bodyPr lIns="0" rIns="0" tIns="0" bIns="0">
-            <a:normAutofit/>
+            <a:normAutofit fontScale="15000"/>
           </a:bodyPr>
           <a:p>
             <a:endParaRPr b="0" lang="fr-FR" sz="3200" spc="-1" strike="noStrike">
@@ -7203,8 +7338,8 @@
         </p:nvSpPr>
         <p:spPr>
           <a:xfrm>
-            <a:off x="677160" y="4187520"/>
-            <a:ext cx="995760" cy="1850760"/>
+            <a:off x="677160" y="4187160"/>
+            <a:ext cx="485640" cy="1850400"/>
           </a:xfrm>
           <a:prstGeom prst="rect">
             <a:avLst/>
@@ -7212,7 +7347,7 @@
         </p:spPr>
         <p:txBody>
           <a:bodyPr lIns="0" rIns="0" tIns="0" bIns="0">
-            <a:normAutofit/>
+            <a:normAutofit fontScale="4000"/>
           </a:bodyPr>
           <a:p>
             <a:endParaRPr b="0" lang="fr-FR" sz="3200" spc="-1" strike="noStrike">
@@ -7256,14 +7391,16 @@
         <p:spPr>
           <a:xfrm>
             <a:off x="677160" y="696960"/>
-            <a:ext cx="8596080" cy="1145160"/>
-          </a:xfrm>
-          <a:prstGeom prst="rect">
-            <a:avLst/>
-          </a:prstGeom>
-        </p:spPr>
-        <p:txBody>
-          <a:bodyPr lIns="0" rIns="0" tIns="0" bIns="0" anchor="ctr"/>
+            <a:ext cx="8595720" cy="1144800"/>
+          </a:xfrm>
+          <a:prstGeom prst="rect">
+            <a:avLst/>
+          </a:prstGeom>
+        </p:spPr>
+        <p:txBody>
+          <a:bodyPr lIns="0" rIns="0" tIns="0" bIns="0" anchor="ctr">
+            <a:spAutoFit/>
+          </a:bodyPr>
           <a:p>
             <a:pPr algn="ctr"/>
             <a:endParaRPr b="0" lang="fr-FR" sz="4400" spc="-1" strike="noStrike">
@@ -7285,7 +7422,7 @@
         <p:spPr>
           <a:xfrm>
             <a:off x="677160" y="2160720"/>
-            <a:ext cx="2041200" cy="1850760"/>
+            <a:ext cx="995400" cy="1850400"/>
           </a:xfrm>
           <a:prstGeom prst="rect">
             <a:avLst/>
@@ -7293,7 +7430,7 @@
         </p:spPr>
         <p:txBody>
           <a:bodyPr lIns="0" rIns="0" tIns="0" bIns="0">
-            <a:normAutofit/>
+            <a:normAutofit fontScale="21000"/>
           </a:bodyPr>
           <a:p>
             <a:endParaRPr b="0" lang="fr-FR" sz="3200" spc="-1" strike="noStrike">
@@ -7314,8 +7451,8 @@
         </p:nvSpPr>
         <p:spPr>
           <a:xfrm>
-            <a:off x="677160" y="4187520"/>
-            <a:ext cx="2041200" cy="1850760"/>
+            <a:off x="677160" y="4187160"/>
+            <a:ext cx="995400" cy="1850400"/>
           </a:xfrm>
           <a:prstGeom prst="rect">
             <a:avLst/>
@@ -7323,7 +7460,7 @@
         </p:spPr>
         <p:txBody>
           <a:bodyPr lIns="0" rIns="0" tIns="0" bIns="0">
-            <a:normAutofit/>
+            <a:normAutofit fontScale="21000"/>
           </a:bodyPr>
           <a:p>
             <a:endParaRPr b="0" lang="fr-FR" sz="3200" spc="-1" strike="noStrike">
@@ -7367,14 +7504,16 @@
         <p:spPr>
           <a:xfrm>
             <a:off x="677160" y="696960"/>
-            <a:ext cx="8596080" cy="1145160"/>
-          </a:xfrm>
-          <a:prstGeom prst="rect">
-            <a:avLst/>
-          </a:prstGeom>
-        </p:spPr>
-        <p:txBody>
-          <a:bodyPr lIns="0" rIns="0" tIns="0" bIns="0" anchor="ctr"/>
+            <a:ext cx="8595720" cy="1144800"/>
+          </a:xfrm>
+          <a:prstGeom prst="rect">
+            <a:avLst/>
+          </a:prstGeom>
+        </p:spPr>
+        <p:txBody>
+          <a:bodyPr lIns="0" rIns="0" tIns="0" bIns="0" anchor="ctr">
+            <a:spAutoFit/>
+          </a:bodyPr>
           <a:p>
             <a:pPr algn="ctr"/>
             <a:endParaRPr b="0" lang="fr-FR" sz="4400" spc="-1" strike="noStrike">
@@ -7396,7 +7535,7 @@
         <p:spPr>
           <a:xfrm>
             <a:off x="677160" y="2160720"/>
-            <a:ext cx="995760" cy="1850760"/>
+            <a:ext cx="485640" cy="1850400"/>
           </a:xfrm>
           <a:prstGeom prst="rect">
             <a:avLst/>
@@ -7404,7 +7543,7 @@
         </p:spPr>
         <p:txBody>
           <a:bodyPr lIns="0" rIns="0" tIns="0" bIns="0">
-            <a:normAutofit/>
+            <a:normAutofit fontScale="4000"/>
           </a:bodyPr>
           <a:p>
             <a:endParaRPr b="0" lang="fr-FR" sz="3200" spc="-1" strike="noStrike">
@@ -7425,8 +7564,8 @@
         </p:nvSpPr>
         <p:spPr>
           <a:xfrm>
-            <a:off x="1722960" y="2160720"/>
-            <a:ext cx="995760" cy="1850760"/>
+            <a:off x="1187640" y="2160720"/>
+            <a:ext cx="485640" cy="1850400"/>
           </a:xfrm>
           <a:prstGeom prst="rect">
             <a:avLst/>
@@ -7434,7 +7573,7 @@
         </p:spPr>
         <p:txBody>
           <a:bodyPr lIns="0" rIns="0" tIns="0" bIns="0">
-            <a:normAutofit/>
+            <a:normAutofit fontScale="4000"/>
           </a:bodyPr>
           <a:p>
             <a:endParaRPr b="0" lang="fr-FR" sz="3200" spc="-1" strike="noStrike">
@@ -7455,8 +7594,8 @@
         </p:nvSpPr>
         <p:spPr>
           <a:xfrm>
-            <a:off x="677160" y="4187520"/>
-            <a:ext cx="995760" cy="1850760"/>
+            <a:off x="677160" y="4187160"/>
+            <a:ext cx="485640" cy="1850400"/>
           </a:xfrm>
           <a:prstGeom prst="rect">
             <a:avLst/>
@@ -7464,7 +7603,7 @@
         </p:spPr>
         <p:txBody>
           <a:bodyPr lIns="0" rIns="0" tIns="0" bIns="0">
-            <a:normAutofit/>
+            <a:normAutofit fontScale="4000"/>
           </a:bodyPr>
           <a:p>
             <a:endParaRPr b="0" lang="fr-FR" sz="3200" spc="-1" strike="noStrike">
@@ -7485,8 +7624,8 @@
         </p:nvSpPr>
         <p:spPr>
           <a:xfrm>
-            <a:off x="1722960" y="4187520"/>
-            <a:ext cx="995760" cy="1850760"/>
+            <a:off x="1187640" y="4187160"/>
+            <a:ext cx="485640" cy="1850400"/>
           </a:xfrm>
           <a:prstGeom prst="rect">
             <a:avLst/>
@@ -7494,7 +7633,7 @@
         </p:spPr>
         <p:txBody>
           <a:bodyPr lIns="0" rIns="0" tIns="0" bIns="0">
-            <a:normAutofit/>
+            <a:normAutofit fontScale="4000"/>
           </a:bodyPr>
           <a:p>
             <a:endParaRPr b="0" lang="fr-FR" sz="3200" spc="-1" strike="noStrike">
@@ -7538,14 +7677,16 @@
         <p:spPr>
           <a:xfrm>
             <a:off x="677160" y="696960"/>
-            <a:ext cx="8596080" cy="1145160"/>
-          </a:xfrm>
-          <a:prstGeom prst="rect">
-            <a:avLst/>
-          </a:prstGeom>
-        </p:spPr>
-        <p:txBody>
-          <a:bodyPr lIns="0" rIns="0" tIns="0" bIns="0" anchor="ctr"/>
+            <a:ext cx="8595720" cy="1144800"/>
+          </a:xfrm>
+          <a:prstGeom prst="rect">
+            <a:avLst/>
+          </a:prstGeom>
+        </p:spPr>
+        <p:txBody>
+          <a:bodyPr lIns="0" rIns="0" tIns="0" bIns="0" anchor="ctr">
+            <a:spAutoFit/>
+          </a:bodyPr>
           <a:p>
             <a:pPr algn="ctr"/>
             <a:endParaRPr b="0" lang="fr-FR" sz="4400" spc="-1" strike="noStrike">
@@ -7567,7 +7708,7 @@
         <p:spPr>
           <a:xfrm>
             <a:off x="677160" y="2160720"/>
-            <a:ext cx="657000" cy="1850760"/>
+            <a:ext cx="320400" cy="1850400"/>
           </a:xfrm>
           <a:prstGeom prst="rect">
             <a:avLst/>
@@ -7575,7 +7716,7 @@
         </p:spPr>
         <p:txBody>
           <a:bodyPr lIns="0" rIns="0" tIns="0" bIns="0">
-            <a:normAutofit/>
+            <a:normAutofit fontScale="4000"/>
           </a:bodyPr>
           <a:p>
             <a:endParaRPr b="0" lang="fr-FR" sz="3200" spc="-1" strike="noStrike">
@@ -7596,8 +7737,8 @@
         </p:nvSpPr>
         <p:spPr>
           <a:xfrm>
-            <a:off x="1367280" y="2160720"/>
-            <a:ext cx="657000" cy="1850760"/>
+            <a:off x="1014120" y="2160720"/>
+            <a:ext cx="320400" cy="1850400"/>
           </a:xfrm>
           <a:prstGeom prst="rect">
             <a:avLst/>
@@ -7605,7 +7746,7 @@
         </p:spPr>
         <p:txBody>
           <a:bodyPr lIns="0" rIns="0" tIns="0" bIns="0">
-            <a:normAutofit/>
+            <a:normAutofit fontScale="4000"/>
           </a:bodyPr>
           <a:p>
             <a:endParaRPr b="0" lang="fr-FR" sz="3200" spc="-1" strike="noStrike">
@@ -7626,8 +7767,8 @@
         </p:nvSpPr>
         <p:spPr>
           <a:xfrm>
-            <a:off x="2057760" y="2160720"/>
-            <a:ext cx="657000" cy="1850760"/>
+            <a:off x="1350720" y="2160720"/>
+            <a:ext cx="320400" cy="1850400"/>
           </a:xfrm>
           <a:prstGeom prst="rect">
             <a:avLst/>
@@ -7635,7 +7776,7 @@
         </p:spPr>
         <p:txBody>
           <a:bodyPr lIns="0" rIns="0" tIns="0" bIns="0">
-            <a:normAutofit/>
+            <a:normAutofit fontScale="4000"/>
           </a:bodyPr>
           <a:p>
             <a:endParaRPr b="0" lang="fr-FR" sz="3200" spc="-1" strike="noStrike">
@@ -7656,8 +7797,8 @@
         </p:nvSpPr>
         <p:spPr>
           <a:xfrm>
-            <a:off x="677160" y="4187520"/>
-            <a:ext cx="657000" cy="1850760"/>
+            <a:off x="677160" y="4187160"/>
+            <a:ext cx="320400" cy="1850400"/>
           </a:xfrm>
           <a:prstGeom prst="rect">
             <a:avLst/>
@@ -7665,7 +7806,7 @@
         </p:spPr>
         <p:txBody>
           <a:bodyPr lIns="0" rIns="0" tIns="0" bIns="0">
-            <a:normAutofit/>
+            <a:normAutofit fontScale="4000"/>
           </a:bodyPr>
           <a:p>
             <a:endParaRPr b="0" lang="fr-FR" sz="3200" spc="-1" strike="noStrike">
@@ -7686,8 +7827,8 @@
         </p:nvSpPr>
         <p:spPr>
           <a:xfrm>
-            <a:off x="1367280" y="4187520"/>
-            <a:ext cx="657000" cy="1850760"/>
+            <a:off x="1014120" y="4187160"/>
+            <a:ext cx="320400" cy="1850400"/>
           </a:xfrm>
           <a:prstGeom prst="rect">
             <a:avLst/>
@@ -7695,7 +7836,7 @@
         </p:spPr>
         <p:txBody>
           <a:bodyPr lIns="0" rIns="0" tIns="0" bIns="0">
-            <a:normAutofit/>
+            <a:normAutofit fontScale="4000"/>
           </a:bodyPr>
           <a:p>
             <a:endParaRPr b="0" lang="fr-FR" sz="3200" spc="-1" strike="noStrike">
@@ -7716,8 +7857,8 @@
         </p:nvSpPr>
         <p:spPr>
           <a:xfrm>
-            <a:off x="2057760" y="4187520"/>
-            <a:ext cx="657000" cy="1850760"/>
+            <a:off x="1350720" y="4187160"/>
+            <a:ext cx="320400" cy="1850400"/>
           </a:xfrm>
           <a:prstGeom prst="rect">
             <a:avLst/>
@@ -7725,7 +7866,7 @@
         </p:spPr>
         <p:txBody>
           <a:bodyPr lIns="0" rIns="0" tIns="0" bIns="0">
-            <a:normAutofit/>
+            <a:normAutofit fontScale="4000"/>
           </a:bodyPr>
           <a:p>
             <a:endParaRPr b="0" lang="fr-FR" sz="3200" spc="-1" strike="noStrike">
@@ -7769,14 +7910,16 @@
         <p:spPr>
           <a:xfrm>
             <a:off x="677160" y="696960"/>
-            <a:ext cx="8596080" cy="1145160"/>
-          </a:xfrm>
-          <a:prstGeom prst="rect">
-            <a:avLst/>
-          </a:prstGeom>
-        </p:spPr>
-        <p:txBody>
-          <a:bodyPr lIns="0" rIns="0" tIns="0" bIns="0" anchor="ctr"/>
+            <a:ext cx="8595720" cy="1144800"/>
+          </a:xfrm>
+          <a:prstGeom prst="rect">
+            <a:avLst/>
+          </a:prstGeom>
+        </p:spPr>
+        <p:txBody>
+          <a:bodyPr lIns="0" rIns="0" tIns="0" bIns="0" anchor="ctr">
+            <a:spAutoFit/>
+          </a:bodyPr>
           <a:p>
             <a:pPr algn="ctr"/>
             <a:endParaRPr b="0" lang="fr-FR" sz="4400" spc="-1" strike="noStrike">
@@ -7798,7 +7941,7 @@
         <p:spPr>
           <a:xfrm>
             <a:off x="677160" y="2160720"/>
-            <a:ext cx="995760" cy="3880080"/>
+            <a:ext cx="485640" cy="3879720"/>
           </a:xfrm>
           <a:prstGeom prst="rect">
             <a:avLst/>
@@ -7806,7 +7949,7 @@
         </p:spPr>
         <p:txBody>
           <a:bodyPr lIns="0" rIns="0" tIns="0" bIns="0">
-            <a:normAutofit/>
+            <a:normAutofit fontScale="15000"/>
           </a:bodyPr>
           <a:p>
             <a:endParaRPr b="0" lang="fr-FR" sz="3200" spc="-1" strike="noStrike">
@@ -7827,8 +7970,8 @@
         </p:nvSpPr>
         <p:spPr>
           <a:xfrm>
-            <a:off x="1722960" y="2160720"/>
-            <a:ext cx="995760" cy="1850760"/>
+            <a:off x="1187640" y="2160720"/>
+            <a:ext cx="485640" cy="1850400"/>
           </a:xfrm>
           <a:prstGeom prst="rect">
             <a:avLst/>
@@ -7836,7 +7979,7 @@
         </p:spPr>
         <p:txBody>
           <a:bodyPr lIns="0" rIns="0" tIns="0" bIns="0">
-            <a:normAutofit/>
+            <a:normAutofit fontScale="4000"/>
           </a:bodyPr>
           <a:p>
             <a:endParaRPr b="0" lang="fr-FR" sz="3200" spc="-1" strike="noStrike">
@@ -7857,8 +8000,8 @@
         </p:nvSpPr>
         <p:spPr>
           <a:xfrm>
-            <a:off x="1722960" y="4187520"/>
-            <a:ext cx="995760" cy="1850760"/>
+            <a:off x="1187640" y="4187160"/>
+            <a:ext cx="485640" cy="1850400"/>
           </a:xfrm>
           <a:prstGeom prst="rect">
             <a:avLst/>
@@ -7866,7 +8009,7 @@
         </p:spPr>
         <p:txBody>
           <a:bodyPr lIns="0" rIns="0" tIns="0" bIns="0">
-            <a:normAutofit/>
+            <a:normAutofit fontScale="4000"/>
           </a:bodyPr>
           <a:p>
             <a:endParaRPr b="0" lang="fr-FR" sz="3200" spc="-1" strike="noStrike">
@@ -7910,14 +8053,16 @@
         <p:spPr>
           <a:xfrm>
             <a:off x="677160" y="696960"/>
-            <a:ext cx="8596080" cy="1145160"/>
-          </a:xfrm>
-          <a:prstGeom prst="rect">
-            <a:avLst/>
-          </a:prstGeom>
-        </p:spPr>
-        <p:txBody>
-          <a:bodyPr lIns="0" rIns="0" tIns="0" bIns="0" anchor="ctr"/>
+            <a:ext cx="8595720" cy="1144800"/>
+          </a:xfrm>
+          <a:prstGeom prst="rect">
+            <a:avLst/>
+          </a:prstGeom>
+        </p:spPr>
+        <p:txBody>
+          <a:bodyPr lIns="0" rIns="0" tIns="0" bIns="0" anchor="ctr">
+            <a:spAutoFit/>
+          </a:bodyPr>
           <a:p>
             <a:pPr algn="ctr"/>
             <a:endParaRPr b="0" lang="fr-FR" sz="4400" spc="-1" strike="noStrike">
@@ -7939,7 +8084,7 @@
         <p:spPr>
           <a:xfrm>
             <a:off x="677160" y="2160720"/>
-            <a:ext cx="995760" cy="1850760"/>
+            <a:ext cx="485640" cy="1850400"/>
           </a:xfrm>
           <a:prstGeom prst="rect">
             <a:avLst/>
@@ -7947,7 +8092,7 @@
         </p:spPr>
         <p:txBody>
           <a:bodyPr lIns="0" rIns="0" tIns="0" bIns="0">
-            <a:normAutofit/>
+            <a:normAutofit fontScale="4000"/>
           </a:bodyPr>
           <a:p>
             <a:endParaRPr b="0" lang="fr-FR" sz="3200" spc="-1" strike="noStrike">
@@ -7968,8 +8113,8 @@
         </p:nvSpPr>
         <p:spPr>
           <a:xfrm>
-            <a:off x="1722960" y="2160720"/>
-            <a:ext cx="995760" cy="1850760"/>
+            <a:off x="1187640" y="2160720"/>
+            <a:ext cx="485640" cy="1850400"/>
           </a:xfrm>
           <a:prstGeom prst="rect">
             <a:avLst/>
@@ -7977,7 +8122,7 @@
         </p:spPr>
         <p:txBody>
           <a:bodyPr lIns="0" rIns="0" tIns="0" bIns="0">
-            <a:normAutofit/>
+            <a:normAutofit fontScale="4000"/>
           </a:bodyPr>
           <a:p>
             <a:endParaRPr b="0" lang="fr-FR" sz="3200" spc="-1" strike="noStrike">
@@ -7998,8 +8143,8 @@
         </p:nvSpPr>
         <p:spPr>
           <a:xfrm>
-            <a:off x="677160" y="4187520"/>
-            <a:ext cx="2041200" cy="1850760"/>
+            <a:off x="677160" y="4187160"/>
+            <a:ext cx="995400" cy="1850400"/>
           </a:xfrm>
           <a:prstGeom prst="rect">
             <a:avLst/>
@@ -8007,7 +8152,7 @@
         </p:spPr>
         <p:txBody>
           <a:bodyPr lIns="0" rIns="0" tIns="0" bIns="0">
-            <a:normAutofit/>
+            <a:normAutofit fontScale="21000"/>
           </a:bodyPr>
           <a:p>
             <a:endParaRPr b="0" lang="fr-FR" sz="3200" spc="-1" strike="noStrike">
@@ -8054,9 +8199,9 @@
         <p:grpSpPr>
           <a:xfrm>
             <a:off x="0" y="-8640"/>
-            <a:ext cx="12191400" cy="6866640"/>
+            <a:ext cx="12191040" cy="6866640"/>
             <a:chOff x="0" y="-8640"/>
-            <a:chExt cx="12191400" cy="6866640"/>
+            <a:chExt cx="12191040" cy="6866640"/>
           </a:xfrm>
         </p:grpSpPr>
         <p:sp>
@@ -8140,7 +8285,7 @@
           <p:spPr>
             <a:xfrm>
               <a:off x="9181440" y="-8640"/>
-              <a:ext cx="3006720" cy="6865920"/>
+              <a:ext cx="3006360" cy="6865560"/>
             </a:xfrm>
             <a:custGeom>
               <a:avLst/>
@@ -8206,7 +8351,7 @@
           <p:spPr>
             <a:xfrm>
               <a:off x="9603360" y="-8640"/>
-              <a:ext cx="2587680" cy="6865920"/>
+              <a:ext cx="2587320" cy="6865560"/>
             </a:xfrm>
             <a:custGeom>
               <a:avLst/>
@@ -8272,7 +8417,7 @@
           <p:spPr>
             <a:xfrm>
               <a:off x="8932320" y="3048120"/>
-              <a:ext cx="3259080" cy="3809160"/>
+              <a:ext cx="3258720" cy="3808800"/>
             </a:xfrm>
             <a:prstGeom prst="triangle">
               <a:avLst>
@@ -8318,7 +8463,7 @@
           <p:spPr>
             <a:xfrm>
               <a:off x="9334440" y="-8640"/>
-              <a:ext cx="2853720" cy="6865920"/>
+              <a:ext cx="2853360" cy="6865560"/>
             </a:xfrm>
             <a:custGeom>
               <a:avLst/>
@@ -8385,7 +8530,7 @@
           <p:spPr>
             <a:xfrm>
               <a:off x="10898640" y="-8640"/>
-              <a:ext cx="1289520" cy="6865920"/>
+              <a:ext cx="1289160" cy="6865560"/>
             </a:xfrm>
             <a:custGeom>
               <a:avLst/>
@@ -8451,7 +8596,7 @@
           <p:spPr>
             <a:xfrm>
               <a:off x="10938960" y="-8640"/>
-              <a:ext cx="1249200" cy="6865920"/>
+              <a:ext cx="1248840" cy="6865560"/>
             </a:xfrm>
             <a:custGeom>
               <a:avLst/>
@@ -8518,7 +8663,7 @@
           <p:spPr>
             <a:xfrm>
               <a:off x="10371600" y="3589920"/>
-              <a:ext cx="1816560" cy="3267360"/>
+              <a:ext cx="1816200" cy="3267000"/>
             </a:xfrm>
             <a:prstGeom prst="triangle">
               <a:avLst>
@@ -8564,7 +8709,7 @@
           <p:spPr>
             <a:xfrm>
               <a:off x="0" y="4013280"/>
-              <a:ext cx="447840" cy="2844000"/>
+              <a:ext cx="447480" cy="2843640"/>
             </a:xfrm>
             <a:prstGeom prst="triangle">
               <a:avLst>
@@ -8610,9 +8755,9 @@
         <p:grpSpPr>
           <a:xfrm>
             <a:off x="0" y="-8640"/>
-            <a:ext cx="12191400" cy="6866640"/>
+            <a:ext cx="12191040" cy="6866640"/>
             <a:chOff x="0" y="-8640"/>
-            <a:chExt cx="12191400" cy="6866640"/>
+            <a:chExt cx="12191040" cy="6866640"/>
           </a:xfrm>
         </p:grpSpPr>
         <p:sp>
@@ -8624,7 +8769,7 @@
           <p:spPr>
             <a:xfrm>
               <a:off x="0" y="-7920"/>
-              <a:ext cx="862920" cy="5697360"/>
+              <a:ext cx="862560" cy="5697000"/>
             </a:xfrm>
             <a:custGeom>
               <a:avLst/>
@@ -8762,7 +8907,7 @@
           <p:spPr>
             <a:xfrm>
               <a:off x="9181440" y="-8640"/>
-              <a:ext cx="3006720" cy="6865920"/>
+              <a:ext cx="3006360" cy="6865560"/>
             </a:xfrm>
             <a:custGeom>
               <a:avLst/>
@@ -8828,7 +8973,7 @@
           <p:spPr>
             <a:xfrm>
               <a:off x="9603360" y="-8640"/>
-              <a:ext cx="2587680" cy="6865920"/>
+              <a:ext cx="2587320" cy="6865560"/>
             </a:xfrm>
             <a:custGeom>
               <a:avLst/>
@@ -8894,7 +9039,7 @@
           <p:spPr>
             <a:xfrm>
               <a:off x="8932320" y="3048120"/>
-              <a:ext cx="3259080" cy="3809160"/>
+              <a:ext cx="3258720" cy="3808800"/>
             </a:xfrm>
             <a:prstGeom prst="triangle">
               <a:avLst>
@@ -8940,7 +9085,7 @@
           <p:spPr>
             <a:xfrm>
               <a:off x="9334440" y="-8640"/>
-              <a:ext cx="2853720" cy="6865920"/>
+              <a:ext cx="2853360" cy="6865560"/>
             </a:xfrm>
             <a:custGeom>
               <a:avLst/>
@@ -9007,7 +9152,7 @@
           <p:spPr>
             <a:xfrm>
               <a:off x="10898640" y="-8640"/>
-              <a:ext cx="1289520" cy="6865920"/>
+              <a:ext cx="1289160" cy="6865560"/>
             </a:xfrm>
             <a:custGeom>
               <a:avLst/>
@@ -9073,7 +9218,7 @@
           <p:spPr>
             <a:xfrm>
               <a:off x="10938960" y="-8640"/>
-              <a:ext cx="1249200" cy="6865920"/>
+              <a:ext cx="1248840" cy="6865560"/>
             </a:xfrm>
             <a:custGeom>
               <a:avLst/>
@@ -9140,7 +9285,7 @@
           <p:spPr>
             <a:xfrm>
               <a:off x="10371600" y="3589920"/>
-              <a:ext cx="1816560" cy="3267360"/>
+              <a:ext cx="1816200" cy="3267000"/>
             </a:xfrm>
             <a:prstGeom prst="triangle">
               <a:avLst>
@@ -9191,14 +9336,16 @@
         <p:spPr>
           <a:xfrm>
             <a:off x="677160" y="696960"/>
-            <a:ext cx="8596080" cy="1145160"/>
-          </a:xfrm>
-          <a:prstGeom prst="rect">
-            <a:avLst/>
-          </a:prstGeom>
-        </p:spPr>
-        <p:txBody>
-          <a:bodyPr lIns="0" rIns="0" tIns="0" bIns="0" anchor="ctr"/>
+            <a:ext cx="8595720" cy="1144800"/>
+          </a:xfrm>
+          <a:prstGeom prst="rect">
+            <a:avLst/>
+          </a:prstGeom>
+        </p:spPr>
+        <p:txBody>
+          <a:bodyPr lIns="0" rIns="0" tIns="0" bIns="0" anchor="ctr">
+            <a:noAutofit/>
+          </a:bodyPr>
           <a:p>
             <a:r>
               <a:rPr b="0" lang="fr-FR" sz="1800" spc="-1" strike="noStrike">
@@ -9224,8 +9371,8 @@
         </p:nvSpPr>
         <p:spPr>
           <a:xfrm>
-            <a:off x="609480" y="1604520"/>
-            <a:ext cx="10972440" cy="3977280"/>
+            <a:off x="677160" y="2160720"/>
+            <a:ext cx="2040840" cy="3879720"/>
           </a:xfrm>
           <a:prstGeom prst="rect">
             <a:avLst/>
@@ -9233,7 +9380,7 @@
         </p:spPr>
         <p:txBody>
           <a:bodyPr lIns="0" rIns="0" tIns="0" bIns="0">
-            <a:normAutofit/>
+            <a:normAutofit fontScale="5000"/>
           </a:bodyPr>
           <a:p>
             <a:pPr marL="432000" indent="-324000">
@@ -9248,12 +9395,12 @@
               <a:buChar char=""/>
             </a:pPr>
             <a:r>
-              <a:rPr b="0" lang="fr-FR" sz="3200" spc="-1" strike="noStrike">
+              <a:rPr b="0" lang="fr-FR" sz="1800" spc="-1" strike="noStrike">
                 <a:latin typeface="Arial"/>
               </a:rPr>
               <a:t>Cliquez pour éditer le format du plan de texte</a:t>
             </a:r>
-            <a:endParaRPr b="0" lang="fr-FR" sz="3200" spc="-1" strike="noStrike">
+            <a:endParaRPr b="0" lang="fr-FR" sz="1800" spc="-1" strike="noStrike">
               <a:latin typeface="Arial"/>
             </a:endParaRPr>
           </a:p>
@@ -9270,12 +9417,12 @@
               <a:buChar char=""/>
             </a:pPr>
             <a:r>
-              <a:rPr b="0" lang="fr-FR" sz="2800" spc="-1" strike="noStrike">
+              <a:rPr b="0" lang="fr-FR" sz="1800" spc="-1" strike="noStrike">
                 <a:latin typeface="Arial"/>
               </a:rPr>
               <a:t>Second niveau de plan</a:t>
             </a:r>
-            <a:endParaRPr b="0" lang="fr-FR" sz="2800" spc="-1" strike="noStrike">
+            <a:endParaRPr b="0" lang="fr-FR" sz="1800" spc="-1" strike="noStrike">
               <a:latin typeface="Arial"/>
             </a:endParaRPr>
           </a:p>
@@ -9292,12 +9439,12 @@
               <a:buChar char=""/>
             </a:pPr>
             <a:r>
-              <a:rPr b="0" lang="fr-FR" sz="2400" spc="-1" strike="noStrike">
+              <a:rPr b="0" lang="fr-FR" sz="1800" spc="-1" strike="noStrike">
                 <a:latin typeface="Arial"/>
               </a:rPr>
               <a:t>Troisième niveau de plan</a:t>
             </a:r>
-            <a:endParaRPr b="0" lang="fr-FR" sz="2400" spc="-1" strike="noStrike">
+            <a:endParaRPr b="0" lang="fr-FR" sz="1800" spc="-1" strike="noStrike">
               <a:latin typeface="Arial"/>
             </a:endParaRPr>
           </a:p>
@@ -9314,12 +9461,12 @@
               <a:buChar char=""/>
             </a:pPr>
             <a:r>
-              <a:rPr b="0" lang="fr-FR" sz="2000" spc="-1" strike="noStrike">
+              <a:rPr b="0" lang="fr-FR" sz="1800" spc="-1" strike="noStrike">
                 <a:latin typeface="Arial"/>
               </a:rPr>
               <a:t>Quatrième niveau de plan</a:t>
             </a:r>
-            <a:endParaRPr b="0" lang="fr-FR" sz="2000" spc="-1" strike="noStrike">
+            <a:endParaRPr b="0" lang="fr-FR" sz="1800" spc="-1" strike="noStrike">
               <a:latin typeface="Arial"/>
             </a:endParaRPr>
           </a:p>
@@ -9336,12 +9483,12 @@
               <a:buChar char=""/>
             </a:pPr>
             <a:r>
-              <a:rPr b="0" lang="fr-FR" sz="2000" spc="-1" strike="noStrike">
+              <a:rPr b="0" lang="fr-FR" sz="1800" spc="-1" strike="noStrike">
                 <a:latin typeface="Arial"/>
               </a:rPr>
               <a:t>Cinquième niveau de plan</a:t>
             </a:r>
-            <a:endParaRPr b="0" lang="fr-FR" sz="2000" spc="-1" strike="noStrike">
+            <a:endParaRPr b="0" lang="fr-FR" sz="1800" spc="-1" strike="noStrike">
               <a:latin typeface="Arial"/>
             </a:endParaRPr>
           </a:p>
@@ -9358,12 +9505,12 @@
               <a:buChar char=""/>
             </a:pPr>
             <a:r>
-              <a:rPr b="0" lang="fr-FR" sz="2000" spc="-1" strike="noStrike">
+              <a:rPr b="0" lang="fr-FR" sz="1800" spc="-1" strike="noStrike">
                 <a:latin typeface="Arial"/>
               </a:rPr>
               <a:t>Sixième niveau de plan</a:t>
             </a:r>
-            <a:endParaRPr b="0" lang="fr-FR" sz="2000" spc="-1" strike="noStrike">
+            <a:endParaRPr b="0" lang="fr-FR" sz="1800" spc="-1" strike="noStrike">
               <a:latin typeface="Arial"/>
             </a:endParaRPr>
           </a:p>
@@ -9380,12 +9527,12 @@
               <a:buChar char=""/>
             </a:pPr>
             <a:r>
-              <a:rPr b="0" lang="fr-FR" sz="2000" spc="-1" strike="noStrike">
+              <a:rPr b="0" lang="fr-FR" sz="1800" spc="-1" strike="noStrike">
                 <a:latin typeface="Arial"/>
               </a:rPr>
               <a:t>Septième niveau de plan</a:t>
             </a:r>
-            <a:endParaRPr b="0" lang="fr-FR" sz="2000" spc="-1" strike="noStrike">
+            <a:endParaRPr b="0" lang="fr-FR" sz="1800" spc="-1" strike="noStrike">
               <a:latin typeface="Arial"/>
             </a:endParaRPr>
           </a:p>
@@ -9444,9 +9591,9 @@
         <p:grpSpPr>
           <a:xfrm>
             <a:off x="0" y="-8640"/>
-            <a:ext cx="12191400" cy="6866640"/>
+            <a:ext cx="12191040" cy="6866640"/>
             <a:chOff x="0" y="-8640"/>
-            <a:chExt cx="12191400" cy="6866640"/>
+            <a:chExt cx="12191040" cy="6866640"/>
           </a:xfrm>
         </p:grpSpPr>
         <p:sp>
@@ -9530,7 +9677,7 @@
           <p:spPr>
             <a:xfrm>
               <a:off x="9181440" y="-8640"/>
-              <a:ext cx="3006720" cy="6865920"/>
+              <a:ext cx="3006360" cy="6865560"/>
             </a:xfrm>
             <a:custGeom>
               <a:avLst/>
@@ -9596,7 +9743,7 @@
           <p:spPr>
             <a:xfrm>
               <a:off x="9603360" y="-8640"/>
-              <a:ext cx="2587680" cy="6865920"/>
+              <a:ext cx="2587320" cy="6865560"/>
             </a:xfrm>
             <a:custGeom>
               <a:avLst/>
@@ -9662,7 +9809,7 @@
           <p:spPr>
             <a:xfrm>
               <a:off x="8932320" y="3048120"/>
-              <a:ext cx="3259080" cy="3809160"/>
+              <a:ext cx="3258720" cy="3808800"/>
             </a:xfrm>
             <a:prstGeom prst="triangle">
               <a:avLst>
@@ -9708,7 +9855,7 @@
           <p:spPr>
             <a:xfrm>
               <a:off x="9334440" y="-8640"/>
-              <a:ext cx="2853720" cy="6865920"/>
+              <a:ext cx="2853360" cy="6865560"/>
             </a:xfrm>
             <a:custGeom>
               <a:avLst/>
@@ -9775,7 +9922,7 @@
           <p:spPr>
             <a:xfrm>
               <a:off x="10898640" y="-8640"/>
-              <a:ext cx="1289520" cy="6865920"/>
+              <a:ext cx="1289160" cy="6865560"/>
             </a:xfrm>
             <a:custGeom>
               <a:avLst/>
@@ -9841,7 +9988,7 @@
           <p:spPr>
             <a:xfrm>
               <a:off x="10938960" y="-8640"/>
-              <a:ext cx="1249200" cy="6865920"/>
+              <a:ext cx="1248840" cy="6865560"/>
             </a:xfrm>
             <a:custGeom>
               <a:avLst/>
@@ -9908,7 +10055,7 @@
           <p:spPr>
             <a:xfrm>
               <a:off x="10371600" y="3589920"/>
-              <a:ext cx="1816560" cy="3267360"/>
+              <a:ext cx="1816200" cy="3267000"/>
             </a:xfrm>
             <a:prstGeom prst="triangle">
               <a:avLst>
@@ -9954,7 +10101,7 @@
           <p:spPr>
             <a:xfrm>
               <a:off x="0" y="4013280"/>
-              <a:ext cx="447840" cy="2844000"/>
+              <a:ext cx="447480" cy="2843640"/>
             </a:xfrm>
             <a:prstGeom prst="triangle">
               <a:avLst>
@@ -10011,7 +10158,9 @@
           </a:prstGeom>
         </p:spPr>
         <p:txBody>
-          <a:bodyPr lIns="0" rIns="0" tIns="0" bIns="0" anchor="ctr"/>
+          <a:bodyPr lIns="0" rIns="0" tIns="0" bIns="0" anchor="ctr">
+            <a:noAutofit/>
+          </a:bodyPr>
           <a:p>
             <a:pPr algn="ctr"/>
             <a:r>
@@ -10258,9 +10407,9 @@
         <p:grpSpPr>
           <a:xfrm>
             <a:off x="0" y="-8640"/>
-            <a:ext cx="12191400" cy="6866640"/>
+            <a:ext cx="12191040" cy="6866640"/>
             <a:chOff x="0" y="-8640"/>
-            <a:chExt cx="12191400" cy="6866640"/>
+            <a:chExt cx="12191040" cy="6866640"/>
           </a:xfrm>
         </p:grpSpPr>
         <p:sp>
@@ -10344,7 +10493,7 @@
           <p:spPr>
             <a:xfrm>
               <a:off x="9181440" y="-8640"/>
-              <a:ext cx="3006720" cy="6865920"/>
+              <a:ext cx="3006360" cy="6865560"/>
             </a:xfrm>
             <a:custGeom>
               <a:avLst/>
@@ -10410,7 +10559,7 @@
           <p:spPr>
             <a:xfrm>
               <a:off x="9603360" y="-8640"/>
-              <a:ext cx="2587680" cy="6865920"/>
+              <a:ext cx="2587320" cy="6865560"/>
             </a:xfrm>
             <a:custGeom>
               <a:avLst/>
@@ -10476,7 +10625,7 @@
           <p:spPr>
             <a:xfrm>
               <a:off x="8932320" y="3048120"/>
-              <a:ext cx="3259080" cy="3809160"/>
+              <a:ext cx="3258720" cy="3808800"/>
             </a:xfrm>
             <a:prstGeom prst="triangle">
               <a:avLst>
@@ -10522,7 +10671,7 @@
           <p:spPr>
             <a:xfrm>
               <a:off x="9334440" y="-8640"/>
-              <a:ext cx="2853720" cy="6865920"/>
+              <a:ext cx="2853360" cy="6865560"/>
             </a:xfrm>
             <a:custGeom>
               <a:avLst/>
@@ -10589,7 +10738,7 @@
           <p:spPr>
             <a:xfrm>
               <a:off x="10898640" y="-8640"/>
-              <a:ext cx="1289520" cy="6865920"/>
+              <a:ext cx="1289160" cy="6865560"/>
             </a:xfrm>
             <a:custGeom>
               <a:avLst/>
@@ -10655,7 +10804,7 @@
           <p:spPr>
             <a:xfrm>
               <a:off x="10938960" y="-8640"/>
-              <a:ext cx="1249200" cy="6865920"/>
+              <a:ext cx="1248840" cy="6865560"/>
             </a:xfrm>
             <a:custGeom>
               <a:avLst/>
@@ -10722,7 +10871,7 @@
           <p:spPr>
             <a:xfrm>
               <a:off x="10371600" y="3589920"/>
-              <a:ext cx="1816560" cy="3267360"/>
+              <a:ext cx="1816200" cy="3267000"/>
             </a:xfrm>
             <a:prstGeom prst="triangle">
               <a:avLst>
@@ -10768,7 +10917,7 @@
           <p:spPr>
             <a:xfrm>
               <a:off x="0" y="4013280"/>
-              <a:ext cx="447840" cy="2844000"/>
+              <a:ext cx="447480" cy="2843640"/>
             </a:xfrm>
             <a:prstGeom prst="triangle">
               <a:avLst>
@@ -10825,7 +10974,9 @@
           </a:prstGeom>
         </p:spPr>
         <p:txBody>
-          <a:bodyPr lIns="0" rIns="0" tIns="0" bIns="0" anchor="ctr"/>
+          <a:bodyPr lIns="0" rIns="0" tIns="0" bIns="0" anchor="ctr">
+            <a:noAutofit/>
+          </a:bodyPr>
           <a:p>
             <a:pPr algn="ctr"/>
             <a:r>
@@ -11072,9 +11223,9 @@
         <p:grpSpPr>
           <a:xfrm>
             <a:off x="0" y="-8640"/>
-            <a:ext cx="12191400" cy="6866640"/>
+            <a:ext cx="12191040" cy="6866640"/>
             <a:chOff x="0" y="-8640"/>
-            <a:chExt cx="12191400" cy="6866640"/>
+            <a:chExt cx="12191040" cy="6866640"/>
           </a:xfrm>
         </p:grpSpPr>
         <p:sp>
@@ -11158,7 +11309,7 @@
           <p:spPr>
             <a:xfrm>
               <a:off x="9181440" y="-8640"/>
-              <a:ext cx="3006720" cy="6865920"/>
+              <a:ext cx="3006360" cy="6865560"/>
             </a:xfrm>
             <a:custGeom>
               <a:avLst/>
@@ -11224,7 +11375,7 @@
           <p:spPr>
             <a:xfrm>
               <a:off x="9603360" y="-8640"/>
-              <a:ext cx="2587680" cy="6865920"/>
+              <a:ext cx="2587320" cy="6865560"/>
             </a:xfrm>
             <a:custGeom>
               <a:avLst/>
@@ -11290,7 +11441,7 @@
           <p:spPr>
             <a:xfrm>
               <a:off x="8932320" y="3048120"/>
-              <a:ext cx="3259080" cy="3809160"/>
+              <a:ext cx="3258720" cy="3808800"/>
             </a:xfrm>
             <a:prstGeom prst="triangle">
               <a:avLst>
@@ -11336,7 +11487,7 @@
           <p:spPr>
             <a:xfrm>
               <a:off x="9334440" y="-8640"/>
-              <a:ext cx="2853720" cy="6865920"/>
+              <a:ext cx="2853360" cy="6865560"/>
             </a:xfrm>
             <a:custGeom>
               <a:avLst/>
@@ -11403,7 +11554,7 @@
           <p:spPr>
             <a:xfrm>
               <a:off x="10898640" y="-8640"/>
-              <a:ext cx="1289520" cy="6865920"/>
+              <a:ext cx="1289160" cy="6865560"/>
             </a:xfrm>
             <a:custGeom>
               <a:avLst/>
@@ -11469,7 +11620,7 @@
           <p:spPr>
             <a:xfrm>
               <a:off x="10938960" y="-8640"/>
-              <a:ext cx="1249200" cy="6865920"/>
+              <a:ext cx="1248840" cy="6865560"/>
             </a:xfrm>
             <a:custGeom>
               <a:avLst/>
@@ -11536,7 +11687,7 @@
           <p:spPr>
             <a:xfrm>
               <a:off x="10371600" y="3589920"/>
-              <a:ext cx="1816560" cy="3267360"/>
+              <a:ext cx="1816200" cy="3267000"/>
             </a:xfrm>
             <a:prstGeom prst="triangle">
               <a:avLst>
@@ -11582,7 +11733,7 @@
           <p:spPr>
             <a:xfrm>
               <a:off x="0" y="4013280"/>
-              <a:ext cx="447840" cy="2844000"/>
+              <a:ext cx="447480" cy="2843640"/>
             </a:xfrm>
             <a:prstGeom prst="triangle">
               <a:avLst>
@@ -11631,23 +11782,26 @@
         </p:nvSpPr>
         <p:spPr>
           <a:xfrm>
-            <a:off x="677160" y="696960"/>
-            <a:ext cx="8596080" cy="1145160"/>
-          </a:xfrm>
-          <a:prstGeom prst="rect">
-            <a:avLst/>
-          </a:prstGeom>
-        </p:spPr>
-        <p:txBody>
-          <a:bodyPr lIns="0" rIns="0" tIns="0" bIns="0" anchor="ctr"/>
-          <a:p>
+            <a:off x="609480" y="273600"/>
+            <a:ext cx="10972440" cy="1144800"/>
+          </a:xfrm>
+          <a:prstGeom prst="rect">
+            <a:avLst/>
+          </a:prstGeom>
+        </p:spPr>
+        <p:txBody>
+          <a:bodyPr lIns="0" rIns="0" tIns="0" bIns="0" anchor="ctr">
+            <a:noAutofit/>
+          </a:bodyPr>
+          <a:p>
+            <a:pPr algn="ctr"/>
             <a:r>
-              <a:rPr b="0" lang="fr-FR" sz="1800" spc="-1" strike="noStrike">
+              <a:rPr b="0" lang="fr-FR" sz="4400" spc="-1" strike="noStrike">
                 <a:latin typeface="Arial"/>
               </a:rPr>
               <a:t>Cliquez pour éditer le format du texte-titre</a:t>
             </a:r>
-            <a:endParaRPr b="0" lang="fr-FR" sz="1800" spc="-1" strike="noStrike">
+            <a:endParaRPr b="0" lang="fr-FR" sz="4400" spc="-1" strike="noStrike">
               <a:latin typeface="Arial"/>
             </a:endParaRPr>
           </a:p>
@@ -11665,8 +11819,8 @@
         </p:nvSpPr>
         <p:spPr>
           <a:xfrm>
-            <a:off x="677160" y="2160720"/>
-            <a:ext cx="4183200" cy="3880080"/>
+            <a:off x="609480" y="1604520"/>
+            <a:ext cx="10972440" cy="3977280"/>
           </a:xfrm>
           <a:prstGeom prst="rect">
             <a:avLst/>
@@ -11689,12 +11843,12 @@
               <a:buChar char=""/>
             </a:pPr>
             <a:r>
-              <a:rPr b="0" lang="fr-FR" sz="1800" spc="-1" strike="noStrike">
+              <a:rPr b="0" lang="fr-FR" sz="3200" spc="-1" strike="noStrike">
                 <a:latin typeface="Arial"/>
               </a:rPr>
               <a:t>Cliquez pour éditer le format du plan de texte</a:t>
             </a:r>
-            <a:endParaRPr b="0" lang="fr-FR" sz="1800" spc="-1" strike="noStrike">
+            <a:endParaRPr b="0" lang="fr-FR" sz="3200" spc="-1" strike="noStrike">
               <a:latin typeface="Arial"/>
             </a:endParaRPr>
           </a:p>
@@ -11711,12 +11865,12 @@
               <a:buChar char=""/>
             </a:pPr>
             <a:r>
-              <a:rPr b="0" lang="fr-FR" sz="1800" spc="-1" strike="noStrike">
+              <a:rPr b="0" lang="fr-FR" sz="2800" spc="-1" strike="noStrike">
                 <a:latin typeface="Arial"/>
               </a:rPr>
               <a:t>Second niveau de plan</a:t>
             </a:r>
-            <a:endParaRPr b="0" lang="fr-FR" sz="1800" spc="-1" strike="noStrike">
+            <a:endParaRPr b="0" lang="fr-FR" sz="2800" spc="-1" strike="noStrike">
               <a:latin typeface="Arial"/>
             </a:endParaRPr>
           </a:p>
@@ -11733,12 +11887,12 @@
               <a:buChar char=""/>
             </a:pPr>
             <a:r>
-              <a:rPr b="0" lang="fr-FR" sz="1800" spc="-1" strike="noStrike">
+              <a:rPr b="0" lang="fr-FR" sz="2400" spc="-1" strike="noStrike">
                 <a:latin typeface="Arial"/>
               </a:rPr>
               <a:t>Troisième niveau de plan</a:t>
             </a:r>
-            <a:endParaRPr b="0" lang="fr-FR" sz="1800" spc="-1" strike="noStrike">
+            <a:endParaRPr b="0" lang="fr-FR" sz="2400" spc="-1" strike="noStrike">
               <a:latin typeface="Arial"/>
             </a:endParaRPr>
           </a:p>
@@ -11755,12 +11909,12 @@
               <a:buChar char=""/>
             </a:pPr>
             <a:r>
-              <a:rPr b="0" lang="fr-FR" sz="1800" spc="-1" strike="noStrike">
+              <a:rPr b="0" lang="fr-FR" sz="2000" spc="-1" strike="noStrike">
                 <a:latin typeface="Arial"/>
               </a:rPr>
               <a:t>Quatrième niveau de plan</a:t>
             </a:r>
-            <a:endParaRPr b="0" lang="fr-FR" sz="1800" spc="-1" strike="noStrike">
+            <a:endParaRPr b="0" lang="fr-FR" sz="2000" spc="-1" strike="noStrike">
               <a:latin typeface="Arial"/>
             </a:endParaRPr>
           </a:p>
@@ -11777,12 +11931,12 @@
               <a:buChar char=""/>
             </a:pPr>
             <a:r>
-              <a:rPr b="0" lang="fr-FR" sz="1800" spc="-1" strike="noStrike">
+              <a:rPr b="0" lang="fr-FR" sz="2000" spc="-1" strike="noStrike">
                 <a:latin typeface="Arial"/>
               </a:rPr>
               <a:t>Cinquième niveau de plan</a:t>
             </a:r>
-            <a:endParaRPr b="0" lang="fr-FR" sz="1800" spc="-1" strike="noStrike">
+            <a:endParaRPr b="0" lang="fr-FR" sz="2000" spc="-1" strike="noStrike">
               <a:latin typeface="Arial"/>
             </a:endParaRPr>
           </a:p>
@@ -11799,12 +11953,12 @@
               <a:buChar char=""/>
             </a:pPr>
             <a:r>
-              <a:rPr b="0" lang="fr-FR" sz="1800" spc="-1" strike="noStrike">
+              <a:rPr b="0" lang="fr-FR" sz="2000" spc="-1" strike="noStrike">
                 <a:latin typeface="Arial"/>
               </a:rPr>
               <a:t>Sixième niveau de plan</a:t>
             </a:r>
-            <a:endParaRPr b="0" lang="fr-FR" sz="1800" spc="-1" strike="noStrike">
+            <a:endParaRPr b="0" lang="fr-FR" sz="2000" spc="-1" strike="noStrike">
               <a:latin typeface="Arial"/>
             </a:endParaRPr>
           </a:p>
@@ -11821,12 +11975,12 @@
               <a:buChar char=""/>
             </a:pPr>
             <a:r>
-              <a:rPr b="0" lang="fr-FR" sz="1800" spc="-1" strike="noStrike">
+              <a:rPr b="0" lang="fr-FR" sz="2000" spc="-1" strike="noStrike">
                 <a:latin typeface="Arial"/>
               </a:rPr>
               <a:t>Septième niveau de plan</a:t>
             </a:r>
-            <a:endParaRPr b="0" lang="fr-FR" sz="1800" spc="-1" strike="noStrike">
+            <a:endParaRPr b="0" lang="fr-FR" sz="2000" spc="-1" strike="noStrike">
               <a:latin typeface="Arial"/>
             </a:endParaRPr>
           </a:p>
@@ -11885,9 +12039,9 @@
         <p:grpSpPr>
           <a:xfrm>
             <a:off x="0" y="-8640"/>
-            <a:ext cx="12191400" cy="6866640"/>
+            <a:ext cx="12191040" cy="6866640"/>
             <a:chOff x="0" y="-8640"/>
-            <a:chExt cx="12191400" cy="6866640"/>
+            <a:chExt cx="12191040" cy="6866640"/>
           </a:xfrm>
         </p:grpSpPr>
         <p:sp>
@@ -11971,7 +12125,7 @@
           <p:spPr>
             <a:xfrm>
               <a:off x="9181440" y="-8640"/>
-              <a:ext cx="3006720" cy="6865920"/>
+              <a:ext cx="3006360" cy="6865560"/>
             </a:xfrm>
             <a:custGeom>
               <a:avLst/>
@@ -12037,7 +12191,7 @@
           <p:spPr>
             <a:xfrm>
               <a:off x="9603360" y="-8640"/>
-              <a:ext cx="2587680" cy="6865920"/>
+              <a:ext cx="2587320" cy="6865560"/>
             </a:xfrm>
             <a:custGeom>
               <a:avLst/>
@@ -12103,7 +12257,7 @@
           <p:spPr>
             <a:xfrm>
               <a:off x="8932320" y="3048120"/>
-              <a:ext cx="3259080" cy="3809160"/>
+              <a:ext cx="3258720" cy="3808800"/>
             </a:xfrm>
             <a:prstGeom prst="triangle">
               <a:avLst>
@@ -12149,7 +12303,7 @@
           <p:spPr>
             <a:xfrm>
               <a:off x="9334440" y="-8640"/>
-              <a:ext cx="2853720" cy="6865920"/>
+              <a:ext cx="2853360" cy="6865560"/>
             </a:xfrm>
             <a:custGeom>
               <a:avLst/>
@@ -12216,7 +12370,7 @@
           <p:spPr>
             <a:xfrm>
               <a:off x="10898640" y="-8640"/>
-              <a:ext cx="1289520" cy="6865920"/>
+              <a:ext cx="1289160" cy="6865560"/>
             </a:xfrm>
             <a:custGeom>
               <a:avLst/>
@@ -12282,7 +12436,7 @@
           <p:spPr>
             <a:xfrm>
               <a:off x="10938960" y="-8640"/>
-              <a:ext cx="1249200" cy="6865920"/>
+              <a:ext cx="1248840" cy="6865560"/>
             </a:xfrm>
             <a:custGeom>
               <a:avLst/>
@@ -12349,7 +12503,7 @@
           <p:spPr>
             <a:xfrm>
               <a:off x="10371600" y="3589920"/>
-              <a:ext cx="1816560" cy="3267360"/>
+              <a:ext cx="1816200" cy="3267000"/>
             </a:xfrm>
             <a:prstGeom prst="triangle">
               <a:avLst>
@@ -12395,7 +12549,7 @@
           <p:spPr>
             <a:xfrm>
               <a:off x="0" y="4013280"/>
-              <a:ext cx="447840" cy="2844000"/>
+              <a:ext cx="447480" cy="2843640"/>
             </a:xfrm>
             <a:prstGeom prst="triangle">
               <a:avLst>
@@ -12445,14 +12599,16 @@
         <p:spPr>
           <a:xfrm>
             <a:off x="677160" y="696960"/>
-            <a:ext cx="8596080" cy="1145160"/>
-          </a:xfrm>
-          <a:prstGeom prst="rect">
-            <a:avLst/>
-          </a:prstGeom>
-        </p:spPr>
-        <p:txBody>
-          <a:bodyPr lIns="0" rIns="0" tIns="0" bIns="0" anchor="ctr"/>
+            <a:ext cx="8595720" cy="1144800"/>
+          </a:xfrm>
+          <a:prstGeom prst="rect">
+            <a:avLst/>
+          </a:prstGeom>
+        </p:spPr>
+        <p:txBody>
+          <a:bodyPr lIns="0" rIns="0" tIns="0" bIns="0" anchor="ctr">
+            <a:noAutofit/>
+          </a:bodyPr>
           <a:p>
             <a:r>
               <a:rPr b="0" lang="fr-FR" sz="1800" spc="-1" strike="noStrike">
@@ -12698,9 +12854,9 @@
         <p:grpSpPr>
           <a:xfrm>
             <a:off x="0" y="-8640"/>
-            <a:ext cx="12191400" cy="6866640"/>
+            <a:ext cx="12191040" cy="6866640"/>
             <a:chOff x="0" y="-8640"/>
-            <a:chExt cx="12191400" cy="6866640"/>
+            <a:chExt cx="12191040" cy="6866640"/>
           </a:xfrm>
         </p:grpSpPr>
         <p:sp>
@@ -12784,7 +12940,7 @@
           <p:spPr>
             <a:xfrm>
               <a:off x="9181440" y="-8640"/>
-              <a:ext cx="3006720" cy="6865920"/>
+              <a:ext cx="3006360" cy="6865560"/>
             </a:xfrm>
             <a:custGeom>
               <a:avLst/>
@@ -12850,7 +13006,7 @@
           <p:spPr>
             <a:xfrm>
               <a:off x="9603360" y="-8640"/>
-              <a:ext cx="2587680" cy="6865920"/>
+              <a:ext cx="2587320" cy="6865560"/>
             </a:xfrm>
             <a:custGeom>
               <a:avLst/>
@@ -12916,7 +13072,7 @@
           <p:spPr>
             <a:xfrm>
               <a:off x="8932320" y="3048120"/>
-              <a:ext cx="3259080" cy="3809160"/>
+              <a:ext cx="3258720" cy="3808800"/>
             </a:xfrm>
             <a:prstGeom prst="triangle">
               <a:avLst>
@@ -12962,7 +13118,7 @@
           <p:spPr>
             <a:xfrm>
               <a:off x="9334440" y="-8640"/>
-              <a:ext cx="2853720" cy="6865920"/>
+              <a:ext cx="2853360" cy="6865560"/>
             </a:xfrm>
             <a:custGeom>
               <a:avLst/>
@@ -13029,7 +13185,7 @@
           <p:spPr>
             <a:xfrm>
               <a:off x="10898640" y="-8640"/>
-              <a:ext cx="1289520" cy="6865920"/>
+              <a:ext cx="1289160" cy="6865560"/>
             </a:xfrm>
             <a:custGeom>
               <a:avLst/>
@@ -13095,7 +13251,7 @@
           <p:spPr>
             <a:xfrm>
               <a:off x="10938960" y="-8640"/>
-              <a:ext cx="1249200" cy="6865920"/>
+              <a:ext cx="1248840" cy="6865560"/>
             </a:xfrm>
             <a:custGeom>
               <a:avLst/>
@@ -13162,7 +13318,7 @@
           <p:spPr>
             <a:xfrm>
               <a:off x="10371600" y="3589920"/>
-              <a:ext cx="1816560" cy="3267360"/>
+              <a:ext cx="1816200" cy="3267000"/>
             </a:xfrm>
             <a:prstGeom prst="triangle">
               <a:avLst>
@@ -13208,7 +13364,7 @@
           <p:spPr>
             <a:xfrm>
               <a:off x="0" y="4013280"/>
-              <a:ext cx="447840" cy="2844000"/>
+              <a:ext cx="447480" cy="2843640"/>
             </a:xfrm>
             <a:prstGeom prst="triangle">
               <a:avLst>
@@ -13258,14 +13414,16 @@
         <p:spPr>
           <a:xfrm>
             <a:off x="677160" y="696960"/>
-            <a:ext cx="8596080" cy="1145160"/>
-          </a:xfrm>
-          <a:prstGeom prst="rect">
-            <a:avLst/>
-          </a:prstGeom>
-        </p:spPr>
-        <p:txBody>
-          <a:bodyPr lIns="0" rIns="0" tIns="0" bIns="0" anchor="ctr"/>
+            <a:ext cx="8595720" cy="1144800"/>
+          </a:xfrm>
+          <a:prstGeom prst="rect">
+            <a:avLst/>
+          </a:prstGeom>
+        </p:spPr>
+        <p:txBody>
+          <a:bodyPr lIns="0" rIns="0" tIns="0" bIns="0" anchor="ctr">
+            <a:noAutofit/>
+          </a:bodyPr>
           <a:p>
             <a:r>
               <a:rPr b="0" lang="fr-FR" sz="1800" spc="-1" strike="noStrike">
@@ -13292,7 +13450,7 @@
         <p:spPr>
           <a:xfrm>
             <a:off x="677160" y="2160720"/>
-            <a:ext cx="2041200" cy="3880080"/>
+            <a:ext cx="995400" cy="3879720"/>
           </a:xfrm>
           <a:prstGeom prst="rect">
             <a:avLst/>
@@ -13300,7 +13458,7 @@
         </p:spPr>
         <p:txBody>
           <a:bodyPr lIns="0" rIns="0" tIns="0" bIns="0">
-            <a:normAutofit/>
+            <a:normAutofit fontScale="3000"/>
           </a:bodyPr>
           <a:p>
             <a:pPr marL="432000" indent="-324000">
@@ -13470,8 +13628,8 @@
         </p:nvSpPr>
         <p:spPr>
           <a:xfrm>
-            <a:off x="2821320" y="2160720"/>
-            <a:ext cx="2041200" cy="3880080"/>
+            <a:off x="1722960" y="2160720"/>
+            <a:ext cx="995400" cy="3879720"/>
           </a:xfrm>
           <a:prstGeom prst="rect">
             <a:avLst/>
@@ -13479,7 +13637,7 @@
         </p:spPr>
         <p:txBody>
           <a:bodyPr lIns="0" rIns="0" tIns="0" bIns="0">
-            <a:normAutofit/>
+            <a:normAutofit fontScale="3000"/>
           </a:bodyPr>
           <a:p>
             <a:pPr marL="432000" indent="-324000">
@@ -13683,7 +13841,7 @@
         <p:spPr>
           <a:xfrm>
             <a:off x="1506960" y="2404440"/>
-            <a:ext cx="7766280" cy="1645560"/>
+            <a:ext cx="7765920" cy="1645200"/>
           </a:xfrm>
           <a:prstGeom prst="rect">
             <a:avLst/>
@@ -13700,7 +13858,9 @@
           <a:fontRef idx="minor"/>
         </p:style>
         <p:txBody>
-          <a:bodyPr lIns="90000" rIns="90000" tIns="45000" bIns="45000" anchor="b"/>
+          <a:bodyPr lIns="90000" rIns="90000" tIns="45000" bIns="45000" anchor="b">
+            <a:noAutofit/>
+          </a:bodyPr>
           <a:p>
             <a:pPr algn="r">
               <a:lnSpc>
@@ -13713,6 +13873,7 @@
                   <a:srgbClr val="5fcbef"/>
                 </a:solidFill>
                 <a:latin typeface="Trebuchet MS"/>
+                <a:ea typeface="DejaVu Sans"/>
               </a:rPr>
               <a:t>Sand Grains Tracking</a:t>
             </a:r>
@@ -13731,7 +13892,7 @@
         <p:spPr>
           <a:xfrm>
             <a:off x="1506960" y="4050720"/>
-            <a:ext cx="7766280" cy="1096200"/>
+            <a:ext cx="7765920" cy="1095840"/>
           </a:xfrm>
           <a:prstGeom prst="rect">
             <a:avLst/>
@@ -13748,7 +13909,9 @@
           <a:fontRef idx="minor"/>
         </p:style>
         <p:txBody>
-          <a:bodyPr lIns="90000" rIns="90000" tIns="45000" bIns="45000"/>
+          <a:bodyPr lIns="90000" rIns="90000" tIns="45000" bIns="45000">
+            <a:noAutofit/>
+          </a:bodyPr>
           <a:p>
             <a:pPr algn="r">
               <a:lnSpc>
@@ -13764,6 +13927,7 @@
                   <a:srgbClr val="808080"/>
                 </a:solidFill>
                 <a:latin typeface="Trebuchet MS"/>
+                <a:ea typeface="DejaVu Sans"/>
               </a:rPr>
               <a:t>E3 Project</a:t>
             </a:r>
@@ -13775,33 +13939,14 @@
       </p:sp>
     </p:spTree>
   </p:cSld>
-  <p:timing>
-    <p:tnLst>
-      <p:par>
-        <p:cTn id="1" dur="indefinite" restart="never" nodeType="tmRoot">
-          <p:childTnLst>
-            <p:seq>
-              <p:cTn id="2" dur="indefinite" nodeType="mainSeq"/>
-              <p:prevCondLst>
-                <p:cond delay="0" evt="onPrev">
-                  <p:tgtEl>
-                    <p:sldTgt/>
-                  </p:tgtEl>
-                </p:cond>
-              </p:prevCondLst>
-              <p:nextCondLst>
-                <p:cond delay="0" evt="onNext">
-                  <p:tgtEl>
-                    <p:sldTgt/>
-                  </p:tgtEl>
-                </p:cond>
-              </p:nextCondLst>
-            </p:seq>
-          </p:childTnLst>
-        </p:cTn>
-      </p:par>
-    </p:tnLst>
-  </p:timing>
+  <mc:AlternateContent>
+    <mc:Choice Requires="p14">
+      <p:transition spd="slow" p14:dur="2000"/>
+    </mc:Choice>
+    <mc:Fallback>
+      <p:transition spd="slow"/>
+    </mc:Fallback>
+  </mc:AlternateContent>
 </p:sld>
 </file>
 
@@ -13831,7 +13976,7 @@
         <p:spPr>
           <a:xfrm>
             <a:off x="677160" y="609480"/>
-            <a:ext cx="8596080" cy="1320120"/>
+            <a:ext cx="8595720" cy="1319760"/>
           </a:xfrm>
           <a:prstGeom prst="rect">
             <a:avLst/>
@@ -13848,7 +13993,9 @@
           <a:fontRef idx="minor"/>
         </p:style>
         <p:txBody>
-          <a:bodyPr lIns="90000" rIns="90000" tIns="45000" bIns="45000"/>
+          <a:bodyPr lIns="90000" rIns="90000" tIns="45000" bIns="45000">
+            <a:noAutofit/>
+          </a:bodyPr>
           <a:p>
             <a:pPr>
               <a:lnSpc>
@@ -13861,100 +14008,231 @@
                   <a:srgbClr val="5fcbef"/>
                 </a:solidFill>
                 <a:latin typeface="Trebuchet MS"/>
+                <a:ea typeface="DejaVu Sans"/>
               </a:rPr>
-              <a:t>MatPlotLib 3D Graph</a:t>
+              <a:t>Python, PyQt, MatPlotLib ?</a:t>
             </a:r>
-            <a:br/>
+            <a:endParaRPr b="0" lang="fr-FR" sz="3600" spc="-1" strike="noStrike">
+              <a:latin typeface="Arial"/>
+            </a:endParaRPr>
+          </a:p>
+        </p:txBody>
+      </p:sp>
+      <p:sp>
+        <p:nvSpPr>
+          <p:cNvPr id="331" name="CustomShape 2"/>
+          <p:cNvSpPr/>
+          <p:nvPr/>
+        </p:nvSpPr>
+        <p:spPr>
+          <a:xfrm>
+            <a:off x="677160" y="2160720"/>
+            <a:ext cx="8595720" cy="3879720"/>
+          </a:xfrm>
+          <a:prstGeom prst="rect">
+            <a:avLst/>
+          </a:prstGeom>
+          <a:noFill/>
+          <a:ln>
+            <a:noFill/>
+          </a:ln>
+        </p:spPr>
+        <p:style>
+          <a:lnRef idx="0"/>
+          <a:fillRef idx="0"/>
+          <a:effectRef idx="0"/>
+          <a:fontRef idx="minor"/>
+        </p:style>
+        <p:txBody>
+          <a:bodyPr lIns="90000" rIns="90000" tIns="45000" bIns="45000">
+            <a:noAutofit/>
+          </a:bodyPr>
+          <a:p>
+            <a:pPr marL="343080" indent="-342000">
+              <a:lnSpc>
+                <a:spcPct val="100000"/>
+              </a:lnSpc>
+              <a:spcBef>
+                <a:spcPts val="1001"/>
+              </a:spcBef>
+              <a:buClr>
+                <a:srgbClr val="5fcbef"/>
+              </a:buClr>
+              <a:buSzPct val="80000"/>
+              <a:buFont typeface="Wingdings 3" charset="2"/>
+              <a:buChar char=""/>
+            </a:pPr>
             <a:r>
               <a:rPr b="0" lang="fr-FR" sz="1800" spc="-1" strike="noStrike">
                 <a:solidFill>
                   <a:srgbClr val="404040"/>
                 </a:solidFill>
                 <a:latin typeface="Trebuchet MS"/>
+                <a:ea typeface="DejaVu Sans"/>
               </a:rPr>
-              <a:t>Display the path took by the grains</a:t>
+              <a:t>Python : Programming language</a:t>
             </a:r>
             <a:endParaRPr b="0" lang="fr-FR" sz="1800" spc="-1" strike="noStrike">
               <a:latin typeface="Arial"/>
             </a:endParaRPr>
           </a:p>
-        </p:txBody>
-      </p:sp>
-      <p:pic>
-        <p:nvPicPr>
-          <p:cNvPr id="331" name="Espace réservé du contenu 7" descr=""/>
-          <p:cNvPicPr/>
-          <p:nvPr/>
-        </p:nvPicPr>
-        <p:blipFill>
-          <a:blip r:embed="rId1"/>
-          <a:stretch/>
-        </p:blipFill>
-        <p:spPr>
-          <a:xfrm>
-            <a:off x="677880" y="2328840"/>
-            <a:ext cx="4182480" cy="3544560"/>
-          </a:xfrm>
-          <a:prstGeom prst="rect">
-            <a:avLst/>
-          </a:prstGeom>
-          <a:ln>
-            <a:noFill/>
-          </a:ln>
-        </p:spPr>
-      </p:pic>
-      <p:pic>
-        <p:nvPicPr>
-          <p:cNvPr id="332" name="Espace réservé du contenu 8" descr=""/>
-          <p:cNvPicPr/>
-          <p:nvPr/>
-        </p:nvPicPr>
-        <p:blipFill>
-          <a:blip r:embed="rId2"/>
-          <a:stretch/>
-        </p:blipFill>
-        <p:spPr>
-          <a:xfrm>
-            <a:off x="5089680" y="2328120"/>
-            <a:ext cx="4183920" cy="3545640"/>
-          </a:xfrm>
-          <a:prstGeom prst="rect">
-            <a:avLst/>
-          </a:prstGeom>
-          <a:ln>
-            <a:noFill/>
-          </a:ln>
-        </p:spPr>
-      </p:pic>
+          <a:p>
+            <a:pPr marL="343080" indent="-342000">
+              <a:lnSpc>
+                <a:spcPct val="100000"/>
+              </a:lnSpc>
+              <a:spcBef>
+                <a:spcPts val="1001"/>
+              </a:spcBef>
+              <a:buClr>
+                <a:srgbClr val="5fcbef"/>
+              </a:buClr>
+              <a:buSzPct val="80000"/>
+              <a:buFont typeface="Wingdings 3" charset="2"/>
+              <a:buChar char=""/>
+            </a:pPr>
+            <a:r>
+              <a:rPr b="0" lang="fr-FR" sz="1800" spc="-1" strike="noStrike">
+                <a:solidFill>
+                  <a:srgbClr val="404040"/>
+                </a:solidFill>
+                <a:latin typeface="Trebuchet MS"/>
+                <a:ea typeface="DejaVu Sans"/>
+              </a:rPr>
+              <a:t>Qt : Widget toolking for creating graphic user interfaces</a:t>
+            </a:r>
+            <a:endParaRPr b="0" lang="fr-FR" sz="1800" spc="-1" strike="noStrike">
+              <a:latin typeface="Arial"/>
+            </a:endParaRPr>
+          </a:p>
+          <a:p>
+            <a:pPr lvl="1" marL="743040" indent="-284760">
+              <a:lnSpc>
+                <a:spcPct val="100000"/>
+              </a:lnSpc>
+              <a:spcBef>
+                <a:spcPts val="1001"/>
+              </a:spcBef>
+              <a:buClr>
+                <a:srgbClr val="5fcbef"/>
+              </a:buClr>
+              <a:buSzPct val="80000"/>
+              <a:buFont typeface="Wingdings 3" charset="2"/>
+              <a:buChar char=""/>
+            </a:pPr>
+            <a:r>
+              <a:rPr b="0" lang="fr-FR" sz="1600" spc="-1" strike="noStrike">
+                <a:solidFill>
+                  <a:srgbClr val="404040"/>
+                </a:solidFill>
+                <a:latin typeface="Trebuchet MS"/>
+                <a:ea typeface="DejaVu Sans"/>
+              </a:rPr>
+              <a:t>It is cross-platform (Works on Linux, Windows and any UNIX OS)</a:t>
+            </a:r>
+            <a:endParaRPr b="0" lang="fr-FR" sz="1600" spc="-1" strike="noStrike">
+              <a:latin typeface="Arial"/>
+            </a:endParaRPr>
+          </a:p>
+          <a:p>
+            <a:pPr lvl="1" marL="743040" indent="-284760">
+              <a:lnSpc>
+                <a:spcPct val="100000"/>
+              </a:lnSpc>
+              <a:spcBef>
+                <a:spcPts val="1001"/>
+              </a:spcBef>
+              <a:buClr>
+                <a:srgbClr val="5fcbef"/>
+              </a:buClr>
+              <a:buSzPct val="80000"/>
+              <a:buFont typeface="Wingdings 3" charset="2"/>
+              <a:buChar char=""/>
+            </a:pPr>
+            <a:r>
+              <a:rPr b="0" lang="fr-FR" sz="1600" spc="-1" strike="noStrike">
+                <a:solidFill>
+                  <a:srgbClr val="404040"/>
+                </a:solidFill>
+                <a:latin typeface="Trebuchet MS"/>
+                <a:ea typeface="DejaVu Sans"/>
+              </a:rPr>
+              <a:t>Widgets are boxes which can be placed to make an UI.</a:t>
+            </a:r>
+            <a:endParaRPr b="0" lang="fr-FR" sz="1600" spc="-1" strike="noStrike">
+              <a:latin typeface="Arial"/>
+            </a:endParaRPr>
+          </a:p>
+          <a:p>
+            <a:pPr marL="343080" indent="-342000">
+              <a:lnSpc>
+                <a:spcPct val="100000"/>
+              </a:lnSpc>
+              <a:spcBef>
+                <a:spcPts val="1001"/>
+              </a:spcBef>
+              <a:buClr>
+                <a:srgbClr val="5fcbef"/>
+              </a:buClr>
+              <a:buSzPct val="80000"/>
+              <a:buFont typeface="Wingdings 3" charset="2"/>
+              <a:buChar char=""/>
+            </a:pPr>
+            <a:r>
+              <a:rPr b="0" lang="fr-FR" sz="1800" spc="-1" strike="noStrike">
+                <a:solidFill>
+                  <a:srgbClr val="404040"/>
+                </a:solidFill>
+                <a:latin typeface="Trebuchet MS"/>
+                <a:ea typeface="DejaVu Sans"/>
+              </a:rPr>
+              <a:t>PyQt : Python library to use Qt with Python</a:t>
+            </a:r>
+            <a:endParaRPr b="0" lang="fr-FR" sz="1800" spc="-1" strike="noStrike">
+              <a:latin typeface="Arial"/>
+            </a:endParaRPr>
+          </a:p>
+          <a:p>
+            <a:pPr marL="343080" indent="-342000">
+              <a:lnSpc>
+                <a:spcPct val="100000"/>
+              </a:lnSpc>
+              <a:spcBef>
+                <a:spcPts val="1001"/>
+              </a:spcBef>
+              <a:buClr>
+                <a:srgbClr val="5fcbef"/>
+              </a:buClr>
+              <a:buSzPct val="80000"/>
+              <a:buFont typeface="Wingdings 3" charset="2"/>
+              <a:buChar char=""/>
+            </a:pPr>
+            <a:r>
+              <a:rPr b="0" lang="fr-FR" sz="1800" spc="-1" strike="noStrike">
+                <a:solidFill>
+                  <a:srgbClr val="404040"/>
+                </a:solidFill>
+                <a:latin typeface="Trebuchet MS"/>
+                <a:ea typeface="DejaVu Sans"/>
+              </a:rPr>
+              <a:t>MatPlotLib : Python library to create graphs</a:t>
+            </a:r>
+            <a:endParaRPr b="0" lang="fr-FR" sz="1800" spc="-1" strike="noStrike">
+              <a:latin typeface="Arial"/>
+            </a:endParaRPr>
+          </a:p>
+        </p:txBody>
+      </p:sp>
     </p:spTree>
   </p:cSld>
-  <p:timing>
-    <p:tnLst>
-      <p:par>
-        <p:cTn id="19" dur="indefinite" restart="never" nodeType="tmRoot">
-          <p:childTnLst>
-            <p:seq>
-              <p:cTn id="20" dur="indefinite" nodeType="mainSeq"/>
-              <p:prevCondLst>
-                <p:cond delay="0" evt="onPrev">
-                  <p:tgtEl>
-                    <p:sldTgt/>
-                  </p:tgtEl>
-                </p:cond>
-              </p:prevCondLst>
-              <p:nextCondLst>
-                <p:cond delay="0" evt="onNext">
-                  <p:tgtEl>
-                    <p:sldTgt/>
-                  </p:tgtEl>
-                </p:cond>
-              </p:nextCondLst>
-            </p:seq>
-          </p:childTnLst>
-        </p:cTn>
-      </p:par>
-    </p:tnLst>
-  </p:timing>
+  <mc:AlternateContent>
+    <mc:Choice Requires="p14">
+      <p:transition spd="slow" p14:dur="2000"/>
+    </mc:Choice>
+    <mc:Fallback>
+      <p:transition spd="slow"/>
+    </mc:Fallback>
+  </mc:AlternateContent>
 </p:sld>
 </file>
 
@@ -13977,14 +14255,14 @@
       </p:grpSpPr>
       <p:sp>
         <p:nvSpPr>
-          <p:cNvPr id="333" name="CustomShape 1"/>
+          <p:cNvPr id="332" name="CustomShape 1"/>
           <p:cNvSpPr/>
           <p:nvPr/>
         </p:nvSpPr>
         <p:spPr>
           <a:xfrm>
             <a:off x="677160" y="609480"/>
-            <a:ext cx="8596080" cy="1320120"/>
+            <a:ext cx="8595720" cy="1319760"/>
           </a:xfrm>
           <a:prstGeom prst="rect">
             <a:avLst/>
@@ -14001,7 +14279,9 @@
           <a:fontRef idx="minor"/>
         </p:style>
         <p:txBody>
-          <a:bodyPr lIns="90000" rIns="90000" tIns="45000" bIns="45000"/>
+          <a:bodyPr lIns="90000" rIns="90000" tIns="45000" bIns="45000">
+            <a:noAutofit/>
+          </a:bodyPr>
           <a:p>
             <a:pPr>
               <a:lnSpc>
@@ -14014,8 +14294,9 @@
                   <a:srgbClr val="5fcbef"/>
                 </a:solidFill>
                 <a:latin typeface="Trebuchet MS"/>
+                <a:ea typeface="DejaVu Sans"/>
               </a:rPr>
-              <a:t>MatPlotLib 3D « Mille-Feuille »</a:t>
+              <a:t>MatPlotLib 3D Graph</a:t>
             </a:r>
             <a:br/>
             <a:r>
@@ -14024,8 +14305,9 @@
                   <a:srgbClr val="404040"/>
                 </a:solidFill>
                 <a:latin typeface="Trebuchet MS"/>
+                <a:ea typeface="DejaVu Sans"/>
               </a:rPr>
-              <a:t>Display the original images (4D images)</a:t>
+              <a:t>Display the path took by the grains</a:t>
             </a:r>
             <a:endParaRPr b="0" lang="fr-FR" sz="1800" spc="-1" strike="noStrike">
               <a:latin typeface="Arial"/>
@@ -14035,7 +14317,7 @@
       </p:sp>
       <p:pic>
         <p:nvPicPr>
-          <p:cNvPr id="334" name="Espace réservé du contenu 5" descr=""/>
+          <p:cNvPr id="333" name="Espace réservé du contenu 7" descr=""/>
           <p:cNvPicPr/>
           <p:nvPr/>
         </p:nvPicPr>
@@ -14046,7 +14328,7 @@
         <p:spPr>
           <a:xfrm>
             <a:off x="677880" y="2328840"/>
-            <a:ext cx="4182480" cy="3544560"/>
+            <a:ext cx="4182120" cy="3544200"/>
           </a:xfrm>
           <a:prstGeom prst="rect">
             <a:avLst/>
@@ -14058,7 +14340,7 @@
       </p:pic>
       <p:pic>
         <p:nvPicPr>
-          <p:cNvPr id="335" name="Espace réservé du contenu 6" descr=""/>
+          <p:cNvPr id="334" name="Espace réservé du contenu 8" descr=""/>
           <p:cNvPicPr/>
           <p:nvPr/>
         </p:nvPicPr>
@@ -14069,7 +14351,7 @@
         <p:spPr>
           <a:xfrm>
             <a:off x="5089680" y="2328120"/>
-            <a:ext cx="4183920" cy="3545640"/>
+            <a:ext cx="4183560" cy="3545280"/>
           </a:xfrm>
           <a:prstGeom prst="rect">
             <a:avLst/>
@@ -14081,33 +14363,14 @@
       </p:pic>
     </p:spTree>
   </p:cSld>
-  <p:timing>
-    <p:tnLst>
-      <p:par>
-        <p:cTn id="21" dur="indefinite" restart="never" nodeType="tmRoot">
-          <p:childTnLst>
-            <p:seq>
-              <p:cTn id="22" dur="indefinite" nodeType="mainSeq"/>
-              <p:prevCondLst>
-                <p:cond delay="0" evt="onPrev">
-                  <p:tgtEl>
-                    <p:sldTgt/>
-                  </p:tgtEl>
-                </p:cond>
-              </p:prevCondLst>
-              <p:nextCondLst>
-                <p:cond delay="0" evt="onNext">
-                  <p:tgtEl>
-                    <p:sldTgt/>
-                  </p:tgtEl>
-                </p:cond>
-              </p:nextCondLst>
-            </p:seq>
-          </p:childTnLst>
-        </p:cTn>
-      </p:par>
-    </p:tnLst>
-  </p:timing>
+  <mc:AlternateContent>
+    <mc:Choice Requires="p14">
+      <p:transition spd="slow" p14:dur="2000"/>
+    </mc:Choice>
+    <mc:Fallback>
+      <p:transition spd="slow"/>
+    </mc:Fallback>
+  </mc:AlternateContent>
 </p:sld>
 </file>
 
@@ -14130,14 +14393,14 @@
       </p:grpSpPr>
       <p:sp>
         <p:nvSpPr>
-          <p:cNvPr id="336" name="TextShape 1"/>
-          <p:cNvSpPr txBox="1"/>
+          <p:cNvPr id="335" name="CustomShape 1"/>
+          <p:cNvSpPr/>
           <p:nvPr/>
         </p:nvSpPr>
         <p:spPr>
           <a:xfrm>
-            <a:off x="547920" y="294840"/>
-            <a:ext cx="8596080" cy="1145160"/>
+            <a:off x="677160" y="609480"/>
+            <a:ext cx="8595720" cy="1319760"/>
           </a:xfrm>
           <a:prstGeom prst="rect">
             <a:avLst/>
@@ -14147,19 +14410,44 @@
             <a:noFill/>
           </a:ln>
         </p:spPr>
-        <p:txBody>
-          <a:bodyPr lIns="0" rIns="0" tIns="0" bIns="0" anchor="ctr"/>
-          <a:p>
+        <p:style>
+          <a:lnRef idx="0"/>
+          <a:fillRef idx="0"/>
+          <a:effectRef idx="0"/>
+          <a:fontRef idx="minor"/>
+        </p:style>
+        <p:txBody>
+          <a:bodyPr lIns="90000" rIns="90000" tIns="45000" bIns="45000">
+            <a:noAutofit/>
+          </a:bodyPr>
+          <a:p>
+            <a:pPr>
+              <a:lnSpc>
+                <a:spcPct val="100000"/>
+              </a:lnSpc>
+            </a:pPr>
             <a:r>
               <a:rPr b="0" lang="fr-FR" sz="3600" spc="-1" strike="noStrike">
                 <a:solidFill>
                   <a:srgbClr val="5fcbef"/>
                 </a:solidFill>
                 <a:latin typeface="Trebuchet MS"/>
+                <a:ea typeface="DejaVu Sans"/>
               </a:rPr>
-              <a:t>Creation of the Interface with tabs</a:t>
+              <a:t>MatPlotLib 3D « Mille-Feuille »</a:t>
             </a:r>
-            <a:endParaRPr b="0" lang="fr-FR" sz="3600" spc="-1" strike="noStrike">
+            <a:br/>
+            <a:r>
+              <a:rPr b="0" lang="fr-FR" sz="1800" spc="-1" strike="noStrike">
+                <a:solidFill>
+                  <a:srgbClr val="404040"/>
+                </a:solidFill>
+                <a:latin typeface="Trebuchet MS"/>
+                <a:ea typeface="DejaVu Sans"/>
+              </a:rPr>
+              <a:t>Display the original images (4D images)</a:t>
+            </a:r>
+            <a:endParaRPr b="0" lang="fr-FR" sz="1800" spc="-1" strike="noStrike">
               <a:latin typeface="Arial"/>
             </a:endParaRPr>
           </a:p>
@@ -14167,7 +14455,7 @@
       </p:sp>
       <p:pic>
         <p:nvPicPr>
-          <p:cNvPr id="337" name="" descr=""/>
+          <p:cNvPr id="336" name="Espace réservé du contenu 5" descr=""/>
           <p:cNvPicPr/>
           <p:nvPr/>
         </p:nvPicPr>
@@ -14177,8 +14465,8 @@
         </p:blipFill>
         <p:spPr>
           <a:xfrm>
-            <a:off x="216000" y="1404000"/>
-            <a:ext cx="6372000" cy="2988000"/>
+            <a:off x="677880" y="2328840"/>
+            <a:ext cx="4182120" cy="3544200"/>
           </a:xfrm>
           <a:prstGeom prst="rect">
             <a:avLst/>
@@ -14190,7 +14478,7 @@
       </p:pic>
       <p:pic>
         <p:nvPicPr>
-          <p:cNvPr id="338" name="" descr=""/>
+          <p:cNvPr id="337" name="Espace réservé du contenu 6" descr=""/>
           <p:cNvPicPr/>
           <p:nvPr/>
         </p:nvPicPr>
@@ -14200,8 +14488,8 @@
         </p:blipFill>
         <p:spPr>
           <a:xfrm>
-            <a:off x="5378400" y="3776760"/>
-            <a:ext cx="3837600" cy="3081240"/>
+            <a:off x="5089680" y="2328120"/>
+            <a:ext cx="4183560" cy="3545280"/>
           </a:xfrm>
           <a:prstGeom prst="rect">
             <a:avLst/>
@@ -14213,33 +14501,14 @@
       </p:pic>
     </p:spTree>
   </p:cSld>
-  <p:timing>
-    <p:tnLst>
-      <p:par>
-        <p:cTn id="23" dur="indefinite" restart="never" nodeType="tmRoot">
-          <p:childTnLst>
-            <p:seq>
-              <p:cTn id="24" dur="indefinite" nodeType="mainSeq"/>
-              <p:prevCondLst>
-                <p:cond delay="0" evt="onPrev">
-                  <p:tgtEl>
-                    <p:sldTgt/>
-                  </p:tgtEl>
-                </p:cond>
-              </p:prevCondLst>
-              <p:nextCondLst>
-                <p:cond delay="0" evt="onNext">
-                  <p:tgtEl>
-                    <p:sldTgt/>
-                  </p:tgtEl>
-                </p:cond>
-              </p:nextCondLst>
-            </p:seq>
-          </p:childTnLst>
-        </p:cTn>
-      </p:par>
-    </p:tnLst>
-  </p:timing>
+  <mc:AlternateContent>
+    <mc:Choice Requires="p14">
+      <p:transition spd="slow" p14:dur="2000"/>
+    </mc:Choice>
+    <mc:Fallback>
+      <p:transition spd="slow"/>
+    </mc:Fallback>
+  </mc:AlternateContent>
 </p:sld>
 </file>
 
@@ -14262,14 +14531,14 @@
       </p:grpSpPr>
       <p:sp>
         <p:nvSpPr>
-          <p:cNvPr id="339" name="TextShape 1"/>
-          <p:cNvSpPr txBox="1"/>
+          <p:cNvPr id="338" name="CustomShape 1"/>
+          <p:cNvSpPr/>
           <p:nvPr/>
         </p:nvSpPr>
         <p:spPr>
           <a:xfrm>
             <a:off x="547920" y="294840"/>
-            <a:ext cx="8596080" cy="1145160"/>
+            <a:ext cx="8595720" cy="1144800"/>
           </a:xfrm>
           <a:prstGeom prst="rect">
             <a:avLst/>
@@ -14279,9 +14548,148 @@
             <a:noFill/>
           </a:ln>
         </p:spPr>
-        <p:txBody>
-          <a:bodyPr lIns="0" rIns="0" tIns="0" bIns="0" anchor="ctr"/>
-          <a:p>
+        <p:style>
+          <a:lnRef idx="0"/>
+          <a:fillRef idx="0"/>
+          <a:effectRef idx="0"/>
+          <a:fontRef idx="minor"/>
+        </p:style>
+        <p:txBody>
+          <a:bodyPr lIns="0" rIns="0" tIns="0" bIns="0" anchor="ctr">
+            <a:noAutofit/>
+          </a:bodyPr>
+          <a:p>
+            <a:pPr>
+              <a:lnSpc>
+                <a:spcPct val="100000"/>
+              </a:lnSpc>
+            </a:pPr>
+            <a:r>
+              <a:rPr b="0" lang="fr-FR" sz="3600" spc="-1" strike="noStrike">
+                <a:solidFill>
+                  <a:srgbClr val="5fcbef"/>
+                </a:solidFill>
+                <a:latin typeface="Trebuchet MS"/>
+              </a:rPr>
+              <a:t>Creation of the Interface with tabs</a:t>
+            </a:r>
+            <a:endParaRPr b="0" lang="fr-FR" sz="3600" spc="-1" strike="noStrike">
+              <a:latin typeface="Arial"/>
+            </a:endParaRPr>
+          </a:p>
+        </p:txBody>
+      </p:sp>
+      <p:pic>
+        <p:nvPicPr>
+          <p:cNvPr id="339" name="" descr=""/>
+          <p:cNvPicPr/>
+          <p:nvPr/>
+        </p:nvPicPr>
+        <p:blipFill>
+          <a:blip r:embed="rId1"/>
+          <a:stretch/>
+        </p:blipFill>
+        <p:spPr>
+          <a:xfrm>
+            <a:off x="216000" y="1404000"/>
+            <a:ext cx="6371640" cy="2987640"/>
+          </a:xfrm>
+          <a:prstGeom prst="rect">
+            <a:avLst/>
+          </a:prstGeom>
+          <a:ln>
+            <a:noFill/>
+          </a:ln>
+        </p:spPr>
+      </p:pic>
+      <p:pic>
+        <p:nvPicPr>
+          <p:cNvPr id="340" name="" descr=""/>
+          <p:cNvPicPr/>
+          <p:nvPr/>
+        </p:nvPicPr>
+        <p:blipFill>
+          <a:blip r:embed="rId2"/>
+          <a:stretch/>
+        </p:blipFill>
+        <p:spPr>
+          <a:xfrm>
+            <a:off x="5378400" y="3776760"/>
+            <a:ext cx="3837240" cy="3080880"/>
+          </a:xfrm>
+          <a:prstGeom prst="rect">
+            <a:avLst/>
+          </a:prstGeom>
+          <a:ln>
+            <a:noFill/>
+          </a:ln>
+        </p:spPr>
+      </p:pic>
+    </p:spTree>
+  </p:cSld>
+  <mc:AlternateContent>
+    <mc:Choice Requires="p14">
+      <p:transition spd="slow" p14:dur="2000"/>
+    </mc:Choice>
+    <mc:Fallback>
+      <p:transition spd="slow"/>
+    </mc:Fallback>
+  </mc:AlternateContent>
+</p:sld>
+</file>
+
+<file path=ppt/slides/slide14.xml><?xml version="1.0" encoding="utf-8"?>
+<p:sld xmlns:a="http://schemas.openxmlformats.org/drawingml/2006/main" xmlns:p="http://schemas.openxmlformats.org/presentationml/2006/main" xmlns:r="http://schemas.openxmlformats.org/officeDocument/2006/relationships" xmlns:p14="http://schemas.microsoft.com/office/powerpoint/2010/main" xmlns:p15="http://schemas.microsoft.com/office/powerpoint/2012/main" xmlns:mc="http://schemas.openxmlformats.org/markup-compatibility/2006">
+  <p:cSld>
+    <p:spTree>
+      <p:nvGrpSpPr>
+        <p:cNvPr id="1" name=""/>
+        <p:cNvGrpSpPr/>
+        <p:nvPr/>
+      </p:nvGrpSpPr>
+      <p:grpSpPr>
+        <a:xfrm>
+          <a:off x="0" y="0"/>
+          <a:ext cx="0" cy="0"/>
+          <a:chOff x="0" y="0"/>
+          <a:chExt cx="0" cy="0"/>
+        </a:xfrm>
+      </p:grpSpPr>
+      <p:sp>
+        <p:nvSpPr>
+          <p:cNvPr id="341" name="CustomShape 1"/>
+          <p:cNvSpPr/>
+          <p:nvPr/>
+        </p:nvSpPr>
+        <p:spPr>
+          <a:xfrm>
+            <a:off x="547920" y="294840"/>
+            <a:ext cx="8595720" cy="1144800"/>
+          </a:xfrm>
+          <a:prstGeom prst="rect">
+            <a:avLst/>
+          </a:prstGeom>
+          <a:noFill/>
+          <a:ln>
+            <a:noFill/>
+          </a:ln>
+        </p:spPr>
+        <p:style>
+          <a:lnRef idx="0"/>
+          <a:fillRef idx="0"/>
+          <a:effectRef idx="0"/>
+          <a:fontRef idx="minor"/>
+        </p:style>
+        <p:txBody>
+          <a:bodyPr lIns="0" rIns="0" tIns="0" bIns="0" anchor="ctr">
+            <a:noAutofit/>
+          </a:bodyPr>
+          <a:p>
+            <a:pPr>
+              <a:lnSpc>
+                <a:spcPct val="100000"/>
+              </a:lnSpc>
+            </a:pPr>
             <a:r>
               <a:rPr b="0" lang="fr-FR" sz="3600" spc="-1" strike="noStrike">
                 <a:solidFill>
@@ -14299,7 +14707,7 @@
       </p:sp>
       <p:pic>
         <p:nvPicPr>
-          <p:cNvPr id="340" name="" descr=""/>
+          <p:cNvPr id="342" name="" descr=""/>
           <p:cNvPicPr/>
           <p:nvPr/>
         </p:nvPicPr>
@@ -14310,7 +14718,7 @@
         <p:spPr>
           <a:xfrm>
             <a:off x="81000" y="1266120"/>
-            <a:ext cx="5175000" cy="3053880"/>
+            <a:ext cx="5174640" cy="3053520"/>
           </a:xfrm>
           <a:prstGeom prst="rect">
             <a:avLst/>
@@ -14322,7 +14730,7 @@
       </p:pic>
       <p:pic>
         <p:nvPicPr>
-          <p:cNvPr id="341" name="" descr=""/>
+          <p:cNvPr id="343" name="" descr=""/>
           <p:cNvPicPr/>
           <p:nvPr/>
         </p:nvPicPr>
@@ -14333,7 +14741,7 @@
         <p:spPr>
           <a:xfrm>
             <a:off x="5550120" y="3079080"/>
-            <a:ext cx="3377880" cy="3472920"/>
+            <a:ext cx="3377520" cy="3472560"/>
           </a:xfrm>
           <a:prstGeom prst="rect">
             <a:avLst/>
@@ -14345,33 +14753,14 @@
       </p:pic>
     </p:spTree>
   </p:cSld>
-  <p:timing>
-    <p:tnLst>
-      <p:par>
-        <p:cTn id="25" dur="indefinite" restart="never" nodeType="tmRoot">
-          <p:childTnLst>
-            <p:seq>
-              <p:cTn id="26" dur="indefinite" nodeType="mainSeq"/>
-              <p:prevCondLst>
-                <p:cond delay="0" evt="onPrev">
-                  <p:tgtEl>
-                    <p:sldTgt/>
-                  </p:tgtEl>
-                </p:cond>
-              </p:prevCondLst>
-              <p:nextCondLst>
-                <p:cond delay="0" evt="onNext">
-                  <p:tgtEl>
-                    <p:sldTgt/>
-                  </p:tgtEl>
-                </p:cond>
-              </p:nextCondLst>
-            </p:seq>
-          </p:childTnLst>
-        </p:cTn>
-      </p:par>
-    </p:tnLst>
-  </p:timing>
+  <mc:AlternateContent>
+    <mc:Choice Requires="p14">
+      <p:transition spd="slow" p14:dur="2000"/>
+    </mc:Choice>
+    <mc:Fallback>
+      <p:transition spd="slow"/>
+    </mc:Fallback>
+  </mc:AlternateContent>
 </p:sld>
 </file>
 
@@ -14401,7 +14790,7 @@
         <p:spPr>
           <a:xfrm>
             <a:off x="677160" y="609480"/>
-            <a:ext cx="8596080" cy="1320120"/>
+            <a:ext cx="8595720" cy="1319760"/>
           </a:xfrm>
           <a:prstGeom prst="rect">
             <a:avLst/>
@@ -14418,7 +14807,9 @@
           <a:fontRef idx="minor"/>
         </p:style>
         <p:txBody>
-          <a:bodyPr lIns="90000" rIns="90000" tIns="45000" bIns="45000"/>
+          <a:bodyPr lIns="90000" rIns="90000" tIns="45000" bIns="45000">
+            <a:noAutofit/>
+          </a:bodyPr>
           <a:p>
             <a:pPr>
               <a:lnSpc>
@@ -14431,6 +14822,7 @@
                   <a:srgbClr val="5fcbef"/>
                 </a:solidFill>
                 <a:latin typeface="Trebuchet MS"/>
+                <a:ea typeface="DejaVu Sans"/>
               </a:rPr>
               <a:t>Introduction</a:t>
             </a:r>
@@ -14449,7 +14841,7 @@
         <p:spPr>
           <a:xfrm>
             <a:off x="677160" y="2160720"/>
-            <a:ext cx="8596080" cy="3880080"/>
+            <a:ext cx="8595720" cy="3879720"/>
           </a:xfrm>
           <a:prstGeom prst="rect">
             <a:avLst/>
@@ -14468,33 +14860,14 @@
       </p:sp>
     </p:spTree>
   </p:cSld>
-  <p:timing>
-    <p:tnLst>
-      <p:par>
-        <p:cTn id="3" dur="indefinite" restart="never" nodeType="tmRoot">
-          <p:childTnLst>
-            <p:seq>
-              <p:cTn id="4" dur="indefinite" nodeType="mainSeq"/>
-              <p:prevCondLst>
-                <p:cond delay="0" evt="onPrev">
-                  <p:tgtEl>
-                    <p:sldTgt/>
-                  </p:tgtEl>
-                </p:cond>
-              </p:prevCondLst>
-              <p:nextCondLst>
-                <p:cond delay="0" evt="onNext">
-                  <p:tgtEl>
-                    <p:sldTgt/>
-                  </p:tgtEl>
-                </p:cond>
-              </p:nextCondLst>
-            </p:seq>
-          </p:childTnLst>
-        </p:cTn>
-      </p:par>
-    </p:tnLst>
-  </p:timing>
+  <mc:AlternateContent>
+    <mc:Choice Requires="p14">
+      <p:transition spd="slow" p14:dur="2000"/>
+    </mc:Choice>
+    <mc:Fallback>
+      <p:transition spd="slow"/>
+    </mc:Fallback>
+  </mc:AlternateContent>
 </p:sld>
 </file>
 
@@ -14524,7 +14897,7 @@
         <p:spPr>
           <a:xfrm>
             <a:off x="677160" y="2700720"/>
-            <a:ext cx="8596080" cy="1825920"/>
+            <a:ext cx="8595720" cy="1825560"/>
           </a:xfrm>
           <a:prstGeom prst="rect">
             <a:avLst/>
@@ -14541,7 +14914,9 @@
           <a:fontRef idx="minor"/>
         </p:style>
         <p:txBody>
-          <a:bodyPr lIns="90000" rIns="90000" tIns="45000" bIns="45000" anchor="b"/>
+          <a:bodyPr lIns="90000" rIns="90000" tIns="45000" bIns="45000" anchor="b">
+            <a:noAutofit/>
+          </a:bodyPr>
           <a:p>
             <a:pPr>
               <a:lnSpc>
@@ -14554,6 +14929,7 @@
                   <a:srgbClr val="5fcbef"/>
                 </a:solidFill>
                 <a:latin typeface="Trebuchet MS"/>
+                <a:ea typeface="DejaVu Sans"/>
               </a:rPr>
               <a:t>Grains Tracking</a:t>
             </a:r>
@@ -14572,7 +14948,7 @@
         <p:spPr>
           <a:xfrm>
             <a:off x="677160" y="4527360"/>
-            <a:ext cx="8596080" cy="859680"/>
+            <a:ext cx="8595720" cy="859320"/>
           </a:xfrm>
           <a:prstGeom prst="rect">
             <a:avLst/>
@@ -14591,33 +14967,14 @@
       </p:sp>
     </p:spTree>
   </p:cSld>
-  <p:timing>
-    <p:tnLst>
-      <p:par>
-        <p:cTn id="5" dur="indefinite" restart="never" nodeType="tmRoot">
-          <p:childTnLst>
-            <p:seq>
-              <p:cTn id="6" dur="indefinite" nodeType="mainSeq"/>
-              <p:prevCondLst>
-                <p:cond delay="0" evt="onPrev">
-                  <p:tgtEl>
-                    <p:sldTgt/>
-                  </p:tgtEl>
-                </p:cond>
-              </p:prevCondLst>
-              <p:nextCondLst>
-                <p:cond delay="0" evt="onNext">
-                  <p:tgtEl>
-                    <p:sldTgt/>
-                  </p:tgtEl>
-                </p:cond>
-              </p:nextCondLst>
-            </p:seq>
-          </p:childTnLst>
-        </p:cTn>
-      </p:par>
-    </p:tnLst>
-  </p:timing>
+  <mc:AlternateContent>
+    <mc:Choice Requires="p14">
+      <p:transition spd="slow" p14:dur="2000"/>
+    </mc:Choice>
+    <mc:Fallback>
+      <p:transition spd="slow"/>
+    </mc:Fallback>
+  </mc:AlternateContent>
 </p:sld>
 </file>
 
@@ -14647,7 +15004,7 @@
         <p:spPr>
           <a:xfrm>
             <a:off x="792000" y="1003680"/>
-            <a:ext cx="8596080" cy="610200"/>
+            <a:ext cx="8595720" cy="609840"/>
           </a:xfrm>
           <a:prstGeom prst="rect">
             <a:avLst/>
@@ -14664,7 +15021,9 @@
           <a:fontRef idx="minor"/>
         </p:style>
         <p:txBody>
-          <a:bodyPr lIns="0" rIns="0" tIns="0" bIns="0" anchor="ctr"/>
+          <a:bodyPr lIns="0" rIns="0" tIns="0" bIns="0" anchor="ctr">
+            <a:noAutofit/>
+          </a:bodyPr>
           <a:p>
             <a:pPr>
               <a:lnSpc>
@@ -14677,6 +15036,7 @@
                   <a:srgbClr val="000000"/>
                 </a:solidFill>
                 <a:latin typeface="Trebuchet MS"/>
+                <a:ea typeface="DejaVu Sans"/>
               </a:rPr>
               <a:t>Images processing</a:t>
             </a:r>
@@ -14695,7 +15055,7 @@
         <p:spPr>
           <a:xfrm>
             <a:off x="720000" y="1944000"/>
-            <a:ext cx="8639640" cy="3023640"/>
+            <a:ext cx="8639280" cy="3023280"/>
           </a:xfrm>
           <a:prstGeom prst="rect">
             <a:avLst/>
@@ -14716,7 +15076,7 @@
             <a:normAutofit/>
           </a:bodyPr>
           <a:p>
-            <a:pPr marL="432000" indent="-323640">
+            <a:pPr marL="432000" indent="-323280">
               <a:lnSpc>
                 <a:spcPct val="100000"/>
               </a:lnSpc>
@@ -14736,6 +15096,7 @@
                   <a:srgbClr val="404040"/>
                 </a:solidFill>
                 <a:latin typeface="Trebuchet MS"/>
+                <a:ea typeface="DejaVu Sans"/>
               </a:rPr>
               <a:t>4D Image preprocessing into 2D layers</a:t>
             </a:r>
@@ -14744,7 +15105,7 @@
             </a:endParaRPr>
           </a:p>
           <a:p>
-            <a:pPr marL="432000" indent="-323640">
+            <a:pPr marL="432000" indent="-323280">
               <a:lnSpc>
                 <a:spcPct val="100000"/>
               </a:lnSpc>
@@ -14764,6 +15125,7 @@
                   <a:srgbClr val="404040"/>
                 </a:solidFill>
                 <a:latin typeface="Trebuchet MS"/>
+                <a:ea typeface="DejaVu Sans"/>
               </a:rPr>
               <a:t>Distance map &amp; minimas</a:t>
             </a:r>
@@ -14772,7 +15134,7 @@
             </a:endParaRPr>
           </a:p>
           <a:p>
-            <a:pPr marL="432000" indent="-323640">
+            <a:pPr marL="432000" indent="-323280">
               <a:lnSpc>
                 <a:spcPct val="100000"/>
               </a:lnSpc>
@@ -14792,6 +15154,7 @@
                   <a:srgbClr val="404040"/>
                 </a:solidFill>
                 <a:latin typeface="Trebuchet MS"/>
+                <a:ea typeface="DejaVu Sans"/>
               </a:rPr>
               <a:t>Watershed</a:t>
             </a:r>
@@ -14800,7 +15163,7 @@
             </a:endParaRPr>
           </a:p>
           <a:p>
-            <a:pPr marL="432000" indent="-323640">
+            <a:pPr marL="432000" indent="-323280">
               <a:lnSpc>
                 <a:spcPct val="100000"/>
               </a:lnSpc>
@@ -14820,6 +15183,7 @@
                   <a:srgbClr val="404040"/>
                 </a:solidFill>
                 <a:latin typeface="Trebuchet MS"/>
+                <a:ea typeface="DejaVu Sans"/>
               </a:rPr>
               <a:t>Artifacts removings</a:t>
             </a:r>
@@ -14828,7 +15192,7 @@
             </a:endParaRPr>
           </a:p>
           <a:p>
-            <a:pPr marL="432000" indent="-323640">
+            <a:pPr marL="432000" indent="-323280">
               <a:lnSpc>
                 <a:spcPct val="100000"/>
               </a:lnSpc>
@@ -14848,6 +15212,7 @@
                   <a:srgbClr val="404040"/>
                 </a:solidFill>
                 <a:latin typeface="Trebuchet MS"/>
+                <a:ea typeface="DejaVu Sans"/>
               </a:rPr>
               <a:t>Applying directly to 3D images</a:t>
             </a:r>
@@ -14859,33 +15224,14 @@
       </p:sp>
     </p:spTree>
   </p:cSld>
-  <p:timing>
-    <p:tnLst>
-      <p:par>
-        <p:cTn id="7" dur="indefinite" restart="never" nodeType="tmRoot">
-          <p:childTnLst>
-            <p:seq>
-              <p:cTn id="8" dur="indefinite" nodeType="mainSeq"/>
-              <p:prevCondLst>
-                <p:cond delay="0" evt="onPrev">
-                  <p:tgtEl>
-                    <p:sldTgt/>
-                  </p:tgtEl>
-                </p:cond>
-              </p:prevCondLst>
-              <p:nextCondLst>
-                <p:cond delay="0" evt="onNext">
-                  <p:tgtEl>
-                    <p:sldTgt/>
-                  </p:tgtEl>
-                </p:cond>
-              </p:nextCondLst>
-            </p:seq>
-          </p:childTnLst>
-        </p:cTn>
-      </p:par>
-    </p:tnLst>
-  </p:timing>
+  <mc:AlternateContent>
+    <mc:Choice Requires="p14">
+      <p:transition spd="slow" p14:dur="2000"/>
+    </mc:Choice>
+    <mc:Fallback>
+      <p:transition spd="slow"/>
+    </mc:Fallback>
+  </mc:AlternateContent>
 </p:sld>
 </file>
 
@@ -14915,7 +15261,7 @@
         <p:spPr>
           <a:xfrm>
             <a:off x="792000" y="1003680"/>
-            <a:ext cx="8596080" cy="610200"/>
+            <a:ext cx="8595720" cy="609840"/>
           </a:xfrm>
           <a:prstGeom prst="rect">
             <a:avLst/>
@@ -14932,7 +15278,9 @@
           <a:fontRef idx="minor"/>
         </p:style>
         <p:txBody>
-          <a:bodyPr lIns="0" rIns="0" tIns="0" bIns="0" anchor="ctr"/>
+          <a:bodyPr lIns="0" rIns="0" tIns="0" bIns="0" anchor="ctr">
+            <a:noAutofit/>
+          </a:bodyPr>
           <a:p>
             <a:pPr>
               <a:lnSpc>
@@ -14945,8 +15293,9 @@
                   <a:srgbClr val="000000"/>
                 </a:solidFill>
                 <a:latin typeface="Trebuchet MS"/>
+                <a:ea typeface="DejaVu Sans"/>
               </a:rPr>
-              <a:t>2D stuff</a:t>
+              <a:t>2D images processing</a:t>
             </a:r>
             <a:endParaRPr b="0" lang="fr-FR" sz="4000" spc="-1" strike="noStrike">
               <a:latin typeface="Arial"/>
@@ -14967,7 +15316,7 @@
         <p:spPr>
           <a:xfrm>
             <a:off x="756000" y="2160000"/>
-            <a:ext cx="2303640" cy="2303640"/>
+            <a:ext cx="2303280" cy="2303280"/>
           </a:xfrm>
           <a:prstGeom prst="rect">
             <a:avLst/>
@@ -14990,7 +15339,7 @@
         <p:spPr>
           <a:xfrm>
             <a:off x="3420000" y="2124000"/>
-            <a:ext cx="2303640" cy="2303640"/>
+            <a:ext cx="2303280" cy="2303280"/>
           </a:xfrm>
           <a:prstGeom prst="rect">
             <a:avLst/>
@@ -15013,7 +15362,7 @@
         <p:spPr>
           <a:xfrm>
             <a:off x="6228000" y="2088000"/>
-            <a:ext cx="2288520" cy="2288520"/>
+            <a:ext cx="2288160" cy="2288160"/>
           </a:xfrm>
           <a:prstGeom prst="rect">
             <a:avLst/>
@@ -15036,7 +15385,7 @@
         <p:spPr>
           <a:xfrm>
             <a:off x="9144000" y="689760"/>
-            <a:ext cx="2333880" cy="2333880"/>
+            <a:ext cx="2333520" cy="2333520"/>
           </a:xfrm>
           <a:prstGeom prst="rect">
             <a:avLst/>
@@ -15059,7 +15408,7 @@
         <p:spPr>
           <a:xfrm>
             <a:off x="9149400" y="3591720"/>
-            <a:ext cx="2283120" cy="2283120"/>
+            <a:ext cx="2282760" cy="2282760"/>
           </a:xfrm>
           <a:prstGeom prst="rect">
             <a:avLst/>
@@ -15071,33 +15420,14 @@
       </p:pic>
     </p:spTree>
   </p:cSld>
-  <p:timing>
-    <p:tnLst>
-      <p:par>
-        <p:cTn id="9" dur="indefinite" restart="never" nodeType="tmRoot">
-          <p:childTnLst>
-            <p:seq>
-              <p:cTn id="10" dur="indefinite" nodeType="mainSeq"/>
-              <p:prevCondLst>
-                <p:cond delay="0" evt="onPrev">
-                  <p:tgtEl>
-                    <p:sldTgt/>
-                  </p:tgtEl>
-                </p:cond>
-              </p:prevCondLst>
-              <p:nextCondLst>
-                <p:cond delay="0" evt="onNext">
-                  <p:tgtEl>
-                    <p:sldTgt/>
-                  </p:tgtEl>
-                </p:cond>
-              </p:nextCondLst>
-            </p:seq>
-          </p:childTnLst>
-        </p:cTn>
-      </p:par>
-    </p:tnLst>
-  </p:timing>
+  <mc:AlternateContent>
+    <mc:Choice Requires="p14">
+      <p:transition spd="slow" p14:dur="2000"/>
+    </mc:Choice>
+    <mc:Fallback>
+      <p:transition spd="slow"/>
+    </mc:Fallback>
+  </mc:AlternateContent>
 </p:sld>
 </file>
 
@@ -15120,14 +15450,14 @@
       </p:grpSpPr>
       <p:sp>
         <p:nvSpPr>
-          <p:cNvPr id="320" name="CustomShape 1"/>
-          <p:cNvSpPr/>
+          <p:cNvPr id="320" name="TextShape 1"/>
+          <p:cNvSpPr txBox="1"/>
           <p:nvPr/>
         </p:nvSpPr>
         <p:spPr>
           <a:xfrm>
-            <a:off x="216000" y="751680"/>
-            <a:ext cx="8596080" cy="610200"/>
+            <a:off x="609480" y="273600"/>
+            <a:ext cx="10972440" cy="1144800"/>
           </a:xfrm>
           <a:prstGeom prst="rect">
             <a:avLst/>
@@ -15137,30 +15467,19 @@
             <a:noFill/>
           </a:ln>
         </p:spPr>
-        <p:style>
-          <a:lnRef idx="0"/>
-          <a:fillRef idx="0"/>
-          <a:effectRef idx="0"/>
-          <a:fontRef idx="minor"/>
-        </p:style>
-        <p:txBody>
-          <a:bodyPr lIns="0" rIns="0" tIns="0" bIns="0" anchor="ctr"/>
-          <a:p>
-            <a:pPr>
-              <a:lnSpc>
-                <a:spcPct val="100000"/>
-              </a:lnSpc>
-            </a:pPr>
+        <p:txBody>
+          <a:bodyPr lIns="0" rIns="0" tIns="0" bIns="0" anchor="ctr">
+            <a:spAutoFit/>
+          </a:bodyPr>
+          <a:p>
+            <a:pPr algn="ctr"/>
             <a:r>
-              <a:rPr b="0" lang="fr-FR" sz="4000" spc="-1" strike="noStrike">
-                <a:solidFill>
-                  <a:srgbClr val="000000"/>
-                </a:solidFill>
-                <a:latin typeface="Trebuchet MS"/>
+              <a:rPr b="0" lang="fr-FR" sz="4400" spc="-1" strike="noStrike">
+                <a:latin typeface="Arial"/>
               </a:rPr>
-              <a:t>3D stuff</a:t>
+              <a:t>Issue encountered with the watershed</a:t>
             </a:r>
-            <a:endParaRPr b="0" lang="fr-FR" sz="4000" spc="-1" strike="noStrike">
+            <a:endParaRPr b="0" lang="fr-FR" sz="4400" spc="-1" strike="noStrike">
               <a:latin typeface="Arial"/>
             </a:endParaRPr>
           </a:p>
@@ -15178,8 +15497,8 @@
         </p:blipFill>
         <p:spPr>
           <a:xfrm>
-            <a:off x="5256000" y="792000"/>
-            <a:ext cx="5412240" cy="5412240"/>
+            <a:off x="3528000" y="1656000"/>
+            <a:ext cx="4608000" cy="4608000"/>
           </a:xfrm>
           <a:prstGeom prst="rect">
             <a:avLst/>
@@ -15191,33 +15510,14 @@
       </p:pic>
     </p:spTree>
   </p:cSld>
-  <p:timing>
-    <p:tnLst>
-      <p:par>
-        <p:cTn id="11" dur="indefinite" restart="never" nodeType="tmRoot">
-          <p:childTnLst>
-            <p:seq>
-              <p:cTn id="12" dur="indefinite" nodeType="mainSeq"/>
-              <p:prevCondLst>
-                <p:cond delay="0" evt="onPrev">
-                  <p:tgtEl>
-                    <p:sldTgt/>
-                  </p:tgtEl>
-                </p:cond>
-              </p:prevCondLst>
-              <p:nextCondLst>
-                <p:cond delay="0" evt="onNext">
-                  <p:tgtEl>
-                    <p:sldTgt/>
-                  </p:tgtEl>
-                </p:cond>
-              </p:nextCondLst>
-            </p:seq>
-          </p:childTnLst>
-        </p:cTn>
-      </p:par>
-    </p:tnLst>
-  </p:timing>
+  <mc:AlternateContent>
+    <mc:Choice Requires="p14">
+      <p:transition spd="slow" p14:dur="2000"/>
+    </mc:Choice>
+    <mc:Fallback>
+      <p:transition spd="slow"/>
+    </mc:Fallback>
+  </mc:AlternateContent>
 </p:sld>
 </file>
 
@@ -15246,8 +15546,8 @@
         </p:nvSpPr>
         <p:spPr>
           <a:xfrm>
-            <a:off x="677160" y="2700720"/>
-            <a:ext cx="8596080" cy="1825920"/>
+            <a:off x="216000" y="751680"/>
+            <a:ext cx="8595720" cy="609840"/>
           </a:xfrm>
           <a:prstGeom prst="rect">
             <a:avLst/>
@@ -15264,7 +15564,9 @@
           <a:fontRef idx="minor"/>
         </p:style>
         <p:txBody>
-          <a:bodyPr lIns="90000" rIns="90000" tIns="45000" bIns="45000" anchor="b"/>
+          <a:bodyPr lIns="0" rIns="0" tIns="0" bIns="0" anchor="ctr">
+            <a:noAutofit/>
+          </a:bodyPr>
           <a:p>
             <a:pPr>
               <a:lnSpc>
@@ -15274,73 +15576,72 @@
             <a:r>
               <a:rPr b="0" lang="fr-FR" sz="4000" spc="-1" strike="noStrike">
                 <a:solidFill>
-                  <a:srgbClr val="5fcbef"/>
+                  <a:srgbClr val="000000"/>
                 </a:solidFill>
                 <a:latin typeface="Trebuchet MS"/>
+                <a:ea typeface="DejaVu Sans"/>
               </a:rPr>
-              <a:t>Graphical Environnement</a:t>
+              <a:t>3D images</a:t>
             </a:r>
             <a:endParaRPr b="0" lang="fr-FR" sz="4000" spc="-1" strike="noStrike">
               <a:latin typeface="Arial"/>
             </a:endParaRPr>
           </a:p>
-        </p:txBody>
-      </p:sp>
-      <p:sp>
-        <p:nvSpPr>
-          <p:cNvPr id="323" name="CustomShape 2"/>
-          <p:cNvSpPr/>
+          <a:p>
+            <a:pPr>
+              <a:lnSpc>
+                <a:spcPct val="100000"/>
+              </a:lnSpc>
+            </a:pPr>
+            <a:r>
+              <a:rPr b="0" lang="fr-FR" sz="4000" spc="-1" strike="noStrike">
+                <a:solidFill>
+                  <a:srgbClr val="000000"/>
+                </a:solidFill>
+                <a:latin typeface="Trebuchet MS"/>
+                <a:ea typeface="DejaVu Sans"/>
+              </a:rPr>
+              <a:t>Processing</a:t>
+            </a:r>
+            <a:endParaRPr b="0" lang="fr-FR" sz="4000" spc="-1" strike="noStrike">
+              <a:latin typeface="Arial"/>
+            </a:endParaRPr>
+          </a:p>
+        </p:txBody>
+      </p:sp>
+      <p:pic>
+        <p:nvPicPr>
+          <p:cNvPr id="323" name="" descr=""/>
+          <p:cNvPicPr/>
           <p:nvPr/>
-        </p:nvSpPr>
-        <p:spPr>
-          <a:xfrm>
-            <a:off x="677160" y="4527360"/>
-            <a:ext cx="8596080" cy="859680"/>
-          </a:xfrm>
-          <a:prstGeom prst="rect">
-            <a:avLst/>
-          </a:prstGeom>
-          <a:noFill/>
+        </p:nvPicPr>
+        <p:blipFill>
+          <a:blip r:embed="rId1"/>
+          <a:stretch/>
+        </p:blipFill>
+        <p:spPr>
+          <a:xfrm>
+            <a:off x="5256000" y="792000"/>
+            <a:ext cx="5411880" cy="5411880"/>
+          </a:xfrm>
+          <a:prstGeom prst="rect">
+            <a:avLst/>
+          </a:prstGeom>
           <a:ln>
             <a:noFill/>
           </a:ln>
         </p:spPr>
-        <p:style>
-          <a:lnRef idx="0"/>
-          <a:fillRef idx="0"/>
-          <a:effectRef idx="0"/>
-          <a:fontRef idx="minor"/>
-        </p:style>
-      </p:sp>
+      </p:pic>
     </p:spTree>
   </p:cSld>
-  <p:timing>
-    <p:tnLst>
-      <p:par>
-        <p:cTn id="13" dur="indefinite" restart="never" nodeType="tmRoot">
-          <p:childTnLst>
-            <p:seq>
-              <p:cTn id="14" dur="indefinite" nodeType="mainSeq"/>
-              <p:prevCondLst>
-                <p:cond delay="0" evt="onPrev">
-                  <p:tgtEl>
-                    <p:sldTgt/>
-                  </p:tgtEl>
-                </p:cond>
-              </p:prevCondLst>
-              <p:nextCondLst>
-                <p:cond delay="0" evt="onNext">
-                  <p:tgtEl>
-                    <p:sldTgt/>
-                  </p:tgtEl>
-                </p:cond>
-              </p:nextCondLst>
-            </p:seq>
-          </p:childTnLst>
-        </p:cTn>
-      </p:par>
-    </p:tnLst>
-  </p:timing>
+  <mc:AlternateContent>
+    <mc:Choice Requires="p14">
+      <p:transition spd="slow" p14:dur="2000"/>
+    </mc:Choice>
+    <mc:Fallback>
+      <p:transition spd="slow"/>
+    </mc:Fallback>
+  </mc:AlternateContent>
 </p:sld>
 </file>
 
@@ -15369,8 +15670,8 @@
         </p:nvSpPr>
         <p:spPr>
           <a:xfrm>
-            <a:off x="677160" y="609480"/>
-            <a:ext cx="8596080" cy="1320120"/>
+            <a:off x="677160" y="2700720"/>
+            <a:ext cx="8595720" cy="1825560"/>
           </a:xfrm>
           <a:prstGeom prst="rect">
             <a:avLst/>
@@ -15387,7 +15688,9 @@
           <a:fontRef idx="minor"/>
         </p:style>
         <p:txBody>
-          <a:bodyPr lIns="90000" rIns="90000" tIns="45000" bIns="45000"/>
+          <a:bodyPr lIns="90000" rIns="90000" tIns="45000" bIns="45000" anchor="b">
+            <a:noAutofit/>
+          </a:bodyPr>
           <a:p>
             <a:pPr>
               <a:lnSpc>
@@ -15395,118 +15698,57 @@
               </a:lnSpc>
             </a:pPr>
             <a:r>
-              <a:rPr b="0" lang="fr-FR" sz="3600" spc="-1" strike="noStrike">
+              <a:rPr b="0" lang="fr-FR" sz="4000" spc="-1" strike="noStrike">
                 <a:solidFill>
                   <a:srgbClr val="5fcbef"/>
                 </a:solidFill>
                 <a:latin typeface="Trebuchet MS"/>
+                <a:ea typeface="DejaVu Sans"/>
               </a:rPr>
-              <a:t>Python, PyQt and Main Window</a:t>
+              <a:t>Graphical Environnement</a:t>
             </a:r>
-            <a:endParaRPr b="0" lang="fr-FR" sz="3600" spc="-1" strike="noStrike">
-              <a:latin typeface="Arial"/>
-            </a:endParaRPr>
-          </a:p>
-        </p:txBody>
-      </p:sp>
-      <p:pic>
-        <p:nvPicPr>
-          <p:cNvPr id="325" name="Espace réservé du contenu 6" descr=""/>
-          <p:cNvPicPr/>
+            <a:endParaRPr b="0" lang="fr-FR" sz="4000" spc="-1" strike="noStrike">
+              <a:latin typeface="Arial"/>
+            </a:endParaRPr>
+          </a:p>
+        </p:txBody>
+      </p:sp>
+      <p:sp>
+        <p:nvSpPr>
+          <p:cNvPr id="325" name="CustomShape 2"/>
+          <p:cNvSpPr/>
           <p:nvPr/>
-        </p:nvPicPr>
-        <p:blipFill>
-          <a:blip r:embed="rId1"/>
-          <a:stretch/>
-        </p:blipFill>
-        <p:spPr>
-          <a:xfrm>
-            <a:off x="1358280" y="2160720"/>
-            <a:ext cx="7234560" cy="3880800"/>
-          </a:xfrm>
-          <a:prstGeom prst="rect">
-            <a:avLst/>
-          </a:prstGeom>
+        </p:nvSpPr>
+        <p:spPr>
+          <a:xfrm>
+            <a:off x="677160" y="4527360"/>
+            <a:ext cx="8595720" cy="859320"/>
+          </a:xfrm>
+          <a:prstGeom prst="rect">
+            <a:avLst/>
+          </a:prstGeom>
+          <a:noFill/>
           <a:ln>
             <a:noFill/>
           </a:ln>
         </p:spPr>
-      </p:pic>
-      <p:pic>
-        <p:nvPicPr>
-          <p:cNvPr id="326" name="Image 13" descr=""/>
-          <p:cNvPicPr/>
-          <p:nvPr/>
-        </p:nvPicPr>
-        <p:blipFill>
-          <a:blip r:embed="rId2"/>
-          <a:stretch/>
-        </p:blipFill>
-        <p:spPr>
-          <a:xfrm>
-            <a:off x="8593560" y="613800"/>
-            <a:ext cx="2739600" cy="655560"/>
-          </a:xfrm>
-          <a:prstGeom prst="rect">
-            <a:avLst/>
-          </a:prstGeom>
-          <a:ln>
-            <a:noFill/>
-          </a:ln>
-        </p:spPr>
-      </p:pic>
-      <p:pic>
-        <p:nvPicPr>
-          <p:cNvPr id="327" name="Image 15" descr=""/>
-          <p:cNvPicPr/>
-          <p:nvPr/>
-        </p:nvPicPr>
-        <p:blipFill>
-          <a:blip r:embed="rId3"/>
-          <a:stretch/>
-        </p:blipFill>
-        <p:spPr>
-          <a:xfrm>
-            <a:off x="9519840" y="1604880"/>
-            <a:ext cx="887400" cy="650520"/>
-          </a:xfrm>
-          <a:prstGeom prst="rect">
-            <a:avLst/>
-          </a:prstGeom>
-          <a:ln>
-            <a:noFill/>
-          </a:ln>
-        </p:spPr>
-      </p:pic>
+        <p:style>
+          <a:lnRef idx="0"/>
+          <a:fillRef idx="0"/>
+          <a:effectRef idx="0"/>
+          <a:fontRef idx="minor"/>
+        </p:style>
+      </p:sp>
     </p:spTree>
   </p:cSld>
-  <p:timing>
-    <p:tnLst>
-      <p:par>
-        <p:cTn id="15" dur="indefinite" restart="never" nodeType="tmRoot">
-          <p:childTnLst>
-            <p:seq>
-              <p:cTn id="16" dur="indefinite" nodeType="mainSeq"/>
-              <p:prevCondLst>
-                <p:cond delay="0" evt="onPrev">
-                  <p:tgtEl>
-                    <p:sldTgt/>
-                  </p:tgtEl>
-                </p:cond>
-              </p:prevCondLst>
-              <p:nextCondLst>
-                <p:cond delay="0" evt="onNext">
-                  <p:tgtEl>
-                    <p:sldTgt/>
-                  </p:tgtEl>
-                </p:cond>
-              </p:nextCondLst>
-            </p:seq>
-          </p:childTnLst>
-        </p:cTn>
-      </p:par>
-    </p:tnLst>
-  </p:timing>
+  <mc:AlternateContent>
+    <mc:Choice Requires="p14">
+      <p:transition spd="slow" p14:dur="2000"/>
+    </mc:Choice>
+    <mc:Fallback>
+      <p:transition spd="slow"/>
+    </mc:Fallback>
+  </mc:AlternateContent>
 </p:sld>
 </file>
 
@@ -15529,14 +15771,14 @@
       </p:grpSpPr>
       <p:sp>
         <p:nvSpPr>
-          <p:cNvPr id="328" name="CustomShape 1"/>
+          <p:cNvPr id="326" name="CustomShape 1"/>
           <p:cNvSpPr/>
           <p:nvPr/>
         </p:nvSpPr>
         <p:spPr>
           <a:xfrm>
             <a:off x="677160" y="609480"/>
-            <a:ext cx="8596080" cy="1320120"/>
+            <a:ext cx="8595720" cy="1319760"/>
           </a:xfrm>
           <a:prstGeom prst="rect">
             <a:avLst/>
@@ -15553,7 +15795,9 @@
           <a:fontRef idx="minor"/>
         </p:style>
         <p:txBody>
-          <a:bodyPr lIns="90000" rIns="90000" tIns="45000" bIns="45000"/>
+          <a:bodyPr lIns="90000" rIns="90000" tIns="45000" bIns="45000">
+            <a:noAutofit/>
+          </a:bodyPr>
           <a:p>
             <a:pPr>
               <a:lnSpc>
@@ -15566,8 +15810,9 @@
                   <a:srgbClr val="5fcbef"/>
                 </a:solidFill>
                 <a:latin typeface="Trebuchet MS"/>
+                <a:ea typeface="DejaVu Sans"/>
               </a:rPr>
-              <a:t>Python, PyQt, MatPlotLib ?</a:t>
+              <a:t>Python, PyQt and Main Window</a:t>
             </a:r>
             <a:endParaRPr b="0" lang="fr-FR" sz="3600" spc="-1" strike="noStrike">
               <a:latin typeface="Arial"/>
@@ -15575,232 +15820,85 @@
           </a:p>
         </p:txBody>
       </p:sp>
-      <p:sp>
-        <p:nvSpPr>
-          <p:cNvPr id="329" name="CustomShape 2"/>
-          <p:cNvSpPr/>
+      <p:pic>
+        <p:nvPicPr>
+          <p:cNvPr id="327" name="Espace réservé du contenu 6" descr=""/>
+          <p:cNvPicPr/>
           <p:nvPr/>
-        </p:nvSpPr>
-        <p:spPr>
-          <a:xfrm>
-            <a:off x="677160" y="2160720"/>
-            <a:ext cx="8596080" cy="3880080"/>
-          </a:xfrm>
-          <a:prstGeom prst="rect">
-            <a:avLst/>
-          </a:prstGeom>
-          <a:noFill/>
+        </p:nvPicPr>
+        <p:blipFill>
+          <a:blip r:embed="rId1"/>
+          <a:stretch/>
+        </p:blipFill>
+        <p:spPr>
+          <a:xfrm>
+            <a:off x="1358280" y="2160720"/>
+            <a:ext cx="7234200" cy="3880440"/>
+          </a:xfrm>
+          <a:prstGeom prst="rect">
+            <a:avLst/>
+          </a:prstGeom>
           <a:ln>
             <a:noFill/>
           </a:ln>
         </p:spPr>
-        <p:style>
-          <a:lnRef idx="0"/>
-          <a:fillRef idx="0"/>
-          <a:effectRef idx="0"/>
-          <a:fontRef idx="minor"/>
-        </p:style>
-        <p:txBody>
-          <a:bodyPr lIns="90000" rIns="90000" tIns="45000" bIns="45000"/>
-          <a:p>
-            <a:pPr marL="343080" indent="-342360">
-              <a:lnSpc>
-                <a:spcPct val="100000"/>
-              </a:lnSpc>
-              <a:spcBef>
-                <a:spcPts val="1001"/>
-              </a:spcBef>
-              <a:buClr>
-                <a:srgbClr val="5fcbef"/>
-              </a:buClr>
-              <a:buSzPct val="80000"/>
-              <a:buFont typeface="Wingdings 3" charset="2"/>
-              <a:buChar char=""/>
-            </a:pPr>
-            <a:r>
-              <a:rPr b="0" lang="fr-FR" sz="1800" spc="-1" strike="noStrike">
-                <a:solidFill>
-                  <a:srgbClr val="404040"/>
-                </a:solidFill>
-                <a:latin typeface="Trebuchet MS"/>
-              </a:rPr>
-              <a:t>Python : Programming language</a:t>
-            </a:r>
-            <a:endParaRPr b="0" lang="fr-FR" sz="1800" spc="-1" strike="noStrike">
-              <a:latin typeface="Arial"/>
-            </a:endParaRPr>
-          </a:p>
-          <a:p>
-            <a:pPr marL="343080" indent="-342360">
-              <a:lnSpc>
-                <a:spcPct val="100000"/>
-              </a:lnSpc>
-              <a:spcBef>
-                <a:spcPts val="1001"/>
-              </a:spcBef>
-              <a:buClr>
-                <a:srgbClr val="5fcbef"/>
-              </a:buClr>
-              <a:buSzPct val="80000"/>
-              <a:buFont typeface="Wingdings 3" charset="2"/>
-              <a:buChar char=""/>
-            </a:pPr>
-            <a:r>
-              <a:rPr b="0" lang="fr-FR" sz="1800" spc="-1" strike="noStrike">
-                <a:solidFill>
-                  <a:srgbClr val="404040"/>
-                </a:solidFill>
-                <a:latin typeface="Trebuchet MS"/>
-              </a:rPr>
-              <a:t>Qt : Widget toolking for creating graphic user interfaces</a:t>
-            </a:r>
-            <a:endParaRPr b="0" lang="fr-FR" sz="1800" spc="-1" strike="noStrike">
-              <a:latin typeface="Arial"/>
-            </a:endParaRPr>
-          </a:p>
-          <a:p>
-            <a:pPr lvl="1" marL="743040" indent="-285120">
-              <a:lnSpc>
-                <a:spcPct val="100000"/>
-              </a:lnSpc>
-              <a:spcBef>
-                <a:spcPts val="1001"/>
-              </a:spcBef>
-              <a:buClr>
-                <a:srgbClr val="5fcbef"/>
-              </a:buClr>
-              <a:buSzPct val="80000"/>
-              <a:buFont typeface="Wingdings 3" charset="2"/>
-              <a:buChar char=""/>
-            </a:pPr>
-            <a:r>
-              <a:rPr b="0" lang="fr-FR" sz="1600" spc="-1" strike="noStrike">
-                <a:solidFill>
-                  <a:srgbClr val="404040"/>
-                </a:solidFill>
-                <a:latin typeface="Trebuchet MS"/>
-              </a:rPr>
-              <a:t>It is cross-platform (Works on Linux, Windows and any UNIX OS)</a:t>
-            </a:r>
-            <a:endParaRPr b="0" lang="fr-FR" sz="1600" spc="-1" strike="noStrike">
-              <a:latin typeface="Arial"/>
-            </a:endParaRPr>
-          </a:p>
-          <a:p>
-            <a:pPr lvl="1" marL="743040" indent="-285120">
-              <a:lnSpc>
-                <a:spcPct val="100000"/>
-              </a:lnSpc>
-              <a:spcBef>
-                <a:spcPts val="1001"/>
-              </a:spcBef>
-              <a:buClr>
-                <a:srgbClr val="5fcbef"/>
-              </a:buClr>
-              <a:buSzPct val="80000"/>
-              <a:buFont typeface="Wingdings 3" charset="2"/>
-              <a:buChar char=""/>
-            </a:pPr>
-            <a:r>
-              <a:rPr b="0" lang="fr-FR" sz="1600" spc="-1" strike="noStrike">
-                <a:solidFill>
-                  <a:srgbClr val="404040"/>
-                </a:solidFill>
-                <a:latin typeface="Trebuchet MS"/>
-              </a:rPr>
-              <a:t>Widgets are boxes which can be placed to make an UI.</a:t>
-            </a:r>
-            <a:endParaRPr b="0" lang="fr-FR" sz="1600" spc="-1" strike="noStrike">
-              <a:latin typeface="Arial"/>
-            </a:endParaRPr>
-          </a:p>
-          <a:p>
-            <a:pPr marL="343080" indent="-342360">
-              <a:lnSpc>
-                <a:spcPct val="100000"/>
-              </a:lnSpc>
-              <a:spcBef>
-                <a:spcPts val="1001"/>
-              </a:spcBef>
-              <a:buClr>
-                <a:srgbClr val="5fcbef"/>
-              </a:buClr>
-              <a:buSzPct val="80000"/>
-              <a:buFont typeface="Wingdings 3" charset="2"/>
-              <a:buChar char=""/>
-            </a:pPr>
-            <a:r>
-              <a:rPr b="0" lang="fr-FR" sz="1800" spc="-1" strike="noStrike">
-                <a:solidFill>
-                  <a:srgbClr val="404040"/>
-                </a:solidFill>
-                <a:latin typeface="Trebuchet MS"/>
-              </a:rPr>
-              <a:t>PyQt : Python library to use Qt with Python</a:t>
-            </a:r>
-            <a:endParaRPr b="0" lang="fr-FR" sz="1800" spc="-1" strike="noStrike">
-              <a:latin typeface="Arial"/>
-            </a:endParaRPr>
-          </a:p>
-          <a:p>
-            <a:pPr marL="343080" indent="-342360">
-              <a:lnSpc>
-                <a:spcPct val="100000"/>
-              </a:lnSpc>
-              <a:spcBef>
-                <a:spcPts val="1001"/>
-              </a:spcBef>
-              <a:buClr>
-                <a:srgbClr val="5fcbef"/>
-              </a:buClr>
-              <a:buSzPct val="80000"/>
-              <a:buFont typeface="Wingdings 3" charset="2"/>
-              <a:buChar char=""/>
-            </a:pPr>
-            <a:r>
-              <a:rPr b="0" lang="fr-FR" sz="1800" spc="-1" strike="noStrike">
-                <a:solidFill>
-                  <a:srgbClr val="404040"/>
-                </a:solidFill>
-                <a:latin typeface="Trebuchet MS"/>
-              </a:rPr>
-              <a:t>MatPlotLib : Python library to create graphs</a:t>
-            </a:r>
-            <a:endParaRPr b="0" lang="fr-FR" sz="1800" spc="-1" strike="noStrike">
-              <a:latin typeface="Arial"/>
-            </a:endParaRPr>
-          </a:p>
-        </p:txBody>
-      </p:sp>
+      </p:pic>
+      <p:pic>
+        <p:nvPicPr>
+          <p:cNvPr id="328" name="Image 13" descr=""/>
+          <p:cNvPicPr/>
+          <p:nvPr/>
+        </p:nvPicPr>
+        <p:blipFill>
+          <a:blip r:embed="rId2"/>
+          <a:stretch/>
+        </p:blipFill>
+        <p:spPr>
+          <a:xfrm>
+            <a:off x="8593560" y="613800"/>
+            <a:ext cx="2739240" cy="655200"/>
+          </a:xfrm>
+          <a:prstGeom prst="rect">
+            <a:avLst/>
+          </a:prstGeom>
+          <a:ln>
+            <a:noFill/>
+          </a:ln>
+        </p:spPr>
+      </p:pic>
+      <p:pic>
+        <p:nvPicPr>
+          <p:cNvPr id="329" name="Image 15" descr=""/>
+          <p:cNvPicPr/>
+          <p:nvPr/>
+        </p:nvPicPr>
+        <p:blipFill>
+          <a:blip r:embed="rId3"/>
+          <a:stretch/>
+        </p:blipFill>
+        <p:spPr>
+          <a:xfrm>
+            <a:off x="9519840" y="1604880"/>
+            <a:ext cx="887040" cy="650160"/>
+          </a:xfrm>
+          <a:prstGeom prst="rect">
+            <a:avLst/>
+          </a:prstGeom>
+          <a:ln>
+            <a:noFill/>
+          </a:ln>
+        </p:spPr>
+      </p:pic>
     </p:spTree>
   </p:cSld>
-  <p:timing>
-    <p:tnLst>
-      <p:par>
-        <p:cTn id="17" dur="indefinite" restart="never" nodeType="tmRoot">
-          <p:childTnLst>
-            <p:seq>
-              <p:cTn id="18" dur="indefinite" nodeType="mainSeq"/>
-              <p:prevCondLst>
-                <p:cond delay="0" evt="onPrev">
-                  <p:tgtEl>
-                    <p:sldTgt/>
-                  </p:tgtEl>
-                </p:cond>
-              </p:prevCondLst>
-              <p:nextCondLst>
-                <p:cond delay="0" evt="onNext">
-                  <p:tgtEl>
-                    <p:sldTgt/>
-                  </p:tgtEl>
-                </p:cond>
-              </p:nextCondLst>
-            </p:seq>
-          </p:childTnLst>
-        </p:cTn>
-      </p:par>
-    </p:tnLst>
-  </p:timing>
+  <mc:AlternateContent>
+    <mc:Choice Requires="p14">
+      <p:transition spd="slow" p14:dur="2000"/>
+    </mc:Choice>
+    <mc:Fallback>
+      <p:transition spd="slow"/>
+    </mc:Fallback>
+  </mc:AlternateContent>
 </p:sld>
 </file>
 
